--- a/Interactive Visualisation.pptx
+++ b/Interactive Visualisation.pptx
@@ -5,29 +5,26 @@
     <p:sldMasterId id="2147483648" r:id="rId4"/>
   </p:sldMasterIdLst>
   <p:notesMasterIdLst>
-    <p:notesMasterId r:id="rId25"/>
+    <p:notesMasterId r:id="rId22"/>
   </p:notesMasterIdLst>
   <p:sldIdLst>
-    <p:sldId id="272" r:id="rId5"/>
+    <p:sldId id="322" r:id="rId5"/>
     <p:sldId id="257" r:id="rId6"/>
     <p:sldId id="293" r:id="rId7"/>
-    <p:sldId id="315" r:id="rId8"/>
-    <p:sldId id="312" r:id="rId9"/>
-    <p:sldId id="314" r:id="rId10"/>
+    <p:sldId id="312" r:id="rId8"/>
+    <p:sldId id="314" r:id="rId9"/>
+    <p:sldId id="323" r:id="rId10"/>
     <p:sldId id="313" r:id="rId11"/>
     <p:sldId id="294" r:id="rId12"/>
     <p:sldId id="319" r:id="rId13"/>
-    <p:sldId id="302" r:id="rId14"/>
+    <p:sldId id="324" r:id="rId14"/>
     <p:sldId id="296" r:id="rId15"/>
-    <p:sldId id="287" r:id="rId16"/>
-    <p:sldId id="309" r:id="rId17"/>
-    <p:sldId id="304" r:id="rId18"/>
-    <p:sldId id="318" r:id="rId19"/>
-    <p:sldId id="306" r:id="rId20"/>
-    <p:sldId id="320" r:id="rId21"/>
-    <p:sldId id="295" r:id="rId22"/>
-    <p:sldId id="308" r:id="rId23"/>
-    <p:sldId id="317" r:id="rId24"/>
+    <p:sldId id="309" r:id="rId16"/>
+    <p:sldId id="304" r:id="rId17"/>
+    <p:sldId id="318" r:id="rId18"/>
+    <p:sldId id="295" r:id="rId19"/>
+    <p:sldId id="320" r:id="rId20"/>
+    <p:sldId id="317" r:id="rId21"/>
   </p:sldIdLst>
   <p:sldSz cx="12192000" cy="6858000"/>
   <p:notesSz cx="6858000" cy="9144000"/>
@@ -482,210 +479,6 @@
     </a:lvl9pPr>
   </p:notesStyle>
 </p:notesMaster>
-</file>
-
-<file path=ppt/notesSlides/notesSlide1.xml><?xml version="1.0" encoding="utf-8"?>
-<p:notes xmlns:a="http://schemas.openxmlformats.org/drawingml/2006/main" xmlns:r="http://schemas.openxmlformats.org/officeDocument/2006/relationships" xmlns:p="http://schemas.openxmlformats.org/presentationml/2006/main">
-  <p:cSld>
-    <p:spTree>
-      <p:nvGrpSpPr>
-        <p:cNvPr id="1" name=""/>
-        <p:cNvGrpSpPr/>
-        <p:nvPr/>
-      </p:nvGrpSpPr>
-      <p:grpSpPr>
-        <a:xfrm>
-          <a:off x="0" y="0"/>
-          <a:ext cx="0" cy="0"/>
-          <a:chOff x="0" y="0"/>
-          <a:chExt cx="0" cy="0"/>
-        </a:xfrm>
-      </p:grpSpPr>
-      <p:sp>
-        <p:nvSpPr>
-          <p:cNvPr id="2" name="Slide Image Placeholder 1"/>
-          <p:cNvSpPr>
-            <a:spLocks noGrp="1" noRot="1" noChangeAspect="1"/>
-          </p:cNvSpPr>
-          <p:nvPr>
-            <p:ph type="sldImg"/>
-          </p:nvPr>
-        </p:nvSpPr>
-        <p:spPr/>
-      </p:sp>
-      <p:sp>
-        <p:nvSpPr>
-          <p:cNvPr id="3" name="Notes Placeholder 2"/>
-          <p:cNvSpPr>
-            <a:spLocks noGrp="1"/>
-          </p:cNvSpPr>
-          <p:nvPr>
-            <p:ph type="body" idx="1"/>
-          </p:nvPr>
-        </p:nvSpPr>
-        <p:spPr/>
-        <p:txBody>
-          <a:bodyPr/>
-          <a:lstStyle/>
-          <a:p>
-            <a:r>
-              <a:rPr lang="en-GB" dirty="0"/>
-              <a:t> Presenting results of analysis to end users in the form of graphics and tables, allowing limited interaction such as selecting sub-groups of the data</a:t>
-            </a:r>
-          </a:p>
-          <a:p>
-            <a:r>
-              <a:rPr lang="en-GB" dirty="0"/>
-              <a:t> Displaying current status and presenting recommended next actions based on R models</a:t>
-            </a:r>
-          </a:p>
-          <a:p>
-            <a:r>
-              <a:rPr lang="en-GB" dirty="0"/>
-              <a:t> Automated production of common reports, letting users upload their own data that can be viewed in a standard way</a:t>
-            </a:r>
-          </a:p>
-          <a:p>
-            <a:endParaRPr lang="en-GB" dirty="0"/>
-          </a:p>
-        </p:txBody>
-      </p:sp>
-      <p:sp>
-        <p:nvSpPr>
-          <p:cNvPr id="4" name="Slide Number Placeholder 3"/>
-          <p:cNvSpPr>
-            <a:spLocks noGrp="1"/>
-          </p:cNvSpPr>
-          <p:nvPr>
-            <p:ph type="sldNum" sz="quarter" idx="10"/>
-          </p:nvPr>
-        </p:nvSpPr>
-        <p:spPr/>
-        <p:txBody>
-          <a:bodyPr/>
-          <a:lstStyle/>
-          <a:p>
-            <a:fld id="{0B92CC9C-36AD-4161-9F80-EAD0DCDB1286}" type="slidenum">
-              <a:rPr lang="en-GB" smtClean="0"/>
-              <a:t>10</a:t>
-            </a:fld>
-            <a:endParaRPr lang="en-GB"/>
-          </a:p>
-        </p:txBody>
-      </p:sp>
-    </p:spTree>
-    <p:extLst>
-      <p:ext uri="{BB962C8B-B14F-4D97-AF65-F5344CB8AC3E}">
-        <p14:creationId xmlns:p14="http://schemas.microsoft.com/office/powerpoint/2010/main" val="2513690048"/>
-      </p:ext>
-    </p:extLst>
-  </p:cSld>
-  <p:clrMapOvr>
-    <a:masterClrMapping/>
-  </p:clrMapOvr>
-</p:notes>
-</file>
-
-<file path=ppt/notesSlides/notesSlide2.xml><?xml version="1.0" encoding="utf-8"?>
-<p:notes xmlns:a="http://schemas.openxmlformats.org/drawingml/2006/main" xmlns:r="http://schemas.openxmlformats.org/officeDocument/2006/relationships" xmlns:p="http://schemas.openxmlformats.org/presentationml/2006/main">
-  <p:cSld>
-    <p:spTree>
-      <p:nvGrpSpPr>
-        <p:cNvPr id="1" name=""/>
-        <p:cNvGrpSpPr/>
-        <p:nvPr/>
-      </p:nvGrpSpPr>
-      <p:grpSpPr>
-        <a:xfrm>
-          <a:off x="0" y="0"/>
-          <a:ext cx="0" cy="0"/>
-          <a:chOff x="0" y="0"/>
-          <a:chExt cx="0" cy="0"/>
-        </a:xfrm>
-      </p:grpSpPr>
-      <p:sp>
-        <p:nvSpPr>
-          <p:cNvPr id="2" name="Slide Image Placeholder 1"/>
-          <p:cNvSpPr>
-            <a:spLocks noGrp="1" noRot="1" noChangeAspect="1"/>
-          </p:cNvSpPr>
-          <p:nvPr>
-            <p:ph type="sldImg"/>
-          </p:nvPr>
-        </p:nvSpPr>
-        <p:spPr/>
-      </p:sp>
-      <p:sp>
-        <p:nvSpPr>
-          <p:cNvPr id="3" name="Notes Placeholder 2"/>
-          <p:cNvSpPr>
-            <a:spLocks noGrp="1"/>
-          </p:cNvSpPr>
-          <p:nvPr>
-            <p:ph type="body" idx="1"/>
-          </p:nvPr>
-        </p:nvSpPr>
-        <p:spPr/>
-        <p:txBody>
-          <a:bodyPr/>
-          <a:lstStyle/>
-          <a:p>
-            <a:r>
-              <a:rPr lang="en-GB" dirty="0"/>
-              <a:t> Presenting results of analysis to end users in the form of graphics and tables, allowing limited interaction such as selecting sub-groups of the data</a:t>
-            </a:r>
-          </a:p>
-          <a:p>
-            <a:r>
-              <a:rPr lang="en-GB" dirty="0"/>
-              <a:t> Displaying current status and presenting recommended next actions based on R models</a:t>
-            </a:r>
-          </a:p>
-          <a:p>
-            <a:r>
-              <a:rPr lang="en-GB" dirty="0"/>
-              <a:t> Automated production of common reports, letting users upload their own data that can be viewed in a standard way</a:t>
-            </a:r>
-          </a:p>
-          <a:p>
-            <a:endParaRPr lang="en-GB" dirty="0"/>
-          </a:p>
-        </p:txBody>
-      </p:sp>
-      <p:sp>
-        <p:nvSpPr>
-          <p:cNvPr id="4" name="Slide Number Placeholder 3"/>
-          <p:cNvSpPr>
-            <a:spLocks noGrp="1"/>
-          </p:cNvSpPr>
-          <p:nvPr>
-            <p:ph type="sldNum" sz="quarter" idx="10"/>
-          </p:nvPr>
-        </p:nvSpPr>
-        <p:spPr/>
-        <p:txBody>
-          <a:bodyPr/>
-          <a:lstStyle/>
-          <a:p>
-            <a:fld id="{0B92CC9C-36AD-4161-9F80-EAD0DCDB1286}" type="slidenum">
-              <a:rPr lang="en-GB" smtClean="0"/>
-              <a:t>19</a:t>
-            </a:fld>
-            <a:endParaRPr lang="en-GB"/>
-          </a:p>
-        </p:txBody>
-      </p:sp>
-    </p:spTree>
-    <p:extLst>
-      <p:ext uri="{BB962C8B-B14F-4D97-AF65-F5344CB8AC3E}">
-        <p14:creationId xmlns:p14="http://schemas.microsoft.com/office/powerpoint/2010/main" val="1612999903"/>
-      </p:ext>
-    </p:extLst>
-  </p:cSld>
-  <p:clrMapOvr>
-    <a:masterClrMapping/>
-  </p:clrMapOvr>
-</p:notes>
 </file>
 
 <file path=ppt/slideLayouts/slideLayout1.xml><?xml version="1.0" encoding="utf-8"?>
@@ -4852,9 +4645,289 @@
           <a:chExt cx="0" cy="0"/>
         </a:xfrm>
       </p:grpSpPr>
+      <p:sp>
+        <p:nvSpPr>
+          <p:cNvPr id="2" name="Title 1">
+            <a:extLst>
+              <a:ext uri="{FF2B5EF4-FFF2-40B4-BE49-F238E27FC236}">
+                <a16:creationId xmlns:a16="http://schemas.microsoft.com/office/drawing/2014/main" id="{36E4F6AB-4322-4B51-90ED-FEEF48DC2520}"/>
+              </a:ext>
+            </a:extLst>
+          </p:cNvPr>
+          <p:cNvSpPr>
+            <a:spLocks noGrp="1"/>
+          </p:cNvSpPr>
+          <p:nvPr>
+            <p:ph type="ctrTitle"/>
+          </p:nvPr>
+        </p:nvSpPr>
+        <p:spPr/>
+        <p:txBody>
+          <a:bodyPr/>
+          <a:lstStyle/>
+          <a:p>
+            <a:r>
+              <a:rPr lang="en-GB" dirty="0"/>
+              <a:t>Interactive Visualisation</a:t>
+            </a:r>
+          </a:p>
+        </p:txBody>
+      </p:sp>
+      <p:sp>
+        <p:nvSpPr>
+          <p:cNvPr id="3" name="Subtitle 2">
+            <a:extLst>
+              <a:ext uri="{FF2B5EF4-FFF2-40B4-BE49-F238E27FC236}">
+                <a16:creationId xmlns:a16="http://schemas.microsoft.com/office/drawing/2014/main" id="{2CFF22AB-B34C-432F-9376-ABADC01ED68E}"/>
+              </a:ext>
+            </a:extLst>
+          </p:cNvPr>
+          <p:cNvSpPr>
+            <a:spLocks noGrp="1"/>
+          </p:cNvSpPr>
+          <p:nvPr>
+            <p:ph type="subTitle" idx="1"/>
+          </p:nvPr>
+        </p:nvSpPr>
+        <p:spPr/>
+        <p:txBody>
+          <a:bodyPr/>
+          <a:lstStyle/>
+          <a:p>
+            <a:r>
+              <a:rPr lang="en-GB" dirty="0"/>
+              <a:t>RSS International Conference 2021</a:t>
+            </a:r>
+          </a:p>
+          <a:p>
+            <a:r>
+              <a:rPr lang="en-GB" dirty="0"/>
+              <a:t>Joe Russell</a:t>
+            </a:r>
+          </a:p>
+          <a:p>
+            <a:r>
+              <a:rPr lang="en-GB" sz="1800" dirty="0"/>
+              <a:t>tinyurl.com/rssvis</a:t>
+            </a:r>
+          </a:p>
+        </p:txBody>
+      </p:sp>
+    </p:spTree>
+    <p:extLst>
+      <p:ext uri="{BB962C8B-B14F-4D97-AF65-F5344CB8AC3E}">
+        <p14:creationId xmlns:p14="http://schemas.microsoft.com/office/powerpoint/2010/main" val="916775914"/>
+      </p:ext>
+    </p:extLst>
+  </p:cSld>
+  <p:clrMapOvr>
+    <a:masterClrMapping/>
+  </p:clrMapOvr>
+  <mc:AlternateContent xmlns:mc="http://schemas.openxmlformats.org/markup-compatibility/2006" xmlns:p14="http://schemas.microsoft.com/office/powerpoint/2010/main">
+    <mc:Choice Requires="p14">
+      <p:transition spd="med" p14:dur="700">
+        <p:fade/>
+      </p:transition>
+    </mc:Choice>
+    <mc:Fallback xmlns="">
+      <p:transition spd="med">
+        <p:fade/>
+      </p:transition>
+    </mc:Fallback>
+  </mc:AlternateContent>
+</p:sld>
+</file>
+
+<file path=ppt/slides/slide10.xml><?xml version="1.0" encoding="utf-8"?>
+<p:sld xmlns:a="http://schemas.openxmlformats.org/drawingml/2006/main" xmlns:r="http://schemas.openxmlformats.org/officeDocument/2006/relationships" xmlns:p="http://schemas.openxmlformats.org/presentationml/2006/main">
+  <p:cSld>
+    <p:spTree>
+      <p:nvGrpSpPr>
+        <p:cNvPr id="1" name=""/>
+        <p:cNvGrpSpPr/>
+        <p:nvPr/>
+      </p:nvGrpSpPr>
+      <p:grpSpPr>
+        <a:xfrm>
+          <a:off x="0" y="0"/>
+          <a:ext cx="0" cy="0"/>
+          <a:chOff x="0" y="0"/>
+          <a:chExt cx="0" cy="0"/>
+        </a:xfrm>
+      </p:grpSpPr>
+      <p:sp>
+        <p:nvSpPr>
+          <p:cNvPr id="2" name="Title 1">
+            <a:extLst>
+              <a:ext uri="{FF2B5EF4-FFF2-40B4-BE49-F238E27FC236}">
+                <a16:creationId xmlns:a16="http://schemas.microsoft.com/office/drawing/2014/main" id="{B5174145-E574-458C-B5C8-242BAFD9CE90}"/>
+              </a:ext>
+            </a:extLst>
+          </p:cNvPr>
+          <p:cNvSpPr>
+            <a:spLocks noGrp="1"/>
+          </p:cNvSpPr>
+          <p:nvPr>
+            <p:ph type="title"/>
+          </p:nvPr>
+        </p:nvSpPr>
+        <p:spPr/>
+        <p:txBody>
+          <a:bodyPr/>
+          <a:lstStyle/>
+          <a:p>
+            <a:r>
+              <a:rPr lang="en-GB" sz="4400" b="1" dirty="0">
+                <a:latin typeface="Open Sans Light" panose="020B0306030504020204" pitchFamily="34" charset="0"/>
+                <a:ea typeface="Open Sans Light" panose="020B0306030504020204" pitchFamily="34" charset="0"/>
+                <a:cs typeface="Open Sans Light" panose="020B0306030504020204" pitchFamily="34" charset="0"/>
+              </a:rPr>
+              <a:t>What’s Shiny For?</a:t>
+            </a:r>
+            <a:endParaRPr lang="en-GB" dirty="0"/>
+          </a:p>
+        </p:txBody>
+      </p:sp>
+      <p:sp>
+        <p:nvSpPr>
+          <p:cNvPr id="3" name="Content Placeholder 2">
+            <a:extLst>
+              <a:ext uri="{FF2B5EF4-FFF2-40B4-BE49-F238E27FC236}">
+                <a16:creationId xmlns:a16="http://schemas.microsoft.com/office/drawing/2014/main" id="{07A75868-C7A4-47C1-9533-C7A6D3F9C50A}"/>
+              </a:ext>
+            </a:extLst>
+          </p:cNvPr>
+          <p:cNvSpPr>
+            <a:spLocks noGrp="1"/>
+          </p:cNvSpPr>
+          <p:nvPr>
+            <p:ph sz="half" idx="1"/>
+          </p:nvPr>
+        </p:nvSpPr>
+        <p:spPr>
+          <a:xfrm>
+            <a:off x="838200" y="1825625"/>
+            <a:ext cx="3609975" cy="2660650"/>
+          </a:xfrm>
+        </p:spPr>
+        <p:txBody>
+          <a:bodyPr/>
+          <a:lstStyle/>
+          <a:p>
+            <a:pPr marL="0" indent="0">
+              <a:buNone/>
+            </a:pPr>
+            <a:r>
+              <a:rPr lang="en-GB" dirty="0">
+                <a:latin typeface="Open Sans Light" panose="020B0306030504020204" pitchFamily="34" charset="0"/>
+                <a:ea typeface="Open Sans Light" panose="020B0306030504020204" pitchFamily="34" charset="0"/>
+                <a:cs typeface="Open Sans Light" panose="020B0306030504020204" pitchFamily="34" charset="0"/>
+              </a:rPr>
+              <a:t>Allowing your app users to benefit from R’s amazing functionality without them needing to learn R</a:t>
+            </a:r>
+          </a:p>
+          <a:p>
+            <a:endParaRPr lang="en-GB" dirty="0"/>
+          </a:p>
+        </p:txBody>
+      </p:sp>
       <p:pic>
         <p:nvPicPr>
-          <p:cNvPr id="20" name="Picture 19"/>
+          <p:cNvPr id="5" name="Content Placeholder 4">
+            <a:hlinkClick r:id="rId2"/>
+            <a:extLst>
+              <a:ext uri="{FF2B5EF4-FFF2-40B4-BE49-F238E27FC236}">
+                <a16:creationId xmlns:a16="http://schemas.microsoft.com/office/drawing/2014/main" id="{0E7B7318-AE4B-4956-802F-1EFC6F4190E6}"/>
+              </a:ext>
+            </a:extLst>
+          </p:cNvPr>
+          <p:cNvPicPr>
+            <a:picLocks noGrp="1"/>
+          </p:cNvPicPr>
+          <p:nvPr>
+            <p:ph sz="half" idx="2"/>
+          </p:nvPr>
+        </p:nvPicPr>
+        <p:blipFill>
+          <a:blip r:embed="rId3" cstate="print">
+            <a:extLst>
+              <a:ext uri="{28A0092B-C50C-407E-A947-70E740481C1C}">
+                <a14:useLocalDpi xmlns:a14="http://schemas.microsoft.com/office/drawing/2010/main" val="0"/>
+              </a:ext>
+            </a:extLst>
+          </a:blip>
+          <a:srcRect/>
+          <a:stretch>
+            <a:fillRect/>
+          </a:stretch>
+        </p:blipFill>
+        <p:spPr bwMode="auto">
+          <a:xfrm>
+            <a:off x="4552950" y="1825625"/>
+            <a:ext cx="7086600" cy="4091865"/>
+          </a:xfrm>
+          <a:prstGeom prst="rect">
+            <a:avLst/>
+          </a:prstGeom>
+          <a:noFill/>
+          <a:ln>
+            <a:solidFill>
+              <a:schemeClr val="tx1"/>
+            </a:solidFill>
+          </a:ln>
+        </p:spPr>
+      </p:pic>
+    </p:spTree>
+    <p:extLst>
+      <p:ext uri="{BB962C8B-B14F-4D97-AF65-F5344CB8AC3E}">
+        <p14:creationId xmlns:p14="http://schemas.microsoft.com/office/powerpoint/2010/main" val="1662576247"/>
+      </p:ext>
+    </p:extLst>
+  </p:cSld>
+  <p:clrMapOvr>
+    <a:masterClrMapping/>
+  </p:clrMapOvr>
+  <mc:AlternateContent xmlns:mc="http://schemas.openxmlformats.org/markup-compatibility/2006" xmlns:p14="http://schemas.microsoft.com/office/powerpoint/2010/main">
+    <mc:Choice Requires="p14">
+      <p:transition spd="med" p14:dur="700">
+        <p:fade/>
+      </p:transition>
+    </mc:Choice>
+    <mc:Fallback xmlns="">
+      <p:transition spd="med">
+        <p:fade/>
+      </p:transition>
+    </mc:Fallback>
+  </mc:AlternateContent>
+</p:sld>
+</file>
+
+<file path=ppt/slides/slide11.xml><?xml version="1.0" encoding="utf-8"?>
+<p:sld xmlns:a="http://schemas.openxmlformats.org/drawingml/2006/main" xmlns:r="http://schemas.openxmlformats.org/officeDocument/2006/relationships" xmlns:p="http://schemas.openxmlformats.org/presentationml/2006/main">
+  <p:cSld>
+    <p:spTree>
+      <p:nvGrpSpPr>
+        <p:cNvPr id="1" name=""/>
+        <p:cNvGrpSpPr/>
+        <p:nvPr/>
+      </p:nvGrpSpPr>
+      <p:grpSpPr>
+        <a:xfrm>
+          <a:off x="0" y="0"/>
+          <a:ext cx="0" cy="0"/>
+          <a:chOff x="0" y="0"/>
+          <a:chExt cx="0" cy="0"/>
+        </a:xfrm>
+      </p:grpSpPr>
+      <p:pic>
+        <p:nvPicPr>
+          <p:cNvPr id="3" name="Picture 2" descr="A picture containing transport, sky, crane&#10;&#10;Description automatically generated">
+            <a:extLst>
+              <a:ext uri="{FF2B5EF4-FFF2-40B4-BE49-F238E27FC236}">
+                <a16:creationId xmlns:a16="http://schemas.microsoft.com/office/drawing/2014/main" id="{BAB15F58-440E-41BB-9CC0-C70BEDA00759}"/>
+              </a:ext>
+            </a:extLst>
+          </p:cNvPr>
           <p:cNvPicPr>
             <a:picLocks noChangeAspect="1"/>
           </p:cNvPicPr>
@@ -4868,8 +4941,8 @@
         </p:blipFill>
         <p:spPr>
           <a:xfrm>
-            <a:off x="4346369" y="0"/>
-            <a:ext cx="8497062" cy="6858000"/>
+            <a:off x="5516679" y="4002"/>
+            <a:ext cx="10287000" cy="6858000"/>
           </a:xfrm>
           <a:prstGeom prst="rect">
             <a:avLst/>
@@ -4898,3668 +4971,7 @@
         </p:blipFill>
         <p:spPr>
           <a:xfrm>
-            <a:off x="-39150" y="-12039"/>
-            <a:ext cx="12219284" cy="6873347"/>
-          </a:xfrm>
-          <a:prstGeom prst="rect">
-            <a:avLst/>
-          </a:prstGeom>
-        </p:spPr>
-      </p:pic>
-      <p:sp>
-        <p:nvSpPr>
-          <p:cNvPr id="5" name="Title 1">
-            <a:extLst>
-              <a:ext uri="{FF2B5EF4-FFF2-40B4-BE49-F238E27FC236}">
-                <a16:creationId xmlns:a16="http://schemas.microsoft.com/office/drawing/2014/main" id="{FEF0312D-FC95-144C-AF90-0AB609C8B6FE}"/>
-              </a:ext>
-            </a:extLst>
-          </p:cNvPr>
-          <p:cNvSpPr txBox="1">
-            <a:spLocks/>
-          </p:cNvSpPr>
-          <p:nvPr/>
-        </p:nvSpPr>
-        <p:spPr>
-          <a:xfrm>
-            <a:off x="801705" y="3119432"/>
-            <a:ext cx="5255146" cy="599848"/>
-          </a:xfrm>
-          <a:prstGeom prst="rect">
-            <a:avLst/>
-          </a:prstGeom>
-          <a:effectLst>
-            <a:outerShdw blurRad="88900" dist="127000" dir="2700000" algn="tl" rotWithShape="0">
-              <a:schemeClr val="tx1">
-                <a:alpha val="40000"/>
-              </a:schemeClr>
-            </a:outerShdw>
-          </a:effectLst>
-        </p:spPr>
-        <p:txBody>
-          <a:bodyPr vert="horz" lIns="0" tIns="0" rIns="0" bIns="0" rtlCol="0" anchor="ctr">
-            <a:noAutofit/>
-          </a:bodyPr>
-          <a:lstStyle>
-            <a:lvl1pPr algn="l" defTabSz="914400" rtl="0" eaLnBrk="1" latinLnBrk="0" hangingPunct="1">
-              <a:lnSpc>
-                <a:spcPct val="90000"/>
-              </a:lnSpc>
-              <a:spcBef>
-                <a:spcPct val="0"/>
-              </a:spcBef>
-              <a:buNone/>
-              <a:defRPr sz="4400" kern="1200">
-                <a:solidFill>
-                  <a:schemeClr val="tx1"/>
-                </a:solidFill>
-                <a:latin typeface="Arial" charset="0"/>
-                <a:ea typeface="Arial" charset="0"/>
-                <a:cs typeface="Arial" charset="0"/>
-              </a:defRPr>
-            </a:lvl1pPr>
-          </a:lstStyle>
-          <a:p>
-            <a:r>
-              <a:rPr lang="en-US" sz="4000" b="1" dirty="0">
-                <a:solidFill>
-                  <a:schemeClr val="bg1"/>
-                </a:solidFill>
-                <a:latin typeface="Open Sans Light" panose="020B0306030504020204" pitchFamily="34" charset="0"/>
-                <a:ea typeface="Open Sans Light" panose="020B0306030504020204" pitchFamily="34" charset="0"/>
-                <a:cs typeface="Open Sans Light" panose="020B0306030504020204" pitchFamily="34" charset="0"/>
-              </a:rPr>
-              <a:t>Interactive </a:t>
-            </a:r>
-            <a:r>
-              <a:rPr lang="en-US" sz="4000" b="1" dirty="0" err="1">
-                <a:solidFill>
-                  <a:schemeClr val="bg1"/>
-                </a:solidFill>
-                <a:latin typeface="Open Sans Light" panose="020B0306030504020204" pitchFamily="34" charset="0"/>
-                <a:ea typeface="Open Sans Light" panose="020B0306030504020204" pitchFamily="34" charset="0"/>
-                <a:cs typeface="Open Sans Light" panose="020B0306030504020204" pitchFamily="34" charset="0"/>
-              </a:rPr>
-              <a:t>Visualisation</a:t>
-            </a:r>
-            <a:endParaRPr lang="en-US" sz="4000" b="1" dirty="0">
-              <a:solidFill>
-                <a:schemeClr val="bg1"/>
-              </a:solidFill>
-              <a:latin typeface="Open Sans Light" panose="020B0306030504020204" pitchFamily="34" charset="0"/>
-              <a:ea typeface="Open Sans Light" panose="020B0306030504020204" pitchFamily="34" charset="0"/>
-              <a:cs typeface="Open Sans Light" panose="020B0306030504020204" pitchFamily="34" charset="0"/>
-            </a:endParaRPr>
-          </a:p>
-          <a:p>
-            <a:r>
-              <a:rPr lang="en-US" sz="4000" b="1" dirty="0">
-                <a:solidFill>
-                  <a:schemeClr val="bg1"/>
-                </a:solidFill>
-                <a:latin typeface="Open Sans Light" panose="020B0306030504020204" pitchFamily="34" charset="0"/>
-                <a:ea typeface="Open Sans Light" panose="020B0306030504020204" pitchFamily="34" charset="0"/>
-                <a:cs typeface="Open Sans Light" panose="020B0306030504020204" pitchFamily="34" charset="0"/>
-              </a:rPr>
-              <a:t>With Shiny</a:t>
-            </a:r>
-          </a:p>
-        </p:txBody>
-      </p:sp>
-      <p:pic>
-        <p:nvPicPr>
-          <p:cNvPr id="7" name="Picture 6">
-            <a:extLst>
-              <a:ext uri="{FF2B5EF4-FFF2-40B4-BE49-F238E27FC236}">
-                <a16:creationId xmlns:a16="http://schemas.microsoft.com/office/drawing/2014/main" id="{A74CB7BF-176E-CB43-87B8-6CF89AC91603}"/>
-              </a:ext>
-            </a:extLst>
-          </p:cNvPr>
-          <p:cNvPicPr>
-            <a:picLocks noChangeAspect="1"/>
-          </p:cNvPicPr>
-          <p:nvPr/>
-        </p:nvPicPr>
-        <p:blipFill>
-          <a:blip r:embed="rId4">
-            <a:extLst>
-              <a:ext uri="{28A0092B-C50C-407E-A947-70E740481C1C}">
-                <a14:useLocalDpi xmlns:a14="http://schemas.microsoft.com/office/drawing/2010/main" val="0"/>
-              </a:ext>
-            </a:extLst>
-          </a:blip>
-          <a:stretch>
-            <a:fillRect/>
-          </a:stretch>
-        </p:blipFill>
-        <p:spPr>
-          <a:xfrm>
-            <a:off x="540000" y="540000"/>
-            <a:ext cx="1620000" cy="388800"/>
-          </a:xfrm>
-          <a:prstGeom prst="rect">
-            <a:avLst/>
-          </a:prstGeom>
-        </p:spPr>
-      </p:pic>
-      <p:sp>
-        <p:nvSpPr>
-          <p:cNvPr id="9" name="Content Placeholder 2">
-            <a:extLst>
-              <a:ext uri="{FF2B5EF4-FFF2-40B4-BE49-F238E27FC236}">
-                <a16:creationId xmlns:a16="http://schemas.microsoft.com/office/drawing/2014/main" id="{60075D90-1DF5-488E-BB92-E74E47402587}"/>
-              </a:ext>
-            </a:extLst>
-          </p:cNvPr>
-          <p:cNvSpPr txBox="1">
-            <a:spLocks/>
-          </p:cNvSpPr>
-          <p:nvPr/>
-        </p:nvSpPr>
-        <p:spPr>
-          <a:xfrm>
-            <a:off x="-1" y="-1148048"/>
-            <a:ext cx="6056851" cy="844759"/>
-          </a:xfrm>
-          <a:prstGeom prst="rect">
-            <a:avLst/>
-          </a:prstGeom>
-        </p:spPr>
-        <p:txBody>
-          <a:bodyPr lIns="0" tIns="0" rIns="0" bIns="0">
-            <a:normAutofit/>
-          </a:bodyPr>
-          <a:lstStyle>
-            <a:lvl1pPr marL="228600" indent="-228600" algn="l" defTabSz="914400" rtl="0" eaLnBrk="1" latinLnBrk="0" hangingPunct="1">
-              <a:lnSpc>
-                <a:spcPct val="90000"/>
-              </a:lnSpc>
-              <a:spcBef>
-                <a:spcPts val="1000"/>
-              </a:spcBef>
-              <a:buFont typeface="Arial"/>
-              <a:buChar char="•"/>
-              <a:defRPr sz="2800" kern="1200">
-                <a:solidFill>
-                  <a:schemeClr val="tx1"/>
-                </a:solidFill>
-                <a:latin typeface="Arial" charset="0"/>
-                <a:ea typeface="Arial" charset="0"/>
-                <a:cs typeface="Arial" charset="0"/>
-              </a:defRPr>
-            </a:lvl1pPr>
-            <a:lvl2pPr marL="685800" indent="-228600" algn="l" defTabSz="914400" rtl="0" eaLnBrk="1" latinLnBrk="0" hangingPunct="1">
-              <a:lnSpc>
-                <a:spcPct val="90000"/>
-              </a:lnSpc>
-              <a:spcBef>
-                <a:spcPts val="500"/>
-              </a:spcBef>
-              <a:buFont typeface="Arial"/>
-              <a:buChar char="•"/>
-              <a:defRPr sz="2400" kern="1200">
-                <a:solidFill>
-                  <a:schemeClr val="tx1"/>
-                </a:solidFill>
-                <a:latin typeface="Arial" charset="0"/>
-                <a:ea typeface="Arial" charset="0"/>
-                <a:cs typeface="Arial" charset="0"/>
-              </a:defRPr>
-            </a:lvl2pPr>
-            <a:lvl3pPr marL="1143000" indent="-228600" algn="l" defTabSz="914400" rtl="0" eaLnBrk="1" latinLnBrk="0" hangingPunct="1">
-              <a:lnSpc>
-                <a:spcPct val="90000"/>
-              </a:lnSpc>
-              <a:spcBef>
-                <a:spcPts val="500"/>
-              </a:spcBef>
-              <a:buFont typeface="Arial"/>
-              <a:buChar char="•"/>
-              <a:defRPr sz="2000" kern="1200">
-                <a:solidFill>
-                  <a:schemeClr val="tx1"/>
-                </a:solidFill>
-                <a:latin typeface="Arial" charset="0"/>
-                <a:ea typeface="Arial" charset="0"/>
-                <a:cs typeface="Arial" charset="0"/>
-              </a:defRPr>
-            </a:lvl3pPr>
-            <a:lvl4pPr marL="1600200" indent="-228600" algn="l" defTabSz="914400" rtl="0" eaLnBrk="1" latinLnBrk="0" hangingPunct="1">
-              <a:lnSpc>
-                <a:spcPct val="90000"/>
-              </a:lnSpc>
-              <a:spcBef>
-                <a:spcPts val="500"/>
-              </a:spcBef>
-              <a:buFont typeface="Arial"/>
-              <a:buChar char="•"/>
-              <a:defRPr sz="1800" kern="1200">
-                <a:solidFill>
-                  <a:schemeClr val="tx1"/>
-                </a:solidFill>
-                <a:latin typeface="Arial" charset="0"/>
-                <a:ea typeface="Arial" charset="0"/>
-                <a:cs typeface="Arial" charset="0"/>
-              </a:defRPr>
-            </a:lvl4pPr>
-            <a:lvl5pPr marL="2057400" indent="-228600" algn="l" defTabSz="914400" rtl="0" eaLnBrk="1" latinLnBrk="0" hangingPunct="1">
-              <a:lnSpc>
-                <a:spcPct val="90000"/>
-              </a:lnSpc>
-              <a:spcBef>
-                <a:spcPts val="500"/>
-              </a:spcBef>
-              <a:buFont typeface="Arial"/>
-              <a:buChar char="•"/>
-              <a:defRPr sz="1800" kern="1200">
-                <a:solidFill>
-                  <a:schemeClr val="tx1"/>
-                </a:solidFill>
-                <a:latin typeface="Arial" charset="0"/>
-                <a:ea typeface="Arial" charset="0"/>
-                <a:cs typeface="Arial" charset="0"/>
-              </a:defRPr>
-            </a:lvl5pPr>
-            <a:lvl6pPr marL="2514600" indent="-228600" algn="l" defTabSz="914400" rtl="0" eaLnBrk="1" latinLnBrk="0" hangingPunct="1">
-              <a:lnSpc>
-                <a:spcPct val="90000"/>
-              </a:lnSpc>
-              <a:spcBef>
-                <a:spcPts val="500"/>
-              </a:spcBef>
-              <a:buFont typeface="Arial"/>
-              <a:buChar char="•"/>
-              <a:defRPr sz="1800" kern="1200">
-                <a:solidFill>
-                  <a:schemeClr val="tx1"/>
-                </a:solidFill>
-                <a:latin typeface="+mn-lt"/>
-                <a:ea typeface="+mn-ea"/>
-                <a:cs typeface="+mn-cs"/>
-              </a:defRPr>
-            </a:lvl6pPr>
-            <a:lvl7pPr marL="2971800" indent="-228600" algn="l" defTabSz="914400" rtl="0" eaLnBrk="1" latinLnBrk="0" hangingPunct="1">
-              <a:lnSpc>
-                <a:spcPct val="90000"/>
-              </a:lnSpc>
-              <a:spcBef>
-                <a:spcPts val="500"/>
-              </a:spcBef>
-              <a:buFont typeface="Arial"/>
-              <a:buChar char="•"/>
-              <a:defRPr sz="1800" kern="1200">
-                <a:solidFill>
-                  <a:schemeClr val="tx1"/>
-                </a:solidFill>
-                <a:latin typeface="+mn-lt"/>
-                <a:ea typeface="+mn-ea"/>
-                <a:cs typeface="+mn-cs"/>
-              </a:defRPr>
-            </a:lvl7pPr>
-            <a:lvl8pPr marL="3429000" indent="-228600" algn="l" defTabSz="914400" rtl="0" eaLnBrk="1" latinLnBrk="0" hangingPunct="1">
-              <a:lnSpc>
-                <a:spcPct val="90000"/>
-              </a:lnSpc>
-              <a:spcBef>
-                <a:spcPts val="500"/>
-              </a:spcBef>
-              <a:buFont typeface="Arial"/>
-              <a:buChar char="•"/>
-              <a:defRPr sz="1800" kern="1200">
-                <a:solidFill>
-                  <a:schemeClr val="tx1"/>
-                </a:solidFill>
-                <a:latin typeface="+mn-lt"/>
-                <a:ea typeface="+mn-ea"/>
-                <a:cs typeface="+mn-cs"/>
-              </a:defRPr>
-            </a:lvl8pPr>
-            <a:lvl9pPr marL="3886200" indent="-228600" algn="l" defTabSz="914400" rtl="0" eaLnBrk="1" latinLnBrk="0" hangingPunct="1">
-              <a:lnSpc>
-                <a:spcPct val="90000"/>
-              </a:lnSpc>
-              <a:spcBef>
-                <a:spcPts val="500"/>
-              </a:spcBef>
-              <a:buFont typeface="Arial"/>
-              <a:buChar char="•"/>
-              <a:defRPr sz="1800" kern="1200">
-                <a:solidFill>
-                  <a:schemeClr val="tx1"/>
-                </a:solidFill>
-                <a:latin typeface="+mn-lt"/>
-                <a:ea typeface="+mn-ea"/>
-                <a:cs typeface="+mn-cs"/>
-              </a:defRPr>
-            </a:lvl9pPr>
-          </a:lstStyle>
-          <a:p>
-            <a:pPr marL="0" indent="0">
-              <a:lnSpc>
-                <a:spcPct val="150000"/>
-              </a:lnSpc>
-              <a:spcBef>
-                <a:spcPts val="0"/>
-              </a:spcBef>
-              <a:spcAft>
-                <a:spcPts val="600"/>
-              </a:spcAft>
-              <a:buFont typeface="Arial"/>
-              <a:buNone/>
-            </a:pPr>
-            <a:endParaRPr lang="en-GB" sz="1300" b="1" dirty="0"/>
-          </a:p>
-          <a:p>
-            <a:pPr marL="0" indent="0">
-              <a:lnSpc>
-                <a:spcPct val="150000"/>
-              </a:lnSpc>
-              <a:spcBef>
-                <a:spcPts val="0"/>
-              </a:spcBef>
-              <a:spcAft>
-                <a:spcPts val="600"/>
-              </a:spcAft>
-              <a:buFont typeface="Arial"/>
-              <a:buNone/>
-            </a:pPr>
-            <a:r>
-              <a:rPr lang="en-GB" sz="1800" b="1" dirty="0">
-                <a:latin typeface="Open Sans Light" panose="020B0306030504020204" pitchFamily="34" charset="0"/>
-                <a:ea typeface="Open Sans Light" panose="020B0306030504020204" pitchFamily="34" charset="0"/>
-                <a:cs typeface="Open Sans Light" panose="020B0306030504020204" pitchFamily="34" charset="0"/>
-              </a:rPr>
-              <a:t>Front slide option 1 </a:t>
-            </a:r>
-            <a:r>
-              <a:rPr lang="en-GB" sz="1800" dirty="0">
-                <a:latin typeface="Open Sans Light" panose="020B0306030504020204" pitchFamily="34" charset="0"/>
-                <a:ea typeface="Open Sans Light" panose="020B0306030504020204" pitchFamily="34" charset="0"/>
-                <a:cs typeface="Open Sans Light" panose="020B0306030504020204" pitchFamily="34" charset="0"/>
-              </a:rPr>
-              <a:t>– Flat colour – Image sent to back</a:t>
-            </a:r>
-          </a:p>
-        </p:txBody>
-      </p:sp>
-      <p:sp>
-        <p:nvSpPr>
-          <p:cNvPr id="10" name="Content Placeholder 2">
-            <a:extLst>
-              <a:ext uri="{FF2B5EF4-FFF2-40B4-BE49-F238E27FC236}">
-                <a16:creationId xmlns:a16="http://schemas.microsoft.com/office/drawing/2014/main" id="{60075D90-1DF5-488E-BB92-E74E47402587}"/>
-              </a:ext>
-            </a:extLst>
-          </p:cNvPr>
-          <p:cNvSpPr txBox="1">
-            <a:spLocks/>
-          </p:cNvSpPr>
-          <p:nvPr/>
-        </p:nvSpPr>
-        <p:spPr>
-          <a:xfrm>
-            <a:off x="-3452883" y="272579"/>
-            <a:ext cx="3452884" cy="4714091"/>
-          </a:xfrm>
-          <a:prstGeom prst="rect">
-            <a:avLst/>
-          </a:prstGeom>
-        </p:spPr>
-        <p:txBody>
-          <a:bodyPr lIns="0" tIns="0" rIns="0" bIns="0">
-            <a:noAutofit/>
-          </a:bodyPr>
-          <a:lstStyle>
-            <a:lvl1pPr marL="228600" indent="-228600" algn="l" defTabSz="914400" rtl="0" eaLnBrk="1" latinLnBrk="0" hangingPunct="1">
-              <a:lnSpc>
-                <a:spcPct val="90000"/>
-              </a:lnSpc>
-              <a:spcBef>
-                <a:spcPts val="1000"/>
-              </a:spcBef>
-              <a:buFont typeface="Arial"/>
-              <a:buChar char="•"/>
-              <a:defRPr sz="2800" kern="1200">
-                <a:solidFill>
-                  <a:schemeClr val="tx1"/>
-                </a:solidFill>
-                <a:latin typeface="Arial" charset="0"/>
-                <a:ea typeface="Arial" charset="0"/>
-                <a:cs typeface="Arial" charset="0"/>
-              </a:defRPr>
-            </a:lvl1pPr>
-            <a:lvl2pPr marL="685800" indent="-228600" algn="l" defTabSz="914400" rtl="0" eaLnBrk="1" latinLnBrk="0" hangingPunct="1">
-              <a:lnSpc>
-                <a:spcPct val="90000"/>
-              </a:lnSpc>
-              <a:spcBef>
-                <a:spcPts val="500"/>
-              </a:spcBef>
-              <a:buFont typeface="Arial"/>
-              <a:buChar char="•"/>
-              <a:defRPr sz="2400" kern="1200">
-                <a:solidFill>
-                  <a:schemeClr val="tx1"/>
-                </a:solidFill>
-                <a:latin typeface="Arial" charset="0"/>
-                <a:ea typeface="Arial" charset="0"/>
-                <a:cs typeface="Arial" charset="0"/>
-              </a:defRPr>
-            </a:lvl2pPr>
-            <a:lvl3pPr marL="1143000" indent="-228600" algn="l" defTabSz="914400" rtl="0" eaLnBrk="1" latinLnBrk="0" hangingPunct="1">
-              <a:lnSpc>
-                <a:spcPct val="90000"/>
-              </a:lnSpc>
-              <a:spcBef>
-                <a:spcPts val="500"/>
-              </a:spcBef>
-              <a:buFont typeface="Arial"/>
-              <a:buChar char="•"/>
-              <a:defRPr sz="2000" kern="1200">
-                <a:solidFill>
-                  <a:schemeClr val="tx1"/>
-                </a:solidFill>
-                <a:latin typeface="Arial" charset="0"/>
-                <a:ea typeface="Arial" charset="0"/>
-                <a:cs typeface="Arial" charset="0"/>
-              </a:defRPr>
-            </a:lvl3pPr>
-            <a:lvl4pPr marL="1600200" indent="-228600" algn="l" defTabSz="914400" rtl="0" eaLnBrk="1" latinLnBrk="0" hangingPunct="1">
-              <a:lnSpc>
-                <a:spcPct val="90000"/>
-              </a:lnSpc>
-              <a:spcBef>
-                <a:spcPts val="500"/>
-              </a:spcBef>
-              <a:buFont typeface="Arial"/>
-              <a:buChar char="•"/>
-              <a:defRPr sz="1800" kern="1200">
-                <a:solidFill>
-                  <a:schemeClr val="tx1"/>
-                </a:solidFill>
-                <a:latin typeface="Arial" charset="0"/>
-                <a:ea typeface="Arial" charset="0"/>
-                <a:cs typeface="Arial" charset="0"/>
-              </a:defRPr>
-            </a:lvl4pPr>
-            <a:lvl5pPr marL="2057400" indent="-228600" algn="l" defTabSz="914400" rtl="0" eaLnBrk="1" latinLnBrk="0" hangingPunct="1">
-              <a:lnSpc>
-                <a:spcPct val="90000"/>
-              </a:lnSpc>
-              <a:spcBef>
-                <a:spcPts val="500"/>
-              </a:spcBef>
-              <a:buFont typeface="Arial"/>
-              <a:buChar char="•"/>
-              <a:defRPr sz="1800" kern="1200">
-                <a:solidFill>
-                  <a:schemeClr val="tx1"/>
-                </a:solidFill>
-                <a:latin typeface="Arial" charset="0"/>
-                <a:ea typeface="Arial" charset="0"/>
-                <a:cs typeface="Arial" charset="0"/>
-              </a:defRPr>
-            </a:lvl5pPr>
-            <a:lvl6pPr marL="2514600" indent="-228600" algn="l" defTabSz="914400" rtl="0" eaLnBrk="1" latinLnBrk="0" hangingPunct="1">
-              <a:lnSpc>
-                <a:spcPct val="90000"/>
-              </a:lnSpc>
-              <a:spcBef>
-                <a:spcPts val="500"/>
-              </a:spcBef>
-              <a:buFont typeface="Arial"/>
-              <a:buChar char="•"/>
-              <a:defRPr sz="1800" kern="1200">
-                <a:solidFill>
-                  <a:schemeClr val="tx1"/>
-                </a:solidFill>
-                <a:latin typeface="+mn-lt"/>
-                <a:ea typeface="+mn-ea"/>
-                <a:cs typeface="+mn-cs"/>
-              </a:defRPr>
-            </a:lvl6pPr>
-            <a:lvl7pPr marL="2971800" indent="-228600" algn="l" defTabSz="914400" rtl="0" eaLnBrk="1" latinLnBrk="0" hangingPunct="1">
-              <a:lnSpc>
-                <a:spcPct val="90000"/>
-              </a:lnSpc>
-              <a:spcBef>
-                <a:spcPts val="500"/>
-              </a:spcBef>
-              <a:buFont typeface="Arial"/>
-              <a:buChar char="•"/>
-              <a:defRPr sz="1800" kern="1200">
-                <a:solidFill>
-                  <a:schemeClr val="tx1"/>
-                </a:solidFill>
-                <a:latin typeface="+mn-lt"/>
-                <a:ea typeface="+mn-ea"/>
-                <a:cs typeface="+mn-cs"/>
-              </a:defRPr>
-            </a:lvl7pPr>
-            <a:lvl8pPr marL="3429000" indent="-228600" algn="l" defTabSz="914400" rtl="0" eaLnBrk="1" latinLnBrk="0" hangingPunct="1">
-              <a:lnSpc>
-                <a:spcPct val="90000"/>
-              </a:lnSpc>
-              <a:spcBef>
-                <a:spcPts val="500"/>
-              </a:spcBef>
-              <a:buFont typeface="Arial"/>
-              <a:buChar char="•"/>
-              <a:defRPr sz="1800" kern="1200">
-                <a:solidFill>
-                  <a:schemeClr val="tx1"/>
-                </a:solidFill>
-                <a:latin typeface="+mn-lt"/>
-                <a:ea typeface="+mn-ea"/>
-                <a:cs typeface="+mn-cs"/>
-              </a:defRPr>
-            </a:lvl8pPr>
-            <a:lvl9pPr marL="3886200" indent="-228600" algn="l" defTabSz="914400" rtl="0" eaLnBrk="1" latinLnBrk="0" hangingPunct="1">
-              <a:lnSpc>
-                <a:spcPct val="90000"/>
-              </a:lnSpc>
-              <a:spcBef>
-                <a:spcPts val="500"/>
-              </a:spcBef>
-              <a:buFont typeface="Arial"/>
-              <a:buChar char="•"/>
-              <a:defRPr sz="1800" kern="1200">
-                <a:solidFill>
-                  <a:schemeClr val="tx1"/>
-                </a:solidFill>
-                <a:latin typeface="+mn-lt"/>
-                <a:ea typeface="+mn-ea"/>
-                <a:cs typeface="+mn-cs"/>
-              </a:defRPr>
-            </a:lvl9pPr>
-          </a:lstStyle>
-          <a:p>
-            <a:pPr marL="0" indent="0">
-              <a:lnSpc>
-                <a:spcPct val="150000"/>
-              </a:lnSpc>
-              <a:spcBef>
-                <a:spcPts val="0"/>
-              </a:spcBef>
-              <a:spcAft>
-                <a:spcPts val="600"/>
-              </a:spcAft>
-              <a:buFont typeface="Arial"/>
-              <a:buNone/>
-            </a:pPr>
-            <a:endParaRPr lang="en-GB" sz="2000" b="1" dirty="0">
-              <a:latin typeface="Open Sans Light" panose="020B0306030504020204" pitchFamily="34" charset="0"/>
-              <a:ea typeface="Open Sans Light" panose="020B0306030504020204" pitchFamily="34" charset="0"/>
-              <a:cs typeface="Open Sans Light" panose="020B0306030504020204" pitchFamily="34" charset="0"/>
-            </a:endParaRPr>
-          </a:p>
-          <a:p>
-            <a:pPr marL="0" indent="0">
-              <a:lnSpc>
-                <a:spcPct val="150000"/>
-              </a:lnSpc>
-              <a:spcBef>
-                <a:spcPts val="0"/>
-              </a:spcBef>
-              <a:spcAft>
-                <a:spcPts val="600"/>
-              </a:spcAft>
-              <a:buFont typeface="Arial"/>
-              <a:buNone/>
-            </a:pPr>
-            <a:r>
-              <a:rPr lang="en-GB" sz="2000" b="1" dirty="0">
-                <a:latin typeface="Open Sans Light" panose="020B0306030504020204" pitchFamily="34" charset="0"/>
-                <a:ea typeface="Open Sans Light" panose="020B0306030504020204" pitchFamily="34" charset="0"/>
-                <a:cs typeface="Open Sans Light" panose="020B0306030504020204" pitchFamily="34" charset="0"/>
-              </a:rPr>
-              <a:t>Fonts:</a:t>
-            </a:r>
-          </a:p>
-          <a:p>
-            <a:pPr marL="0" indent="0">
-              <a:lnSpc>
-                <a:spcPct val="150000"/>
-              </a:lnSpc>
-              <a:spcBef>
-                <a:spcPts val="0"/>
-              </a:spcBef>
-              <a:spcAft>
-                <a:spcPts val="600"/>
-              </a:spcAft>
-              <a:buFont typeface="Arial"/>
-              <a:buNone/>
-            </a:pPr>
-            <a:r>
-              <a:rPr lang="en-GB" sz="2000" b="1" dirty="0">
-                <a:latin typeface="Open Sans Light" panose="020B0306030504020204" pitchFamily="34" charset="0"/>
-                <a:ea typeface="Open Sans Light" panose="020B0306030504020204" pitchFamily="34" charset="0"/>
-                <a:cs typeface="Open Sans Light" panose="020B0306030504020204" pitchFamily="34" charset="0"/>
-              </a:rPr>
-              <a:t>Title font: Open sans light bold, size 40</a:t>
-            </a:r>
-          </a:p>
-          <a:p>
-            <a:pPr marL="0" indent="0">
-              <a:lnSpc>
-                <a:spcPct val="150000"/>
-              </a:lnSpc>
-              <a:spcBef>
-                <a:spcPts val="0"/>
-              </a:spcBef>
-              <a:spcAft>
-                <a:spcPts val="600"/>
-              </a:spcAft>
-              <a:buFont typeface="Arial"/>
-              <a:buNone/>
-            </a:pPr>
-            <a:r>
-              <a:rPr lang="en-GB" sz="2000" dirty="0">
-                <a:latin typeface="Open Sans Light" panose="020B0306030504020204" pitchFamily="34" charset="0"/>
-                <a:ea typeface="Open Sans Light" panose="020B0306030504020204" pitchFamily="34" charset="0"/>
-                <a:cs typeface="Open Sans Light" panose="020B0306030504020204" pitchFamily="34" charset="0"/>
-              </a:rPr>
-              <a:t>Subtitle: opens san light, font size 18</a:t>
-            </a:r>
-          </a:p>
-        </p:txBody>
-      </p:sp>
-      <p:sp>
-        <p:nvSpPr>
-          <p:cNvPr id="11" name="Content Placeholder 2">
-            <a:extLst>
-              <a:ext uri="{FF2B5EF4-FFF2-40B4-BE49-F238E27FC236}">
-                <a16:creationId xmlns:a16="http://schemas.microsoft.com/office/drawing/2014/main" id="{60075D90-1DF5-488E-BB92-E74E47402587}"/>
-              </a:ext>
-            </a:extLst>
-          </p:cNvPr>
-          <p:cNvSpPr txBox="1">
-            <a:spLocks/>
-          </p:cNvSpPr>
-          <p:nvPr/>
-        </p:nvSpPr>
-        <p:spPr>
-          <a:xfrm>
-            <a:off x="12913057" y="-19783"/>
-            <a:ext cx="3452884" cy="559784"/>
-          </a:xfrm>
-          <a:prstGeom prst="rect">
-            <a:avLst/>
-          </a:prstGeom>
-        </p:spPr>
-        <p:txBody>
-          <a:bodyPr lIns="0" tIns="0" rIns="0" bIns="0">
-            <a:noAutofit/>
-          </a:bodyPr>
-          <a:lstStyle>
-            <a:lvl1pPr marL="228600" indent="-228600" algn="l" defTabSz="914400" rtl="0" eaLnBrk="1" latinLnBrk="0" hangingPunct="1">
-              <a:lnSpc>
-                <a:spcPct val="90000"/>
-              </a:lnSpc>
-              <a:spcBef>
-                <a:spcPts val="1000"/>
-              </a:spcBef>
-              <a:buFont typeface="Arial"/>
-              <a:buChar char="•"/>
-              <a:defRPr sz="2800" kern="1200">
-                <a:solidFill>
-                  <a:schemeClr val="tx1"/>
-                </a:solidFill>
-                <a:latin typeface="Arial" charset="0"/>
-                <a:ea typeface="Arial" charset="0"/>
-                <a:cs typeface="Arial" charset="0"/>
-              </a:defRPr>
-            </a:lvl1pPr>
-            <a:lvl2pPr marL="685800" indent="-228600" algn="l" defTabSz="914400" rtl="0" eaLnBrk="1" latinLnBrk="0" hangingPunct="1">
-              <a:lnSpc>
-                <a:spcPct val="90000"/>
-              </a:lnSpc>
-              <a:spcBef>
-                <a:spcPts val="500"/>
-              </a:spcBef>
-              <a:buFont typeface="Arial"/>
-              <a:buChar char="•"/>
-              <a:defRPr sz="2400" kern="1200">
-                <a:solidFill>
-                  <a:schemeClr val="tx1"/>
-                </a:solidFill>
-                <a:latin typeface="Arial" charset="0"/>
-                <a:ea typeface="Arial" charset="0"/>
-                <a:cs typeface="Arial" charset="0"/>
-              </a:defRPr>
-            </a:lvl2pPr>
-            <a:lvl3pPr marL="1143000" indent="-228600" algn="l" defTabSz="914400" rtl="0" eaLnBrk="1" latinLnBrk="0" hangingPunct="1">
-              <a:lnSpc>
-                <a:spcPct val="90000"/>
-              </a:lnSpc>
-              <a:spcBef>
-                <a:spcPts val="500"/>
-              </a:spcBef>
-              <a:buFont typeface="Arial"/>
-              <a:buChar char="•"/>
-              <a:defRPr sz="2000" kern="1200">
-                <a:solidFill>
-                  <a:schemeClr val="tx1"/>
-                </a:solidFill>
-                <a:latin typeface="Arial" charset="0"/>
-                <a:ea typeface="Arial" charset="0"/>
-                <a:cs typeface="Arial" charset="0"/>
-              </a:defRPr>
-            </a:lvl3pPr>
-            <a:lvl4pPr marL="1600200" indent="-228600" algn="l" defTabSz="914400" rtl="0" eaLnBrk="1" latinLnBrk="0" hangingPunct="1">
-              <a:lnSpc>
-                <a:spcPct val="90000"/>
-              </a:lnSpc>
-              <a:spcBef>
-                <a:spcPts val="500"/>
-              </a:spcBef>
-              <a:buFont typeface="Arial"/>
-              <a:buChar char="•"/>
-              <a:defRPr sz="1800" kern="1200">
-                <a:solidFill>
-                  <a:schemeClr val="tx1"/>
-                </a:solidFill>
-                <a:latin typeface="Arial" charset="0"/>
-                <a:ea typeface="Arial" charset="0"/>
-                <a:cs typeface="Arial" charset="0"/>
-              </a:defRPr>
-            </a:lvl4pPr>
-            <a:lvl5pPr marL="2057400" indent="-228600" algn="l" defTabSz="914400" rtl="0" eaLnBrk="1" latinLnBrk="0" hangingPunct="1">
-              <a:lnSpc>
-                <a:spcPct val="90000"/>
-              </a:lnSpc>
-              <a:spcBef>
-                <a:spcPts val="500"/>
-              </a:spcBef>
-              <a:buFont typeface="Arial"/>
-              <a:buChar char="•"/>
-              <a:defRPr sz="1800" kern="1200">
-                <a:solidFill>
-                  <a:schemeClr val="tx1"/>
-                </a:solidFill>
-                <a:latin typeface="Arial" charset="0"/>
-                <a:ea typeface="Arial" charset="0"/>
-                <a:cs typeface="Arial" charset="0"/>
-              </a:defRPr>
-            </a:lvl5pPr>
-            <a:lvl6pPr marL="2514600" indent="-228600" algn="l" defTabSz="914400" rtl="0" eaLnBrk="1" latinLnBrk="0" hangingPunct="1">
-              <a:lnSpc>
-                <a:spcPct val="90000"/>
-              </a:lnSpc>
-              <a:spcBef>
-                <a:spcPts val="500"/>
-              </a:spcBef>
-              <a:buFont typeface="Arial"/>
-              <a:buChar char="•"/>
-              <a:defRPr sz="1800" kern="1200">
-                <a:solidFill>
-                  <a:schemeClr val="tx1"/>
-                </a:solidFill>
-                <a:latin typeface="+mn-lt"/>
-                <a:ea typeface="+mn-ea"/>
-                <a:cs typeface="+mn-cs"/>
-              </a:defRPr>
-            </a:lvl6pPr>
-            <a:lvl7pPr marL="2971800" indent="-228600" algn="l" defTabSz="914400" rtl="0" eaLnBrk="1" latinLnBrk="0" hangingPunct="1">
-              <a:lnSpc>
-                <a:spcPct val="90000"/>
-              </a:lnSpc>
-              <a:spcBef>
-                <a:spcPts val="500"/>
-              </a:spcBef>
-              <a:buFont typeface="Arial"/>
-              <a:buChar char="•"/>
-              <a:defRPr sz="1800" kern="1200">
-                <a:solidFill>
-                  <a:schemeClr val="tx1"/>
-                </a:solidFill>
-                <a:latin typeface="+mn-lt"/>
-                <a:ea typeface="+mn-ea"/>
-                <a:cs typeface="+mn-cs"/>
-              </a:defRPr>
-            </a:lvl7pPr>
-            <a:lvl8pPr marL="3429000" indent="-228600" algn="l" defTabSz="914400" rtl="0" eaLnBrk="1" latinLnBrk="0" hangingPunct="1">
-              <a:lnSpc>
-                <a:spcPct val="90000"/>
-              </a:lnSpc>
-              <a:spcBef>
-                <a:spcPts val="500"/>
-              </a:spcBef>
-              <a:buFont typeface="Arial"/>
-              <a:buChar char="•"/>
-              <a:defRPr sz="1800" kern="1200">
-                <a:solidFill>
-                  <a:schemeClr val="tx1"/>
-                </a:solidFill>
-                <a:latin typeface="+mn-lt"/>
-                <a:ea typeface="+mn-ea"/>
-                <a:cs typeface="+mn-cs"/>
-              </a:defRPr>
-            </a:lvl8pPr>
-            <a:lvl9pPr marL="3886200" indent="-228600" algn="l" defTabSz="914400" rtl="0" eaLnBrk="1" latinLnBrk="0" hangingPunct="1">
-              <a:lnSpc>
-                <a:spcPct val="90000"/>
-              </a:lnSpc>
-              <a:spcBef>
-                <a:spcPts val="500"/>
-              </a:spcBef>
-              <a:buFont typeface="Arial"/>
-              <a:buChar char="•"/>
-              <a:defRPr sz="1800" kern="1200">
-                <a:solidFill>
-                  <a:schemeClr val="tx1"/>
-                </a:solidFill>
-                <a:latin typeface="+mn-lt"/>
-                <a:ea typeface="+mn-ea"/>
-                <a:cs typeface="+mn-cs"/>
-              </a:defRPr>
-            </a:lvl9pPr>
-          </a:lstStyle>
-          <a:p>
-            <a:pPr marL="0" indent="0">
-              <a:lnSpc>
-                <a:spcPct val="150000"/>
-              </a:lnSpc>
-              <a:spcBef>
-                <a:spcPts val="0"/>
-              </a:spcBef>
-              <a:spcAft>
-                <a:spcPts val="600"/>
-              </a:spcAft>
-              <a:buFont typeface="Arial"/>
-              <a:buNone/>
-            </a:pPr>
-            <a:r>
-              <a:rPr lang="en-GB" sz="2000" b="1" dirty="0">
-                <a:latin typeface="Open Sans Light" panose="020B0306030504020204" pitchFamily="34" charset="0"/>
-                <a:ea typeface="Open Sans Light" panose="020B0306030504020204" pitchFamily="34" charset="0"/>
-                <a:cs typeface="Open Sans Light" panose="020B0306030504020204" pitchFamily="34" charset="0"/>
-              </a:rPr>
-              <a:t>Colours:</a:t>
-            </a:r>
-          </a:p>
-          <a:p>
-            <a:pPr marL="0" indent="0">
-              <a:lnSpc>
-                <a:spcPct val="150000"/>
-              </a:lnSpc>
-              <a:spcBef>
-                <a:spcPts val="0"/>
-              </a:spcBef>
-              <a:spcAft>
-                <a:spcPts val="600"/>
-              </a:spcAft>
-              <a:buFont typeface="Arial"/>
-              <a:buNone/>
-            </a:pPr>
-            <a:endParaRPr lang="en-GB" sz="2000" dirty="0">
-              <a:latin typeface="Open Sans Light" panose="020B0306030504020204" pitchFamily="34" charset="0"/>
-              <a:ea typeface="Open Sans Light" panose="020B0306030504020204" pitchFamily="34" charset="0"/>
-              <a:cs typeface="Open Sans Light" panose="020B0306030504020204" pitchFamily="34" charset="0"/>
-            </a:endParaRPr>
-          </a:p>
-        </p:txBody>
-      </p:sp>
-      <p:pic>
-        <p:nvPicPr>
-          <p:cNvPr id="2" name="Picture 1"/>
-          <p:cNvPicPr>
-            <a:picLocks noChangeAspect="1"/>
-          </p:cNvPicPr>
-          <p:nvPr/>
-        </p:nvPicPr>
-        <p:blipFill>
-          <a:blip r:embed="rId5"/>
-          <a:stretch>
-            <a:fillRect/>
-          </a:stretch>
-        </p:blipFill>
-        <p:spPr>
-          <a:xfrm rot="5400000" flipV="1">
-            <a:off x="10178650" y="3379229"/>
-            <a:ext cx="5419042" cy="450835"/>
-          </a:xfrm>
-          <a:prstGeom prst="rect">
-            <a:avLst/>
-          </a:prstGeom>
-        </p:spPr>
-      </p:pic>
-      <p:pic>
-        <p:nvPicPr>
-          <p:cNvPr id="3" name="Picture 2"/>
-          <p:cNvPicPr>
-            <a:picLocks noChangeAspect="1"/>
-          </p:cNvPicPr>
-          <p:nvPr/>
-        </p:nvPicPr>
-        <p:blipFill>
-          <a:blip r:embed="rId6"/>
-          <a:stretch>
-            <a:fillRect/>
-          </a:stretch>
-        </p:blipFill>
-        <p:spPr>
-          <a:xfrm rot="5400000" flipV="1">
-            <a:off x="13058225" y="3345453"/>
-            <a:ext cx="5702241" cy="518386"/>
-          </a:xfrm>
-          <a:prstGeom prst="rect">
-            <a:avLst/>
-          </a:prstGeom>
-        </p:spPr>
-      </p:pic>
-      <p:sp>
-        <p:nvSpPr>
-          <p:cNvPr id="12" name="Content Placeholder 2">
-            <a:extLst>
-              <a:ext uri="{FF2B5EF4-FFF2-40B4-BE49-F238E27FC236}">
-                <a16:creationId xmlns:a16="http://schemas.microsoft.com/office/drawing/2014/main" id="{60075D90-1DF5-488E-BB92-E74E47402587}"/>
-              </a:ext>
-            </a:extLst>
-          </p:cNvPr>
-          <p:cNvSpPr txBox="1">
-            <a:spLocks/>
-          </p:cNvSpPr>
-          <p:nvPr/>
-        </p:nvSpPr>
-        <p:spPr>
-          <a:xfrm>
-            <a:off x="13172250" y="1104010"/>
-            <a:ext cx="2115876" cy="559784"/>
-          </a:xfrm>
-          <a:prstGeom prst="rect">
-            <a:avLst/>
-          </a:prstGeom>
-        </p:spPr>
-        <p:txBody>
-          <a:bodyPr lIns="0" tIns="0" rIns="0" bIns="0">
-            <a:noAutofit/>
-          </a:bodyPr>
-          <a:lstStyle>
-            <a:lvl1pPr marL="228600" indent="-228600" algn="l" defTabSz="914400" rtl="0" eaLnBrk="1" latinLnBrk="0" hangingPunct="1">
-              <a:lnSpc>
-                <a:spcPct val="90000"/>
-              </a:lnSpc>
-              <a:spcBef>
-                <a:spcPts val="1000"/>
-              </a:spcBef>
-              <a:buFont typeface="Arial"/>
-              <a:buChar char="•"/>
-              <a:defRPr sz="2800" kern="1200">
-                <a:solidFill>
-                  <a:schemeClr val="tx1"/>
-                </a:solidFill>
-                <a:latin typeface="Arial" charset="0"/>
-                <a:ea typeface="Arial" charset="0"/>
-                <a:cs typeface="Arial" charset="0"/>
-              </a:defRPr>
-            </a:lvl1pPr>
-            <a:lvl2pPr marL="685800" indent="-228600" algn="l" defTabSz="914400" rtl="0" eaLnBrk="1" latinLnBrk="0" hangingPunct="1">
-              <a:lnSpc>
-                <a:spcPct val="90000"/>
-              </a:lnSpc>
-              <a:spcBef>
-                <a:spcPts val="500"/>
-              </a:spcBef>
-              <a:buFont typeface="Arial"/>
-              <a:buChar char="•"/>
-              <a:defRPr sz="2400" kern="1200">
-                <a:solidFill>
-                  <a:schemeClr val="tx1"/>
-                </a:solidFill>
-                <a:latin typeface="Arial" charset="0"/>
-                <a:ea typeface="Arial" charset="0"/>
-                <a:cs typeface="Arial" charset="0"/>
-              </a:defRPr>
-            </a:lvl2pPr>
-            <a:lvl3pPr marL="1143000" indent="-228600" algn="l" defTabSz="914400" rtl="0" eaLnBrk="1" latinLnBrk="0" hangingPunct="1">
-              <a:lnSpc>
-                <a:spcPct val="90000"/>
-              </a:lnSpc>
-              <a:spcBef>
-                <a:spcPts val="500"/>
-              </a:spcBef>
-              <a:buFont typeface="Arial"/>
-              <a:buChar char="•"/>
-              <a:defRPr sz="2000" kern="1200">
-                <a:solidFill>
-                  <a:schemeClr val="tx1"/>
-                </a:solidFill>
-                <a:latin typeface="Arial" charset="0"/>
-                <a:ea typeface="Arial" charset="0"/>
-                <a:cs typeface="Arial" charset="0"/>
-              </a:defRPr>
-            </a:lvl3pPr>
-            <a:lvl4pPr marL="1600200" indent="-228600" algn="l" defTabSz="914400" rtl="0" eaLnBrk="1" latinLnBrk="0" hangingPunct="1">
-              <a:lnSpc>
-                <a:spcPct val="90000"/>
-              </a:lnSpc>
-              <a:spcBef>
-                <a:spcPts val="500"/>
-              </a:spcBef>
-              <a:buFont typeface="Arial"/>
-              <a:buChar char="•"/>
-              <a:defRPr sz="1800" kern="1200">
-                <a:solidFill>
-                  <a:schemeClr val="tx1"/>
-                </a:solidFill>
-                <a:latin typeface="Arial" charset="0"/>
-                <a:ea typeface="Arial" charset="0"/>
-                <a:cs typeface="Arial" charset="0"/>
-              </a:defRPr>
-            </a:lvl4pPr>
-            <a:lvl5pPr marL="2057400" indent="-228600" algn="l" defTabSz="914400" rtl="0" eaLnBrk="1" latinLnBrk="0" hangingPunct="1">
-              <a:lnSpc>
-                <a:spcPct val="90000"/>
-              </a:lnSpc>
-              <a:spcBef>
-                <a:spcPts val="500"/>
-              </a:spcBef>
-              <a:buFont typeface="Arial"/>
-              <a:buChar char="•"/>
-              <a:defRPr sz="1800" kern="1200">
-                <a:solidFill>
-                  <a:schemeClr val="tx1"/>
-                </a:solidFill>
-                <a:latin typeface="Arial" charset="0"/>
-                <a:ea typeface="Arial" charset="0"/>
-                <a:cs typeface="Arial" charset="0"/>
-              </a:defRPr>
-            </a:lvl5pPr>
-            <a:lvl6pPr marL="2514600" indent="-228600" algn="l" defTabSz="914400" rtl="0" eaLnBrk="1" latinLnBrk="0" hangingPunct="1">
-              <a:lnSpc>
-                <a:spcPct val="90000"/>
-              </a:lnSpc>
-              <a:spcBef>
-                <a:spcPts val="500"/>
-              </a:spcBef>
-              <a:buFont typeface="Arial"/>
-              <a:buChar char="•"/>
-              <a:defRPr sz="1800" kern="1200">
-                <a:solidFill>
-                  <a:schemeClr val="tx1"/>
-                </a:solidFill>
-                <a:latin typeface="+mn-lt"/>
-                <a:ea typeface="+mn-ea"/>
-                <a:cs typeface="+mn-cs"/>
-              </a:defRPr>
-            </a:lvl6pPr>
-            <a:lvl7pPr marL="2971800" indent="-228600" algn="l" defTabSz="914400" rtl="0" eaLnBrk="1" latinLnBrk="0" hangingPunct="1">
-              <a:lnSpc>
-                <a:spcPct val="90000"/>
-              </a:lnSpc>
-              <a:spcBef>
-                <a:spcPts val="500"/>
-              </a:spcBef>
-              <a:buFont typeface="Arial"/>
-              <a:buChar char="•"/>
-              <a:defRPr sz="1800" kern="1200">
-                <a:solidFill>
-                  <a:schemeClr val="tx1"/>
-                </a:solidFill>
-                <a:latin typeface="+mn-lt"/>
-                <a:ea typeface="+mn-ea"/>
-                <a:cs typeface="+mn-cs"/>
-              </a:defRPr>
-            </a:lvl7pPr>
-            <a:lvl8pPr marL="3429000" indent="-228600" algn="l" defTabSz="914400" rtl="0" eaLnBrk="1" latinLnBrk="0" hangingPunct="1">
-              <a:lnSpc>
-                <a:spcPct val="90000"/>
-              </a:lnSpc>
-              <a:spcBef>
-                <a:spcPts val="500"/>
-              </a:spcBef>
-              <a:buFont typeface="Arial"/>
-              <a:buChar char="•"/>
-              <a:defRPr sz="1800" kern="1200">
-                <a:solidFill>
-                  <a:schemeClr val="tx1"/>
-                </a:solidFill>
-                <a:latin typeface="+mn-lt"/>
-                <a:ea typeface="+mn-ea"/>
-                <a:cs typeface="+mn-cs"/>
-              </a:defRPr>
-            </a:lvl8pPr>
-            <a:lvl9pPr marL="3886200" indent="-228600" algn="l" defTabSz="914400" rtl="0" eaLnBrk="1" latinLnBrk="0" hangingPunct="1">
-              <a:lnSpc>
-                <a:spcPct val="90000"/>
-              </a:lnSpc>
-              <a:spcBef>
-                <a:spcPts val="500"/>
-              </a:spcBef>
-              <a:buFont typeface="Arial"/>
-              <a:buChar char="•"/>
-              <a:defRPr sz="1800" kern="1200">
-                <a:solidFill>
-                  <a:schemeClr val="tx1"/>
-                </a:solidFill>
-                <a:latin typeface="+mn-lt"/>
-                <a:ea typeface="+mn-ea"/>
-                <a:cs typeface="+mn-cs"/>
-              </a:defRPr>
-            </a:lvl9pPr>
-          </a:lstStyle>
-          <a:p>
-            <a:pPr marL="0" indent="0">
-              <a:lnSpc>
-                <a:spcPct val="150000"/>
-              </a:lnSpc>
-              <a:spcBef>
-                <a:spcPts val="0"/>
-              </a:spcBef>
-              <a:spcAft>
-                <a:spcPts val="600"/>
-              </a:spcAft>
-              <a:buFont typeface="Arial"/>
-              <a:buNone/>
-            </a:pPr>
-            <a:r>
-              <a:rPr lang="en-GB" sz="2000" dirty="0">
-                <a:latin typeface="Open Sans Light" panose="020B0306030504020204" pitchFamily="34" charset="0"/>
-                <a:ea typeface="Open Sans Light" panose="020B0306030504020204" pitchFamily="34" charset="0"/>
-                <a:cs typeface="Open Sans Light" panose="020B0306030504020204" pitchFamily="34" charset="0"/>
-              </a:rPr>
-              <a:t>#4BBDAD</a:t>
-            </a:r>
-          </a:p>
-          <a:p>
-            <a:pPr marL="0" indent="0">
-              <a:lnSpc>
-                <a:spcPct val="150000"/>
-              </a:lnSpc>
-              <a:spcBef>
-                <a:spcPts val="0"/>
-              </a:spcBef>
-              <a:spcAft>
-                <a:spcPts val="600"/>
-              </a:spcAft>
-              <a:buFont typeface="Arial"/>
-              <a:buNone/>
-            </a:pPr>
-            <a:r>
-              <a:rPr lang="en-GB" sz="2000" dirty="0" err="1">
-                <a:latin typeface="Open Sans Light" panose="020B0306030504020204" pitchFamily="34" charset="0"/>
-                <a:ea typeface="Open Sans Light" panose="020B0306030504020204" pitchFamily="34" charset="0"/>
-                <a:cs typeface="Open Sans Light" panose="020B0306030504020204" pitchFamily="34" charset="0"/>
-              </a:rPr>
-              <a:t>Rgb</a:t>
-            </a:r>
-            <a:r>
-              <a:rPr lang="en-GB" sz="2000" dirty="0">
-                <a:latin typeface="Open Sans Light" panose="020B0306030504020204" pitchFamily="34" charset="0"/>
-                <a:ea typeface="Open Sans Light" panose="020B0306030504020204" pitchFamily="34" charset="0"/>
-                <a:cs typeface="Open Sans Light" panose="020B0306030504020204" pitchFamily="34" charset="0"/>
-              </a:rPr>
-              <a:t>: 75,189,173</a:t>
-            </a:r>
-          </a:p>
-        </p:txBody>
-      </p:sp>
-      <p:sp>
-        <p:nvSpPr>
-          <p:cNvPr id="13" name="Content Placeholder 2">
-            <a:extLst>
-              <a:ext uri="{FF2B5EF4-FFF2-40B4-BE49-F238E27FC236}">
-                <a16:creationId xmlns:a16="http://schemas.microsoft.com/office/drawing/2014/main" id="{60075D90-1DF5-488E-BB92-E74E47402587}"/>
-              </a:ext>
-            </a:extLst>
-          </p:cNvPr>
-          <p:cNvSpPr txBox="1">
-            <a:spLocks/>
-          </p:cNvSpPr>
-          <p:nvPr/>
-        </p:nvSpPr>
-        <p:spPr>
-          <a:xfrm>
-            <a:off x="13172250" y="2507695"/>
-            <a:ext cx="2340466" cy="559784"/>
-          </a:xfrm>
-          <a:prstGeom prst="rect">
-            <a:avLst/>
-          </a:prstGeom>
-        </p:spPr>
-        <p:txBody>
-          <a:bodyPr lIns="0" tIns="0" rIns="0" bIns="0">
-            <a:noAutofit/>
-          </a:bodyPr>
-          <a:lstStyle>
-            <a:lvl1pPr marL="228600" indent="-228600" algn="l" defTabSz="914400" rtl="0" eaLnBrk="1" latinLnBrk="0" hangingPunct="1">
-              <a:lnSpc>
-                <a:spcPct val="90000"/>
-              </a:lnSpc>
-              <a:spcBef>
-                <a:spcPts val="1000"/>
-              </a:spcBef>
-              <a:buFont typeface="Arial"/>
-              <a:buChar char="•"/>
-              <a:defRPr sz="2800" kern="1200">
-                <a:solidFill>
-                  <a:schemeClr val="tx1"/>
-                </a:solidFill>
-                <a:latin typeface="Arial" charset="0"/>
-                <a:ea typeface="Arial" charset="0"/>
-                <a:cs typeface="Arial" charset="0"/>
-              </a:defRPr>
-            </a:lvl1pPr>
-            <a:lvl2pPr marL="685800" indent="-228600" algn="l" defTabSz="914400" rtl="0" eaLnBrk="1" latinLnBrk="0" hangingPunct="1">
-              <a:lnSpc>
-                <a:spcPct val="90000"/>
-              </a:lnSpc>
-              <a:spcBef>
-                <a:spcPts val="500"/>
-              </a:spcBef>
-              <a:buFont typeface="Arial"/>
-              <a:buChar char="•"/>
-              <a:defRPr sz="2400" kern="1200">
-                <a:solidFill>
-                  <a:schemeClr val="tx1"/>
-                </a:solidFill>
-                <a:latin typeface="Arial" charset="0"/>
-                <a:ea typeface="Arial" charset="0"/>
-                <a:cs typeface="Arial" charset="0"/>
-              </a:defRPr>
-            </a:lvl2pPr>
-            <a:lvl3pPr marL="1143000" indent="-228600" algn="l" defTabSz="914400" rtl="0" eaLnBrk="1" latinLnBrk="0" hangingPunct="1">
-              <a:lnSpc>
-                <a:spcPct val="90000"/>
-              </a:lnSpc>
-              <a:spcBef>
-                <a:spcPts val="500"/>
-              </a:spcBef>
-              <a:buFont typeface="Arial"/>
-              <a:buChar char="•"/>
-              <a:defRPr sz="2000" kern="1200">
-                <a:solidFill>
-                  <a:schemeClr val="tx1"/>
-                </a:solidFill>
-                <a:latin typeface="Arial" charset="0"/>
-                <a:ea typeface="Arial" charset="0"/>
-                <a:cs typeface="Arial" charset="0"/>
-              </a:defRPr>
-            </a:lvl3pPr>
-            <a:lvl4pPr marL="1600200" indent="-228600" algn="l" defTabSz="914400" rtl="0" eaLnBrk="1" latinLnBrk="0" hangingPunct="1">
-              <a:lnSpc>
-                <a:spcPct val="90000"/>
-              </a:lnSpc>
-              <a:spcBef>
-                <a:spcPts val="500"/>
-              </a:spcBef>
-              <a:buFont typeface="Arial"/>
-              <a:buChar char="•"/>
-              <a:defRPr sz="1800" kern="1200">
-                <a:solidFill>
-                  <a:schemeClr val="tx1"/>
-                </a:solidFill>
-                <a:latin typeface="Arial" charset="0"/>
-                <a:ea typeface="Arial" charset="0"/>
-                <a:cs typeface="Arial" charset="0"/>
-              </a:defRPr>
-            </a:lvl4pPr>
-            <a:lvl5pPr marL="2057400" indent="-228600" algn="l" defTabSz="914400" rtl="0" eaLnBrk="1" latinLnBrk="0" hangingPunct="1">
-              <a:lnSpc>
-                <a:spcPct val="90000"/>
-              </a:lnSpc>
-              <a:spcBef>
-                <a:spcPts val="500"/>
-              </a:spcBef>
-              <a:buFont typeface="Arial"/>
-              <a:buChar char="•"/>
-              <a:defRPr sz="1800" kern="1200">
-                <a:solidFill>
-                  <a:schemeClr val="tx1"/>
-                </a:solidFill>
-                <a:latin typeface="Arial" charset="0"/>
-                <a:ea typeface="Arial" charset="0"/>
-                <a:cs typeface="Arial" charset="0"/>
-              </a:defRPr>
-            </a:lvl5pPr>
-            <a:lvl6pPr marL="2514600" indent="-228600" algn="l" defTabSz="914400" rtl="0" eaLnBrk="1" latinLnBrk="0" hangingPunct="1">
-              <a:lnSpc>
-                <a:spcPct val="90000"/>
-              </a:lnSpc>
-              <a:spcBef>
-                <a:spcPts val="500"/>
-              </a:spcBef>
-              <a:buFont typeface="Arial"/>
-              <a:buChar char="•"/>
-              <a:defRPr sz="1800" kern="1200">
-                <a:solidFill>
-                  <a:schemeClr val="tx1"/>
-                </a:solidFill>
-                <a:latin typeface="+mn-lt"/>
-                <a:ea typeface="+mn-ea"/>
-                <a:cs typeface="+mn-cs"/>
-              </a:defRPr>
-            </a:lvl6pPr>
-            <a:lvl7pPr marL="2971800" indent="-228600" algn="l" defTabSz="914400" rtl="0" eaLnBrk="1" latinLnBrk="0" hangingPunct="1">
-              <a:lnSpc>
-                <a:spcPct val="90000"/>
-              </a:lnSpc>
-              <a:spcBef>
-                <a:spcPts val="500"/>
-              </a:spcBef>
-              <a:buFont typeface="Arial"/>
-              <a:buChar char="•"/>
-              <a:defRPr sz="1800" kern="1200">
-                <a:solidFill>
-                  <a:schemeClr val="tx1"/>
-                </a:solidFill>
-                <a:latin typeface="+mn-lt"/>
-                <a:ea typeface="+mn-ea"/>
-                <a:cs typeface="+mn-cs"/>
-              </a:defRPr>
-            </a:lvl7pPr>
-            <a:lvl8pPr marL="3429000" indent="-228600" algn="l" defTabSz="914400" rtl="0" eaLnBrk="1" latinLnBrk="0" hangingPunct="1">
-              <a:lnSpc>
-                <a:spcPct val="90000"/>
-              </a:lnSpc>
-              <a:spcBef>
-                <a:spcPts val="500"/>
-              </a:spcBef>
-              <a:buFont typeface="Arial"/>
-              <a:buChar char="•"/>
-              <a:defRPr sz="1800" kern="1200">
-                <a:solidFill>
-                  <a:schemeClr val="tx1"/>
-                </a:solidFill>
-                <a:latin typeface="+mn-lt"/>
-                <a:ea typeface="+mn-ea"/>
-                <a:cs typeface="+mn-cs"/>
-              </a:defRPr>
-            </a:lvl8pPr>
-            <a:lvl9pPr marL="3886200" indent="-228600" algn="l" defTabSz="914400" rtl="0" eaLnBrk="1" latinLnBrk="0" hangingPunct="1">
-              <a:lnSpc>
-                <a:spcPct val="90000"/>
-              </a:lnSpc>
-              <a:spcBef>
-                <a:spcPts val="500"/>
-              </a:spcBef>
-              <a:buFont typeface="Arial"/>
-              <a:buChar char="•"/>
-              <a:defRPr sz="1800" kern="1200">
-                <a:solidFill>
-                  <a:schemeClr val="tx1"/>
-                </a:solidFill>
-                <a:latin typeface="+mn-lt"/>
-                <a:ea typeface="+mn-ea"/>
-                <a:cs typeface="+mn-cs"/>
-              </a:defRPr>
-            </a:lvl9pPr>
-          </a:lstStyle>
-          <a:p>
-            <a:pPr marL="0" indent="0">
-              <a:lnSpc>
-                <a:spcPct val="150000"/>
-              </a:lnSpc>
-              <a:spcBef>
-                <a:spcPts val="0"/>
-              </a:spcBef>
-              <a:spcAft>
-                <a:spcPts val="600"/>
-              </a:spcAft>
-              <a:buFont typeface="Arial"/>
-              <a:buNone/>
-            </a:pPr>
-            <a:r>
-              <a:rPr lang="en-GB" sz="2000" dirty="0">
-                <a:latin typeface="Open Sans Light" panose="020B0306030504020204" pitchFamily="34" charset="0"/>
-                <a:ea typeface="Open Sans Light" panose="020B0306030504020204" pitchFamily="34" charset="0"/>
-                <a:cs typeface="Open Sans Light" panose="020B0306030504020204" pitchFamily="34" charset="0"/>
-              </a:rPr>
-              <a:t>#0C1938</a:t>
-            </a:r>
-          </a:p>
-          <a:p>
-            <a:pPr marL="0" indent="0">
-              <a:lnSpc>
-                <a:spcPct val="150000"/>
-              </a:lnSpc>
-              <a:spcBef>
-                <a:spcPts val="0"/>
-              </a:spcBef>
-              <a:spcAft>
-                <a:spcPts val="600"/>
-              </a:spcAft>
-              <a:buFont typeface="Arial"/>
-              <a:buNone/>
-            </a:pPr>
-            <a:r>
-              <a:rPr lang="en-GB" sz="2000" dirty="0" err="1">
-                <a:latin typeface="Open Sans Light" panose="020B0306030504020204" pitchFamily="34" charset="0"/>
-                <a:ea typeface="Open Sans Light" panose="020B0306030504020204" pitchFamily="34" charset="0"/>
-                <a:cs typeface="Open Sans Light" panose="020B0306030504020204" pitchFamily="34" charset="0"/>
-              </a:rPr>
-              <a:t>Rgb</a:t>
-            </a:r>
-            <a:r>
-              <a:rPr lang="en-GB" sz="2000" dirty="0">
-                <a:latin typeface="Open Sans Light" panose="020B0306030504020204" pitchFamily="34" charset="0"/>
-                <a:ea typeface="Open Sans Light" panose="020B0306030504020204" pitchFamily="34" charset="0"/>
-                <a:cs typeface="Open Sans Light" panose="020B0306030504020204" pitchFamily="34" charset="0"/>
-              </a:rPr>
-              <a:t>: 12,25,56</a:t>
-            </a:r>
-          </a:p>
-        </p:txBody>
-      </p:sp>
-      <p:sp>
-        <p:nvSpPr>
-          <p:cNvPr id="14" name="Content Placeholder 2">
-            <a:extLst>
-              <a:ext uri="{FF2B5EF4-FFF2-40B4-BE49-F238E27FC236}">
-                <a16:creationId xmlns:a16="http://schemas.microsoft.com/office/drawing/2014/main" id="{60075D90-1DF5-488E-BB92-E74E47402587}"/>
-              </a:ext>
-            </a:extLst>
-          </p:cNvPr>
-          <p:cNvSpPr txBox="1">
-            <a:spLocks/>
-          </p:cNvSpPr>
-          <p:nvPr/>
-        </p:nvSpPr>
-        <p:spPr>
-          <a:xfrm>
-            <a:off x="13172250" y="5097636"/>
-            <a:ext cx="2340466" cy="1267390"/>
-          </a:xfrm>
-          <a:prstGeom prst="rect">
-            <a:avLst/>
-          </a:prstGeom>
-        </p:spPr>
-        <p:txBody>
-          <a:bodyPr lIns="0" tIns="0" rIns="0" bIns="0">
-            <a:noAutofit/>
-          </a:bodyPr>
-          <a:lstStyle>
-            <a:lvl1pPr marL="228600" indent="-228600" algn="l" defTabSz="914400" rtl="0" eaLnBrk="1" latinLnBrk="0" hangingPunct="1">
-              <a:lnSpc>
-                <a:spcPct val="90000"/>
-              </a:lnSpc>
-              <a:spcBef>
-                <a:spcPts val="1000"/>
-              </a:spcBef>
-              <a:buFont typeface="Arial"/>
-              <a:buChar char="•"/>
-              <a:defRPr sz="2800" kern="1200">
-                <a:solidFill>
-                  <a:schemeClr val="tx1"/>
-                </a:solidFill>
-                <a:latin typeface="Arial" charset="0"/>
-                <a:ea typeface="Arial" charset="0"/>
-                <a:cs typeface="Arial" charset="0"/>
-              </a:defRPr>
-            </a:lvl1pPr>
-            <a:lvl2pPr marL="685800" indent="-228600" algn="l" defTabSz="914400" rtl="0" eaLnBrk="1" latinLnBrk="0" hangingPunct="1">
-              <a:lnSpc>
-                <a:spcPct val="90000"/>
-              </a:lnSpc>
-              <a:spcBef>
-                <a:spcPts val="500"/>
-              </a:spcBef>
-              <a:buFont typeface="Arial"/>
-              <a:buChar char="•"/>
-              <a:defRPr sz="2400" kern="1200">
-                <a:solidFill>
-                  <a:schemeClr val="tx1"/>
-                </a:solidFill>
-                <a:latin typeface="Arial" charset="0"/>
-                <a:ea typeface="Arial" charset="0"/>
-                <a:cs typeface="Arial" charset="0"/>
-              </a:defRPr>
-            </a:lvl2pPr>
-            <a:lvl3pPr marL="1143000" indent="-228600" algn="l" defTabSz="914400" rtl="0" eaLnBrk="1" latinLnBrk="0" hangingPunct="1">
-              <a:lnSpc>
-                <a:spcPct val="90000"/>
-              </a:lnSpc>
-              <a:spcBef>
-                <a:spcPts val="500"/>
-              </a:spcBef>
-              <a:buFont typeface="Arial"/>
-              <a:buChar char="•"/>
-              <a:defRPr sz="2000" kern="1200">
-                <a:solidFill>
-                  <a:schemeClr val="tx1"/>
-                </a:solidFill>
-                <a:latin typeface="Arial" charset="0"/>
-                <a:ea typeface="Arial" charset="0"/>
-                <a:cs typeface="Arial" charset="0"/>
-              </a:defRPr>
-            </a:lvl3pPr>
-            <a:lvl4pPr marL="1600200" indent="-228600" algn="l" defTabSz="914400" rtl="0" eaLnBrk="1" latinLnBrk="0" hangingPunct="1">
-              <a:lnSpc>
-                <a:spcPct val="90000"/>
-              </a:lnSpc>
-              <a:spcBef>
-                <a:spcPts val="500"/>
-              </a:spcBef>
-              <a:buFont typeface="Arial"/>
-              <a:buChar char="•"/>
-              <a:defRPr sz="1800" kern="1200">
-                <a:solidFill>
-                  <a:schemeClr val="tx1"/>
-                </a:solidFill>
-                <a:latin typeface="Arial" charset="0"/>
-                <a:ea typeface="Arial" charset="0"/>
-                <a:cs typeface="Arial" charset="0"/>
-              </a:defRPr>
-            </a:lvl4pPr>
-            <a:lvl5pPr marL="2057400" indent="-228600" algn="l" defTabSz="914400" rtl="0" eaLnBrk="1" latinLnBrk="0" hangingPunct="1">
-              <a:lnSpc>
-                <a:spcPct val="90000"/>
-              </a:lnSpc>
-              <a:spcBef>
-                <a:spcPts val="500"/>
-              </a:spcBef>
-              <a:buFont typeface="Arial"/>
-              <a:buChar char="•"/>
-              <a:defRPr sz="1800" kern="1200">
-                <a:solidFill>
-                  <a:schemeClr val="tx1"/>
-                </a:solidFill>
-                <a:latin typeface="Arial" charset="0"/>
-                <a:ea typeface="Arial" charset="0"/>
-                <a:cs typeface="Arial" charset="0"/>
-              </a:defRPr>
-            </a:lvl5pPr>
-            <a:lvl6pPr marL="2514600" indent="-228600" algn="l" defTabSz="914400" rtl="0" eaLnBrk="1" latinLnBrk="0" hangingPunct="1">
-              <a:lnSpc>
-                <a:spcPct val="90000"/>
-              </a:lnSpc>
-              <a:spcBef>
-                <a:spcPts val="500"/>
-              </a:spcBef>
-              <a:buFont typeface="Arial"/>
-              <a:buChar char="•"/>
-              <a:defRPr sz="1800" kern="1200">
-                <a:solidFill>
-                  <a:schemeClr val="tx1"/>
-                </a:solidFill>
-                <a:latin typeface="+mn-lt"/>
-                <a:ea typeface="+mn-ea"/>
-                <a:cs typeface="+mn-cs"/>
-              </a:defRPr>
-            </a:lvl6pPr>
-            <a:lvl7pPr marL="2971800" indent="-228600" algn="l" defTabSz="914400" rtl="0" eaLnBrk="1" latinLnBrk="0" hangingPunct="1">
-              <a:lnSpc>
-                <a:spcPct val="90000"/>
-              </a:lnSpc>
-              <a:spcBef>
-                <a:spcPts val="500"/>
-              </a:spcBef>
-              <a:buFont typeface="Arial"/>
-              <a:buChar char="•"/>
-              <a:defRPr sz="1800" kern="1200">
-                <a:solidFill>
-                  <a:schemeClr val="tx1"/>
-                </a:solidFill>
-                <a:latin typeface="+mn-lt"/>
-                <a:ea typeface="+mn-ea"/>
-                <a:cs typeface="+mn-cs"/>
-              </a:defRPr>
-            </a:lvl7pPr>
-            <a:lvl8pPr marL="3429000" indent="-228600" algn="l" defTabSz="914400" rtl="0" eaLnBrk="1" latinLnBrk="0" hangingPunct="1">
-              <a:lnSpc>
-                <a:spcPct val="90000"/>
-              </a:lnSpc>
-              <a:spcBef>
-                <a:spcPts val="500"/>
-              </a:spcBef>
-              <a:buFont typeface="Arial"/>
-              <a:buChar char="•"/>
-              <a:defRPr sz="1800" kern="1200">
-                <a:solidFill>
-                  <a:schemeClr val="tx1"/>
-                </a:solidFill>
-                <a:latin typeface="+mn-lt"/>
-                <a:ea typeface="+mn-ea"/>
-                <a:cs typeface="+mn-cs"/>
-              </a:defRPr>
-            </a:lvl8pPr>
-            <a:lvl9pPr marL="3886200" indent="-228600" algn="l" defTabSz="914400" rtl="0" eaLnBrk="1" latinLnBrk="0" hangingPunct="1">
-              <a:lnSpc>
-                <a:spcPct val="90000"/>
-              </a:lnSpc>
-              <a:spcBef>
-                <a:spcPts val="500"/>
-              </a:spcBef>
-              <a:buFont typeface="Arial"/>
-              <a:buChar char="•"/>
-              <a:defRPr sz="1800" kern="1200">
-                <a:solidFill>
-                  <a:schemeClr val="tx1"/>
-                </a:solidFill>
-                <a:latin typeface="+mn-lt"/>
-                <a:ea typeface="+mn-ea"/>
-                <a:cs typeface="+mn-cs"/>
-              </a:defRPr>
-            </a:lvl9pPr>
-          </a:lstStyle>
-          <a:p>
-            <a:pPr marL="0" indent="0">
-              <a:lnSpc>
-                <a:spcPct val="150000"/>
-              </a:lnSpc>
-              <a:spcBef>
-                <a:spcPts val="0"/>
-              </a:spcBef>
-              <a:spcAft>
-                <a:spcPts val="600"/>
-              </a:spcAft>
-              <a:buFont typeface="Arial"/>
-              <a:buNone/>
-            </a:pPr>
-            <a:r>
-              <a:rPr lang="en-GB" sz="2000" dirty="0">
-                <a:latin typeface="Open Sans Light" panose="020B0306030504020204" pitchFamily="34" charset="0"/>
-                <a:ea typeface="Open Sans Light" panose="020B0306030504020204" pitchFamily="34" charset="0"/>
-                <a:cs typeface="Open Sans Light" panose="020B0306030504020204" pitchFamily="34" charset="0"/>
-              </a:rPr>
-              <a:t>#DDDAE1</a:t>
-            </a:r>
-          </a:p>
-          <a:p>
-            <a:pPr marL="0" indent="0">
-              <a:lnSpc>
-                <a:spcPct val="150000"/>
-              </a:lnSpc>
-              <a:spcBef>
-                <a:spcPts val="0"/>
-              </a:spcBef>
-              <a:spcAft>
-                <a:spcPts val="600"/>
-              </a:spcAft>
-              <a:buFont typeface="Arial"/>
-              <a:buNone/>
-            </a:pPr>
-            <a:r>
-              <a:rPr lang="en-GB" sz="2000" dirty="0" err="1">
-                <a:latin typeface="Open Sans Light" panose="020B0306030504020204" pitchFamily="34" charset="0"/>
-                <a:ea typeface="Open Sans Light" panose="020B0306030504020204" pitchFamily="34" charset="0"/>
-                <a:cs typeface="Open Sans Light" panose="020B0306030504020204" pitchFamily="34" charset="0"/>
-              </a:rPr>
-              <a:t>Rgb</a:t>
-            </a:r>
-            <a:r>
-              <a:rPr lang="en-GB" sz="2000" dirty="0">
-                <a:latin typeface="Open Sans Light" panose="020B0306030504020204" pitchFamily="34" charset="0"/>
-                <a:ea typeface="Open Sans Light" panose="020B0306030504020204" pitchFamily="34" charset="0"/>
-                <a:cs typeface="Open Sans Light" panose="020B0306030504020204" pitchFamily="34" charset="0"/>
-              </a:rPr>
-              <a:t>: 221,218,225</a:t>
-            </a:r>
-          </a:p>
-        </p:txBody>
-      </p:sp>
-      <p:sp>
-        <p:nvSpPr>
-          <p:cNvPr id="15" name="Content Placeholder 2">
-            <a:extLst>
-              <a:ext uri="{FF2B5EF4-FFF2-40B4-BE49-F238E27FC236}">
-                <a16:creationId xmlns:a16="http://schemas.microsoft.com/office/drawing/2014/main" id="{60075D90-1DF5-488E-BB92-E74E47402587}"/>
-              </a:ext>
-            </a:extLst>
-          </p:cNvPr>
-          <p:cNvSpPr txBox="1">
-            <a:spLocks/>
-          </p:cNvSpPr>
-          <p:nvPr/>
-        </p:nvSpPr>
-        <p:spPr>
-          <a:xfrm>
-            <a:off x="13220508" y="3767783"/>
-            <a:ext cx="2340466" cy="1267390"/>
-          </a:xfrm>
-          <a:prstGeom prst="rect">
-            <a:avLst/>
-          </a:prstGeom>
-        </p:spPr>
-        <p:txBody>
-          <a:bodyPr lIns="0" tIns="0" rIns="0" bIns="0">
-            <a:noAutofit/>
-          </a:bodyPr>
-          <a:lstStyle>
-            <a:lvl1pPr marL="228600" indent="-228600" algn="l" defTabSz="914400" rtl="0" eaLnBrk="1" latinLnBrk="0" hangingPunct="1">
-              <a:lnSpc>
-                <a:spcPct val="90000"/>
-              </a:lnSpc>
-              <a:spcBef>
-                <a:spcPts val="1000"/>
-              </a:spcBef>
-              <a:buFont typeface="Arial"/>
-              <a:buChar char="•"/>
-              <a:defRPr sz="2800" kern="1200">
-                <a:solidFill>
-                  <a:schemeClr val="tx1"/>
-                </a:solidFill>
-                <a:latin typeface="Arial" charset="0"/>
-                <a:ea typeface="Arial" charset="0"/>
-                <a:cs typeface="Arial" charset="0"/>
-              </a:defRPr>
-            </a:lvl1pPr>
-            <a:lvl2pPr marL="685800" indent="-228600" algn="l" defTabSz="914400" rtl="0" eaLnBrk="1" latinLnBrk="0" hangingPunct="1">
-              <a:lnSpc>
-                <a:spcPct val="90000"/>
-              </a:lnSpc>
-              <a:spcBef>
-                <a:spcPts val="500"/>
-              </a:spcBef>
-              <a:buFont typeface="Arial"/>
-              <a:buChar char="•"/>
-              <a:defRPr sz="2400" kern="1200">
-                <a:solidFill>
-                  <a:schemeClr val="tx1"/>
-                </a:solidFill>
-                <a:latin typeface="Arial" charset="0"/>
-                <a:ea typeface="Arial" charset="0"/>
-                <a:cs typeface="Arial" charset="0"/>
-              </a:defRPr>
-            </a:lvl2pPr>
-            <a:lvl3pPr marL="1143000" indent="-228600" algn="l" defTabSz="914400" rtl="0" eaLnBrk="1" latinLnBrk="0" hangingPunct="1">
-              <a:lnSpc>
-                <a:spcPct val="90000"/>
-              </a:lnSpc>
-              <a:spcBef>
-                <a:spcPts val="500"/>
-              </a:spcBef>
-              <a:buFont typeface="Arial"/>
-              <a:buChar char="•"/>
-              <a:defRPr sz="2000" kern="1200">
-                <a:solidFill>
-                  <a:schemeClr val="tx1"/>
-                </a:solidFill>
-                <a:latin typeface="Arial" charset="0"/>
-                <a:ea typeface="Arial" charset="0"/>
-                <a:cs typeface="Arial" charset="0"/>
-              </a:defRPr>
-            </a:lvl3pPr>
-            <a:lvl4pPr marL="1600200" indent="-228600" algn="l" defTabSz="914400" rtl="0" eaLnBrk="1" latinLnBrk="0" hangingPunct="1">
-              <a:lnSpc>
-                <a:spcPct val="90000"/>
-              </a:lnSpc>
-              <a:spcBef>
-                <a:spcPts val="500"/>
-              </a:spcBef>
-              <a:buFont typeface="Arial"/>
-              <a:buChar char="•"/>
-              <a:defRPr sz="1800" kern="1200">
-                <a:solidFill>
-                  <a:schemeClr val="tx1"/>
-                </a:solidFill>
-                <a:latin typeface="Arial" charset="0"/>
-                <a:ea typeface="Arial" charset="0"/>
-                <a:cs typeface="Arial" charset="0"/>
-              </a:defRPr>
-            </a:lvl4pPr>
-            <a:lvl5pPr marL="2057400" indent="-228600" algn="l" defTabSz="914400" rtl="0" eaLnBrk="1" latinLnBrk="0" hangingPunct="1">
-              <a:lnSpc>
-                <a:spcPct val="90000"/>
-              </a:lnSpc>
-              <a:spcBef>
-                <a:spcPts val="500"/>
-              </a:spcBef>
-              <a:buFont typeface="Arial"/>
-              <a:buChar char="•"/>
-              <a:defRPr sz="1800" kern="1200">
-                <a:solidFill>
-                  <a:schemeClr val="tx1"/>
-                </a:solidFill>
-                <a:latin typeface="Arial" charset="0"/>
-                <a:ea typeface="Arial" charset="0"/>
-                <a:cs typeface="Arial" charset="0"/>
-              </a:defRPr>
-            </a:lvl5pPr>
-            <a:lvl6pPr marL="2514600" indent="-228600" algn="l" defTabSz="914400" rtl="0" eaLnBrk="1" latinLnBrk="0" hangingPunct="1">
-              <a:lnSpc>
-                <a:spcPct val="90000"/>
-              </a:lnSpc>
-              <a:spcBef>
-                <a:spcPts val="500"/>
-              </a:spcBef>
-              <a:buFont typeface="Arial"/>
-              <a:buChar char="•"/>
-              <a:defRPr sz="1800" kern="1200">
-                <a:solidFill>
-                  <a:schemeClr val="tx1"/>
-                </a:solidFill>
-                <a:latin typeface="+mn-lt"/>
-                <a:ea typeface="+mn-ea"/>
-                <a:cs typeface="+mn-cs"/>
-              </a:defRPr>
-            </a:lvl6pPr>
-            <a:lvl7pPr marL="2971800" indent="-228600" algn="l" defTabSz="914400" rtl="0" eaLnBrk="1" latinLnBrk="0" hangingPunct="1">
-              <a:lnSpc>
-                <a:spcPct val="90000"/>
-              </a:lnSpc>
-              <a:spcBef>
-                <a:spcPts val="500"/>
-              </a:spcBef>
-              <a:buFont typeface="Arial"/>
-              <a:buChar char="•"/>
-              <a:defRPr sz="1800" kern="1200">
-                <a:solidFill>
-                  <a:schemeClr val="tx1"/>
-                </a:solidFill>
-                <a:latin typeface="+mn-lt"/>
-                <a:ea typeface="+mn-ea"/>
-                <a:cs typeface="+mn-cs"/>
-              </a:defRPr>
-            </a:lvl7pPr>
-            <a:lvl8pPr marL="3429000" indent="-228600" algn="l" defTabSz="914400" rtl="0" eaLnBrk="1" latinLnBrk="0" hangingPunct="1">
-              <a:lnSpc>
-                <a:spcPct val="90000"/>
-              </a:lnSpc>
-              <a:spcBef>
-                <a:spcPts val="500"/>
-              </a:spcBef>
-              <a:buFont typeface="Arial"/>
-              <a:buChar char="•"/>
-              <a:defRPr sz="1800" kern="1200">
-                <a:solidFill>
-                  <a:schemeClr val="tx1"/>
-                </a:solidFill>
-                <a:latin typeface="+mn-lt"/>
-                <a:ea typeface="+mn-ea"/>
-                <a:cs typeface="+mn-cs"/>
-              </a:defRPr>
-            </a:lvl8pPr>
-            <a:lvl9pPr marL="3886200" indent="-228600" algn="l" defTabSz="914400" rtl="0" eaLnBrk="1" latinLnBrk="0" hangingPunct="1">
-              <a:lnSpc>
-                <a:spcPct val="90000"/>
-              </a:lnSpc>
-              <a:spcBef>
-                <a:spcPts val="500"/>
-              </a:spcBef>
-              <a:buFont typeface="Arial"/>
-              <a:buChar char="•"/>
-              <a:defRPr sz="1800" kern="1200">
-                <a:solidFill>
-                  <a:schemeClr val="tx1"/>
-                </a:solidFill>
-                <a:latin typeface="+mn-lt"/>
-                <a:ea typeface="+mn-ea"/>
-                <a:cs typeface="+mn-cs"/>
-              </a:defRPr>
-            </a:lvl9pPr>
-          </a:lstStyle>
-          <a:p>
-            <a:pPr marL="0" indent="0">
-              <a:lnSpc>
-                <a:spcPct val="150000"/>
-              </a:lnSpc>
-              <a:spcBef>
-                <a:spcPts val="0"/>
-              </a:spcBef>
-              <a:spcAft>
-                <a:spcPts val="600"/>
-              </a:spcAft>
-              <a:buFont typeface="Arial"/>
-              <a:buNone/>
-            </a:pPr>
-            <a:r>
-              <a:rPr lang="en-GB" sz="2000" dirty="0">
-                <a:latin typeface="Open Sans Light" panose="020B0306030504020204" pitchFamily="34" charset="0"/>
-                <a:ea typeface="Open Sans Light" panose="020B0306030504020204" pitchFamily="34" charset="0"/>
-                <a:cs typeface="Open Sans Light" panose="020B0306030504020204" pitchFamily="34" charset="0"/>
-              </a:rPr>
-              <a:t>#848483</a:t>
-            </a:r>
-          </a:p>
-          <a:p>
-            <a:pPr marL="0" indent="0">
-              <a:lnSpc>
-                <a:spcPct val="150000"/>
-              </a:lnSpc>
-              <a:spcBef>
-                <a:spcPts val="0"/>
-              </a:spcBef>
-              <a:spcAft>
-                <a:spcPts val="600"/>
-              </a:spcAft>
-              <a:buFont typeface="Arial"/>
-              <a:buNone/>
-            </a:pPr>
-            <a:r>
-              <a:rPr lang="en-GB" sz="2000" dirty="0" err="1">
-                <a:latin typeface="Open Sans Light" panose="020B0306030504020204" pitchFamily="34" charset="0"/>
-                <a:ea typeface="Open Sans Light" panose="020B0306030504020204" pitchFamily="34" charset="0"/>
-                <a:cs typeface="Open Sans Light" panose="020B0306030504020204" pitchFamily="34" charset="0"/>
-              </a:rPr>
-              <a:t>Rgb</a:t>
-            </a:r>
-            <a:r>
-              <a:rPr lang="en-GB" sz="2000" dirty="0">
-                <a:latin typeface="Open Sans Light" panose="020B0306030504020204" pitchFamily="34" charset="0"/>
-                <a:ea typeface="Open Sans Light" panose="020B0306030504020204" pitchFamily="34" charset="0"/>
-                <a:cs typeface="Open Sans Light" panose="020B0306030504020204" pitchFamily="34" charset="0"/>
-              </a:rPr>
-              <a:t>: 132,132,131</a:t>
-            </a:r>
-          </a:p>
-        </p:txBody>
-      </p:sp>
-      <p:sp>
-        <p:nvSpPr>
-          <p:cNvPr id="16" name="Content Placeholder 2">
-            <a:extLst>
-              <a:ext uri="{FF2B5EF4-FFF2-40B4-BE49-F238E27FC236}">
-                <a16:creationId xmlns:a16="http://schemas.microsoft.com/office/drawing/2014/main" id="{60075D90-1DF5-488E-BB92-E74E47402587}"/>
-              </a:ext>
-            </a:extLst>
-          </p:cNvPr>
-          <p:cNvSpPr txBox="1">
-            <a:spLocks/>
-          </p:cNvSpPr>
-          <p:nvPr/>
-        </p:nvSpPr>
-        <p:spPr>
-          <a:xfrm>
-            <a:off x="16458375" y="2318084"/>
-            <a:ext cx="2115876" cy="1189166"/>
-          </a:xfrm>
-          <a:prstGeom prst="rect">
-            <a:avLst/>
-          </a:prstGeom>
-        </p:spPr>
-        <p:txBody>
-          <a:bodyPr lIns="0" tIns="0" rIns="0" bIns="0">
-            <a:noAutofit/>
-          </a:bodyPr>
-          <a:lstStyle>
-            <a:lvl1pPr marL="228600" indent="-228600" algn="l" defTabSz="914400" rtl="0" eaLnBrk="1" latinLnBrk="0" hangingPunct="1">
-              <a:lnSpc>
-                <a:spcPct val="90000"/>
-              </a:lnSpc>
-              <a:spcBef>
-                <a:spcPts val="1000"/>
-              </a:spcBef>
-              <a:buFont typeface="Arial"/>
-              <a:buChar char="•"/>
-              <a:defRPr sz="2800" kern="1200">
-                <a:solidFill>
-                  <a:schemeClr val="tx1"/>
-                </a:solidFill>
-                <a:latin typeface="Arial" charset="0"/>
-                <a:ea typeface="Arial" charset="0"/>
-                <a:cs typeface="Arial" charset="0"/>
-              </a:defRPr>
-            </a:lvl1pPr>
-            <a:lvl2pPr marL="685800" indent="-228600" algn="l" defTabSz="914400" rtl="0" eaLnBrk="1" latinLnBrk="0" hangingPunct="1">
-              <a:lnSpc>
-                <a:spcPct val="90000"/>
-              </a:lnSpc>
-              <a:spcBef>
-                <a:spcPts val="500"/>
-              </a:spcBef>
-              <a:buFont typeface="Arial"/>
-              <a:buChar char="•"/>
-              <a:defRPr sz="2400" kern="1200">
-                <a:solidFill>
-                  <a:schemeClr val="tx1"/>
-                </a:solidFill>
-                <a:latin typeface="Arial" charset="0"/>
-                <a:ea typeface="Arial" charset="0"/>
-                <a:cs typeface="Arial" charset="0"/>
-              </a:defRPr>
-            </a:lvl2pPr>
-            <a:lvl3pPr marL="1143000" indent="-228600" algn="l" defTabSz="914400" rtl="0" eaLnBrk="1" latinLnBrk="0" hangingPunct="1">
-              <a:lnSpc>
-                <a:spcPct val="90000"/>
-              </a:lnSpc>
-              <a:spcBef>
-                <a:spcPts val="500"/>
-              </a:spcBef>
-              <a:buFont typeface="Arial"/>
-              <a:buChar char="•"/>
-              <a:defRPr sz="2000" kern="1200">
-                <a:solidFill>
-                  <a:schemeClr val="tx1"/>
-                </a:solidFill>
-                <a:latin typeface="Arial" charset="0"/>
-                <a:ea typeface="Arial" charset="0"/>
-                <a:cs typeface="Arial" charset="0"/>
-              </a:defRPr>
-            </a:lvl3pPr>
-            <a:lvl4pPr marL="1600200" indent="-228600" algn="l" defTabSz="914400" rtl="0" eaLnBrk="1" latinLnBrk="0" hangingPunct="1">
-              <a:lnSpc>
-                <a:spcPct val="90000"/>
-              </a:lnSpc>
-              <a:spcBef>
-                <a:spcPts val="500"/>
-              </a:spcBef>
-              <a:buFont typeface="Arial"/>
-              <a:buChar char="•"/>
-              <a:defRPr sz="1800" kern="1200">
-                <a:solidFill>
-                  <a:schemeClr val="tx1"/>
-                </a:solidFill>
-                <a:latin typeface="Arial" charset="0"/>
-                <a:ea typeface="Arial" charset="0"/>
-                <a:cs typeface="Arial" charset="0"/>
-              </a:defRPr>
-            </a:lvl4pPr>
-            <a:lvl5pPr marL="2057400" indent="-228600" algn="l" defTabSz="914400" rtl="0" eaLnBrk="1" latinLnBrk="0" hangingPunct="1">
-              <a:lnSpc>
-                <a:spcPct val="90000"/>
-              </a:lnSpc>
-              <a:spcBef>
-                <a:spcPts val="500"/>
-              </a:spcBef>
-              <a:buFont typeface="Arial"/>
-              <a:buChar char="•"/>
-              <a:defRPr sz="1800" kern="1200">
-                <a:solidFill>
-                  <a:schemeClr val="tx1"/>
-                </a:solidFill>
-                <a:latin typeface="Arial" charset="0"/>
-                <a:ea typeface="Arial" charset="0"/>
-                <a:cs typeface="Arial" charset="0"/>
-              </a:defRPr>
-            </a:lvl5pPr>
-            <a:lvl6pPr marL="2514600" indent="-228600" algn="l" defTabSz="914400" rtl="0" eaLnBrk="1" latinLnBrk="0" hangingPunct="1">
-              <a:lnSpc>
-                <a:spcPct val="90000"/>
-              </a:lnSpc>
-              <a:spcBef>
-                <a:spcPts val="500"/>
-              </a:spcBef>
-              <a:buFont typeface="Arial"/>
-              <a:buChar char="•"/>
-              <a:defRPr sz="1800" kern="1200">
-                <a:solidFill>
-                  <a:schemeClr val="tx1"/>
-                </a:solidFill>
-                <a:latin typeface="+mn-lt"/>
-                <a:ea typeface="+mn-ea"/>
-                <a:cs typeface="+mn-cs"/>
-              </a:defRPr>
-            </a:lvl6pPr>
-            <a:lvl7pPr marL="2971800" indent="-228600" algn="l" defTabSz="914400" rtl="0" eaLnBrk="1" latinLnBrk="0" hangingPunct="1">
-              <a:lnSpc>
-                <a:spcPct val="90000"/>
-              </a:lnSpc>
-              <a:spcBef>
-                <a:spcPts val="500"/>
-              </a:spcBef>
-              <a:buFont typeface="Arial"/>
-              <a:buChar char="•"/>
-              <a:defRPr sz="1800" kern="1200">
-                <a:solidFill>
-                  <a:schemeClr val="tx1"/>
-                </a:solidFill>
-                <a:latin typeface="+mn-lt"/>
-                <a:ea typeface="+mn-ea"/>
-                <a:cs typeface="+mn-cs"/>
-              </a:defRPr>
-            </a:lvl7pPr>
-            <a:lvl8pPr marL="3429000" indent="-228600" algn="l" defTabSz="914400" rtl="0" eaLnBrk="1" latinLnBrk="0" hangingPunct="1">
-              <a:lnSpc>
-                <a:spcPct val="90000"/>
-              </a:lnSpc>
-              <a:spcBef>
-                <a:spcPts val="500"/>
-              </a:spcBef>
-              <a:buFont typeface="Arial"/>
-              <a:buChar char="•"/>
-              <a:defRPr sz="1800" kern="1200">
-                <a:solidFill>
-                  <a:schemeClr val="tx1"/>
-                </a:solidFill>
-                <a:latin typeface="+mn-lt"/>
-                <a:ea typeface="+mn-ea"/>
-                <a:cs typeface="+mn-cs"/>
-              </a:defRPr>
-            </a:lvl8pPr>
-            <a:lvl9pPr marL="3886200" indent="-228600" algn="l" defTabSz="914400" rtl="0" eaLnBrk="1" latinLnBrk="0" hangingPunct="1">
-              <a:lnSpc>
-                <a:spcPct val="90000"/>
-              </a:lnSpc>
-              <a:spcBef>
-                <a:spcPts val="500"/>
-              </a:spcBef>
-              <a:buFont typeface="Arial"/>
-              <a:buChar char="•"/>
-              <a:defRPr sz="1800" kern="1200">
-                <a:solidFill>
-                  <a:schemeClr val="tx1"/>
-                </a:solidFill>
-                <a:latin typeface="+mn-lt"/>
-                <a:ea typeface="+mn-ea"/>
-                <a:cs typeface="+mn-cs"/>
-              </a:defRPr>
-            </a:lvl9pPr>
-          </a:lstStyle>
-          <a:p>
-            <a:pPr marL="0" indent="0">
-              <a:lnSpc>
-                <a:spcPct val="150000"/>
-              </a:lnSpc>
-              <a:spcBef>
-                <a:spcPts val="0"/>
-              </a:spcBef>
-              <a:spcAft>
-                <a:spcPts val="600"/>
-              </a:spcAft>
-              <a:buFont typeface="Arial"/>
-              <a:buNone/>
-            </a:pPr>
-            <a:r>
-              <a:rPr lang="en-GB" sz="2000" dirty="0">
-                <a:latin typeface="Open Sans Light" panose="020B0306030504020204" pitchFamily="34" charset="0"/>
-                <a:ea typeface="Open Sans Light" panose="020B0306030504020204" pitchFamily="34" charset="0"/>
-                <a:cs typeface="Open Sans Light" panose="020B0306030504020204" pitchFamily="34" charset="0"/>
-              </a:rPr>
-              <a:t>#FF9A00</a:t>
-            </a:r>
-          </a:p>
-          <a:p>
-            <a:pPr marL="0" indent="0">
-              <a:lnSpc>
-                <a:spcPct val="150000"/>
-              </a:lnSpc>
-              <a:spcBef>
-                <a:spcPts val="0"/>
-              </a:spcBef>
-              <a:spcAft>
-                <a:spcPts val="600"/>
-              </a:spcAft>
-              <a:buFont typeface="Arial"/>
-              <a:buNone/>
-            </a:pPr>
-            <a:r>
-              <a:rPr lang="en-GB" sz="2000" dirty="0">
-                <a:latin typeface="Open Sans Light" panose="020B0306030504020204" pitchFamily="34" charset="0"/>
-                <a:ea typeface="Open Sans Light" panose="020B0306030504020204" pitchFamily="34" charset="0"/>
-                <a:cs typeface="Open Sans Light" panose="020B0306030504020204" pitchFamily="34" charset="0"/>
-              </a:rPr>
-              <a:t>Rgb:255,154,0</a:t>
-            </a:r>
-          </a:p>
-        </p:txBody>
-      </p:sp>
-      <p:sp>
-        <p:nvSpPr>
-          <p:cNvPr id="17" name="Content Placeholder 2">
-            <a:extLst>
-              <a:ext uri="{FF2B5EF4-FFF2-40B4-BE49-F238E27FC236}">
-                <a16:creationId xmlns:a16="http://schemas.microsoft.com/office/drawing/2014/main" id="{60075D90-1DF5-488E-BB92-E74E47402587}"/>
-              </a:ext>
-            </a:extLst>
-          </p:cNvPr>
-          <p:cNvSpPr txBox="1">
-            <a:spLocks/>
-          </p:cNvSpPr>
-          <p:nvPr/>
-        </p:nvSpPr>
-        <p:spPr>
-          <a:xfrm>
-            <a:off x="16458375" y="1128918"/>
-            <a:ext cx="2115876" cy="1189166"/>
-          </a:xfrm>
-          <a:prstGeom prst="rect">
-            <a:avLst/>
-          </a:prstGeom>
-        </p:spPr>
-        <p:txBody>
-          <a:bodyPr lIns="0" tIns="0" rIns="0" bIns="0">
-            <a:noAutofit/>
-          </a:bodyPr>
-          <a:lstStyle>
-            <a:lvl1pPr marL="228600" indent="-228600" algn="l" defTabSz="914400" rtl="0" eaLnBrk="1" latinLnBrk="0" hangingPunct="1">
-              <a:lnSpc>
-                <a:spcPct val="90000"/>
-              </a:lnSpc>
-              <a:spcBef>
-                <a:spcPts val="1000"/>
-              </a:spcBef>
-              <a:buFont typeface="Arial"/>
-              <a:buChar char="•"/>
-              <a:defRPr sz="2800" kern="1200">
-                <a:solidFill>
-                  <a:schemeClr val="tx1"/>
-                </a:solidFill>
-                <a:latin typeface="Arial" charset="0"/>
-                <a:ea typeface="Arial" charset="0"/>
-                <a:cs typeface="Arial" charset="0"/>
-              </a:defRPr>
-            </a:lvl1pPr>
-            <a:lvl2pPr marL="685800" indent="-228600" algn="l" defTabSz="914400" rtl="0" eaLnBrk="1" latinLnBrk="0" hangingPunct="1">
-              <a:lnSpc>
-                <a:spcPct val="90000"/>
-              </a:lnSpc>
-              <a:spcBef>
-                <a:spcPts val="500"/>
-              </a:spcBef>
-              <a:buFont typeface="Arial"/>
-              <a:buChar char="•"/>
-              <a:defRPr sz="2400" kern="1200">
-                <a:solidFill>
-                  <a:schemeClr val="tx1"/>
-                </a:solidFill>
-                <a:latin typeface="Arial" charset="0"/>
-                <a:ea typeface="Arial" charset="0"/>
-                <a:cs typeface="Arial" charset="0"/>
-              </a:defRPr>
-            </a:lvl2pPr>
-            <a:lvl3pPr marL="1143000" indent="-228600" algn="l" defTabSz="914400" rtl="0" eaLnBrk="1" latinLnBrk="0" hangingPunct="1">
-              <a:lnSpc>
-                <a:spcPct val="90000"/>
-              </a:lnSpc>
-              <a:spcBef>
-                <a:spcPts val="500"/>
-              </a:spcBef>
-              <a:buFont typeface="Arial"/>
-              <a:buChar char="•"/>
-              <a:defRPr sz="2000" kern="1200">
-                <a:solidFill>
-                  <a:schemeClr val="tx1"/>
-                </a:solidFill>
-                <a:latin typeface="Arial" charset="0"/>
-                <a:ea typeface="Arial" charset="0"/>
-                <a:cs typeface="Arial" charset="0"/>
-              </a:defRPr>
-            </a:lvl3pPr>
-            <a:lvl4pPr marL="1600200" indent="-228600" algn="l" defTabSz="914400" rtl="0" eaLnBrk="1" latinLnBrk="0" hangingPunct="1">
-              <a:lnSpc>
-                <a:spcPct val="90000"/>
-              </a:lnSpc>
-              <a:spcBef>
-                <a:spcPts val="500"/>
-              </a:spcBef>
-              <a:buFont typeface="Arial"/>
-              <a:buChar char="•"/>
-              <a:defRPr sz="1800" kern="1200">
-                <a:solidFill>
-                  <a:schemeClr val="tx1"/>
-                </a:solidFill>
-                <a:latin typeface="Arial" charset="0"/>
-                <a:ea typeface="Arial" charset="0"/>
-                <a:cs typeface="Arial" charset="0"/>
-              </a:defRPr>
-            </a:lvl4pPr>
-            <a:lvl5pPr marL="2057400" indent="-228600" algn="l" defTabSz="914400" rtl="0" eaLnBrk="1" latinLnBrk="0" hangingPunct="1">
-              <a:lnSpc>
-                <a:spcPct val="90000"/>
-              </a:lnSpc>
-              <a:spcBef>
-                <a:spcPts val="500"/>
-              </a:spcBef>
-              <a:buFont typeface="Arial"/>
-              <a:buChar char="•"/>
-              <a:defRPr sz="1800" kern="1200">
-                <a:solidFill>
-                  <a:schemeClr val="tx1"/>
-                </a:solidFill>
-                <a:latin typeface="Arial" charset="0"/>
-                <a:ea typeface="Arial" charset="0"/>
-                <a:cs typeface="Arial" charset="0"/>
-              </a:defRPr>
-            </a:lvl5pPr>
-            <a:lvl6pPr marL="2514600" indent="-228600" algn="l" defTabSz="914400" rtl="0" eaLnBrk="1" latinLnBrk="0" hangingPunct="1">
-              <a:lnSpc>
-                <a:spcPct val="90000"/>
-              </a:lnSpc>
-              <a:spcBef>
-                <a:spcPts val="500"/>
-              </a:spcBef>
-              <a:buFont typeface="Arial"/>
-              <a:buChar char="•"/>
-              <a:defRPr sz="1800" kern="1200">
-                <a:solidFill>
-                  <a:schemeClr val="tx1"/>
-                </a:solidFill>
-                <a:latin typeface="+mn-lt"/>
-                <a:ea typeface="+mn-ea"/>
-                <a:cs typeface="+mn-cs"/>
-              </a:defRPr>
-            </a:lvl6pPr>
-            <a:lvl7pPr marL="2971800" indent="-228600" algn="l" defTabSz="914400" rtl="0" eaLnBrk="1" latinLnBrk="0" hangingPunct="1">
-              <a:lnSpc>
-                <a:spcPct val="90000"/>
-              </a:lnSpc>
-              <a:spcBef>
-                <a:spcPts val="500"/>
-              </a:spcBef>
-              <a:buFont typeface="Arial"/>
-              <a:buChar char="•"/>
-              <a:defRPr sz="1800" kern="1200">
-                <a:solidFill>
-                  <a:schemeClr val="tx1"/>
-                </a:solidFill>
-                <a:latin typeface="+mn-lt"/>
-                <a:ea typeface="+mn-ea"/>
-                <a:cs typeface="+mn-cs"/>
-              </a:defRPr>
-            </a:lvl7pPr>
-            <a:lvl8pPr marL="3429000" indent="-228600" algn="l" defTabSz="914400" rtl="0" eaLnBrk="1" latinLnBrk="0" hangingPunct="1">
-              <a:lnSpc>
-                <a:spcPct val="90000"/>
-              </a:lnSpc>
-              <a:spcBef>
-                <a:spcPts val="500"/>
-              </a:spcBef>
-              <a:buFont typeface="Arial"/>
-              <a:buChar char="•"/>
-              <a:defRPr sz="1800" kern="1200">
-                <a:solidFill>
-                  <a:schemeClr val="tx1"/>
-                </a:solidFill>
-                <a:latin typeface="+mn-lt"/>
-                <a:ea typeface="+mn-ea"/>
-                <a:cs typeface="+mn-cs"/>
-              </a:defRPr>
-            </a:lvl8pPr>
-            <a:lvl9pPr marL="3886200" indent="-228600" algn="l" defTabSz="914400" rtl="0" eaLnBrk="1" latinLnBrk="0" hangingPunct="1">
-              <a:lnSpc>
-                <a:spcPct val="90000"/>
-              </a:lnSpc>
-              <a:spcBef>
-                <a:spcPts val="500"/>
-              </a:spcBef>
-              <a:buFont typeface="Arial"/>
-              <a:buChar char="•"/>
-              <a:defRPr sz="1800" kern="1200">
-                <a:solidFill>
-                  <a:schemeClr val="tx1"/>
-                </a:solidFill>
-                <a:latin typeface="+mn-lt"/>
-                <a:ea typeface="+mn-ea"/>
-                <a:cs typeface="+mn-cs"/>
-              </a:defRPr>
-            </a:lvl9pPr>
-          </a:lstStyle>
-          <a:p>
-            <a:pPr marL="0" indent="0">
-              <a:lnSpc>
-                <a:spcPct val="150000"/>
-              </a:lnSpc>
-              <a:spcBef>
-                <a:spcPts val="0"/>
-              </a:spcBef>
-              <a:spcAft>
-                <a:spcPts val="600"/>
-              </a:spcAft>
-              <a:buFont typeface="Arial"/>
-              <a:buNone/>
-            </a:pPr>
-            <a:r>
-              <a:rPr lang="en-GB" sz="2000" dirty="0">
-                <a:latin typeface="Open Sans Light" panose="020B0306030504020204" pitchFamily="34" charset="0"/>
-                <a:ea typeface="Open Sans Light" panose="020B0306030504020204" pitchFamily="34" charset="0"/>
-                <a:cs typeface="Open Sans Light" panose="020B0306030504020204" pitchFamily="34" charset="0"/>
-              </a:rPr>
-              <a:t>#FFC100</a:t>
-            </a:r>
-          </a:p>
-          <a:p>
-            <a:pPr marL="0" indent="0">
-              <a:lnSpc>
-                <a:spcPct val="150000"/>
-              </a:lnSpc>
-              <a:spcBef>
-                <a:spcPts val="0"/>
-              </a:spcBef>
-              <a:spcAft>
-                <a:spcPts val="600"/>
-              </a:spcAft>
-              <a:buFont typeface="Arial"/>
-              <a:buNone/>
-            </a:pPr>
-            <a:r>
-              <a:rPr lang="en-GB" sz="2000" dirty="0" err="1">
-                <a:latin typeface="Open Sans Light" panose="020B0306030504020204" pitchFamily="34" charset="0"/>
-                <a:ea typeface="Open Sans Light" panose="020B0306030504020204" pitchFamily="34" charset="0"/>
-                <a:cs typeface="Open Sans Light" panose="020B0306030504020204" pitchFamily="34" charset="0"/>
-              </a:rPr>
-              <a:t>Rgb</a:t>
-            </a:r>
-            <a:r>
-              <a:rPr lang="en-GB" sz="2000" dirty="0">
-                <a:latin typeface="Open Sans Light" panose="020B0306030504020204" pitchFamily="34" charset="0"/>
-                <a:ea typeface="Open Sans Light" panose="020B0306030504020204" pitchFamily="34" charset="0"/>
-                <a:cs typeface="Open Sans Light" panose="020B0306030504020204" pitchFamily="34" charset="0"/>
-              </a:rPr>
-              <a:t>: 255,193,0</a:t>
-            </a:r>
-          </a:p>
-        </p:txBody>
-      </p:sp>
-      <p:sp>
-        <p:nvSpPr>
-          <p:cNvPr id="18" name="Content Placeholder 2">
-            <a:extLst>
-              <a:ext uri="{FF2B5EF4-FFF2-40B4-BE49-F238E27FC236}">
-                <a16:creationId xmlns:a16="http://schemas.microsoft.com/office/drawing/2014/main" id="{60075D90-1DF5-488E-BB92-E74E47402587}"/>
-              </a:ext>
-            </a:extLst>
-          </p:cNvPr>
-          <p:cNvSpPr txBox="1">
-            <a:spLocks/>
-          </p:cNvSpPr>
-          <p:nvPr/>
-        </p:nvSpPr>
-        <p:spPr>
-          <a:xfrm>
-            <a:off x="16458375" y="5125002"/>
-            <a:ext cx="2115876" cy="1189166"/>
-          </a:xfrm>
-          <a:prstGeom prst="rect">
-            <a:avLst/>
-          </a:prstGeom>
-        </p:spPr>
-        <p:txBody>
-          <a:bodyPr lIns="0" tIns="0" rIns="0" bIns="0">
-            <a:noAutofit/>
-          </a:bodyPr>
-          <a:lstStyle>
-            <a:lvl1pPr marL="228600" indent="-228600" algn="l" defTabSz="914400" rtl="0" eaLnBrk="1" latinLnBrk="0" hangingPunct="1">
-              <a:lnSpc>
-                <a:spcPct val="90000"/>
-              </a:lnSpc>
-              <a:spcBef>
-                <a:spcPts val="1000"/>
-              </a:spcBef>
-              <a:buFont typeface="Arial"/>
-              <a:buChar char="•"/>
-              <a:defRPr sz="2800" kern="1200">
-                <a:solidFill>
-                  <a:schemeClr val="tx1"/>
-                </a:solidFill>
-                <a:latin typeface="Arial" charset="0"/>
-                <a:ea typeface="Arial" charset="0"/>
-                <a:cs typeface="Arial" charset="0"/>
-              </a:defRPr>
-            </a:lvl1pPr>
-            <a:lvl2pPr marL="685800" indent="-228600" algn="l" defTabSz="914400" rtl="0" eaLnBrk="1" latinLnBrk="0" hangingPunct="1">
-              <a:lnSpc>
-                <a:spcPct val="90000"/>
-              </a:lnSpc>
-              <a:spcBef>
-                <a:spcPts val="500"/>
-              </a:spcBef>
-              <a:buFont typeface="Arial"/>
-              <a:buChar char="•"/>
-              <a:defRPr sz="2400" kern="1200">
-                <a:solidFill>
-                  <a:schemeClr val="tx1"/>
-                </a:solidFill>
-                <a:latin typeface="Arial" charset="0"/>
-                <a:ea typeface="Arial" charset="0"/>
-                <a:cs typeface="Arial" charset="0"/>
-              </a:defRPr>
-            </a:lvl2pPr>
-            <a:lvl3pPr marL="1143000" indent="-228600" algn="l" defTabSz="914400" rtl="0" eaLnBrk="1" latinLnBrk="0" hangingPunct="1">
-              <a:lnSpc>
-                <a:spcPct val="90000"/>
-              </a:lnSpc>
-              <a:spcBef>
-                <a:spcPts val="500"/>
-              </a:spcBef>
-              <a:buFont typeface="Arial"/>
-              <a:buChar char="•"/>
-              <a:defRPr sz="2000" kern="1200">
-                <a:solidFill>
-                  <a:schemeClr val="tx1"/>
-                </a:solidFill>
-                <a:latin typeface="Arial" charset="0"/>
-                <a:ea typeface="Arial" charset="0"/>
-                <a:cs typeface="Arial" charset="0"/>
-              </a:defRPr>
-            </a:lvl3pPr>
-            <a:lvl4pPr marL="1600200" indent="-228600" algn="l" defTabSz="914400" rtl="0" eaLnBrk="1" latinLnBrk="0" hangingPunct="1">
-              <a:lnSpc>
-                <a:spcPct val="90000"/>
-              </a:lnSpc>
-              <a:spcBef>
-                <a:spcPts val="500"/>
-              </a:spcBef>
-              <a:buFont typeface="Arial"/>
-              <a:buChar char="•"/>
-              <a:defRPr sz="1800" kern="1200">
-                <a:solidFill>
-                  <a:schemeClr val="tx1"/>
-                </a:solidFill>
-                <a:latin typeface="Arial" charset="0"/>
-                <a:ea typeface="Arial" charset="0"/>
-                <a:cs typeface="Arial" charset="0"/>
-              </a:defRPr>
-            </a:lvl4pPr>
-            <a:lvl5pPr marL="2057400" indent="-228600" algn="l" defTabSz="914400" rtl="0" eaLnBrk="1" latinLnBrk="0" hangingPunct="1">
-              <a:lnSpc>
-                <a:spcPct val="90000"/>
-              </a:lnSpc>
-              <a:spcBef>
-                <a:spcPts val="500"/>
-              </a:spcBef>
-              <a:buFont typeface="Arial"/>
-              <a:buChar char="•"/>
-              <a:defRPr sz="1800" kern="1200">
-                <a:solidFill>
-                  <a:schemeClr val="tx1"/>
-                </a:solidFill>
-                <a:latin typeface="Arial" charset="0"/>
-                <a:ea typeface="Arial" charset="0"/>
-                <a:cs typeface="Arial" charset="0"/>
-              </a:defRPr>
-            </a:lvl5pPr>
-            <a:lvl6pPr marL="2514600" indent="-228600" algn="l" defTabSz="914400" rtl="0" eaLnBrk="1" latinLnBrk="0" hangingPunct="1">
-              <a:lnSpc>
-                <a:spcPct val="90000"/>
-              </a:lnSpc>
-              <a:spcBef>
-                <a:spcPts val="500"/>
-              </a:spcBef>
-              <a:buFont typeface="Arial"/>
-              <a:buChar char="•"/>
-              <a:defRPr sz="1800" kern="1200">
-                <a:solidFill>
-                  <a:schemeClr val="tx1"/>
-                </a:solidFill>
-                <a:latin typeface="+mn-lt"/>
-                <a:ea typeface="+mn-ea"/>
-                <a:cs typeface="+mn-cs"/>
-              </a:defRPr>
-            </a:lvl6pPr>
-            <a:lvl7pPr marL="2971800" indent="-228600" algn="l" defTabSz="914400" rtl="0" eaLnBrk="1" latinLnBrk="0" hangingPunct="1">
-              <a:lnSpc>
-                <a:spcPct val="90000"/>
-              </a:lnSpc>
-              <a:spcBef>
-                <a:spcPts val="500"/>
-              </a:spcBef>
-              <a:buFont typeface="Arial"/>
-              <a:buChar char="•"/>
-              <a:defRPr sz="1800" kern="1200">
-                <a:solidFill>
-                  <a:schemeClr val="tx1"/>
-                </a:solidFill>
-                <a:latin typeface="+mn-lt"/>
-                <a:ea typeface="+mn-ea"/>
-                <a:cs typeface="+mn-cs"/>
-              </a:defRPr>
-            </a:lvl7pPr>
-            <a:lvl8pPr marL="3429000" indent="-228600" algn="l" defTabSz="914400" rtl="0" eaLnBrk="1" latinLnBrk="0" hangingPunct="1">
-              <a:lnSpc>
-                <a:spcPct val="90000"/>
-              </a:lnSpc>
-              <a:spcBef>
-                <a:spcPts val="500"/>
-              </a:spcBef>
-              <a:buFont typeface="Arial"/>
-              <a:buChar char="•"/>
-              <a:defRPr sz="1800" kern="1200">
-                <a:solidFill>
-                  <a:schemeClr val="tx1"/>
-                </a:solidFill>
-                <a:latin typeface="+mn-lt"/>
-                <a:ea typeface="+mn-ea"/>
-                <a:cs typeface="+mn-cs"/>
-              </a:defRPr>
-            </a:lvl8pPr>
-            <a:lvl9pPr marL="3886200" indent="-228600" algn="l" defTabSz="914400" rtl="0" eaLnBrk="1" latinLnBrk="0" hangingPunct="1">
-              <a:lnSpc>
-                <a:spcPct val="90000"/>
-              </a:lnSpc>
-              <a:spcBef>
-                <a:spcPts val="500"/>
-              </a:spcBef>
-              <a:buFont typeface="Arial"/>
-              <a:buChar char="•"/>
-              <a:defRPr sz="1800" kern="1200">
-                <a:solidFill>
-                  <a:schemeClr val="tx1"/>
-                </a:solidFill>
-                <a:latin typeface="+mn-lt"/>
-                <a:ea typeface="+mn-ea"/>
-                <a:cs typeface="+mn-cs"/>
-              </a:defRPr>
-            </a:lvl9pPr>
-          </a:lstStyle>
-          <a:p>
-            <a:pPr marL="0" indent="0">
-              <a:lnSpc>
-                <a:spcPct val="150000"/>
-              </a:lnSpc>
-              <a:spcBef>
-                <a:spcPts val="0"/>
-              </a:spcBef>
-              <a:spcAft>
-                <a:spcPts val="600"/>
-              </a:spcAft>
-              <a:buFont typeface="Arial"/>
-              <a:buNone/>
-            </a:pPr>
-            <a:r>
-              <a:rPr lang="en-GB" sz="2000" dirty="0">
-                <a:latin typeface="Open Sans Light" panose="020B0306030504020204" pitchFamily="34" charset="0"/>
-                <a:ea typeface="Open Sans Light" panose="020B0306030504020204" pitchFamily="34" charset="0"/>
-                <a:cs typeface="Open Sans Light" panose="020B0306030504020204" pitchFamily="34" charset="0"/>
-              </a:rPr>
-              <a:t>#FF4D00</a:t>
-            </a:r>
-          </a:p>
-          <a:p>
-            <a:pPr marL="0" indent="0">
-              <a:lnSpc>
-                <a:spcPct val="150000"/>
-              </a:lnSpc>
-              <a:spcBef>
-                <a:spcPts val="0"/>
-              </a:spcBef>
-              <a:spcAft>
-                <a:spcPts val="600"/>
-              </a:spcAft>
-              <a:buFont typeface="Arial"/>
-              <a:buNone/>
-            </a:pPr>
-            <a:r>
-              <a:rPr lang="en-GB" sz="2000" dirty="0" err="1">
-                <a:latin typeface="Open Sans Light" panose="020B0306030504020204" pitchFamily="34" charset="0"/>
-                <a:ea typeface="Open Sans Light" panose="020B0306030504020204" pitchFamily="34" charset="0"/>
-                <a:cs typeface="Open Sans Light" panose="020B0306030504020204" pitchFamily="34" charset="0"/>
-              </a:rPr>
-              <a:t>Rgb</a:t>
-            </a:r>
-            <a:r>
-              <a:rPr lang="en-GB" sz="2000" dirty="0">
-                <a:latin typeface="Open Sans Light" panose="020B0306030504020204" pitchFamily="34" charset="0"/>
-                <a:ea typeface="Open Sans Light" panose="020B0306030504020204" pitchFamily="34" charset="0"/>
-                <a:cs typeface="Open Sans Light" panose="020B0306030504020204" pitchFamily="34" charset="0"/>
-              </a:rPr>
-              <a:t>: 255,77,0</a:t>
-            </a:r>
-          </a:p>
-        </p:txBody>
-      </p:sp>
-      <p:sp>
-        <p:nvSpPr>
-          <p:cNvPr id="19" name="Content Placeholder 2">
-            <a:extLst>
-              <a:ext uri="{FF2B5EF4-FFF2-40B4-BE49-F238E27FC236}">
-                <a16:creationId xmlns:a16="http://schemas.microsoft.com/office/drawing/2014/main" id="{60075D90-1DF5-488E-BB92-E74E47402587}"/>
-              </a:ext>
-            </a:extLst>
-          </p:cNvPr>
-          <p:cNvSpPr txBox="1">
-            <a:spLocks/>
-          </p:cNvSpPr>
-          <p:nvPr/>
-        </p:nvSpPr>
-        <p:spPr>
-          <a:xfrm>
-            <a:off x="16458375" y="3722325"/>
-            <a:ext cx="2115876" cy="1189166"/>
-          </a:xfrm>
-          <a:prstGeom prst="rect">
-            <a:avLst/>
-          </a:prstGeom>
-        </p:spPr>
-        <p:txBody>
-          <a:bodyPr lIns="0" tIns="0" rIns="0" bIns="0">
-            <a:noAutofit/>
-          </a:bodyPr>
-          <a:lstStyle>
-            <a:lvl1pPr marL="228600" indent="-228600" algn="l" defTabSz="914400" rtl="0" eaLnBrk="1" latinLnBrk="0" hangingPunct="1">
-              <a:lnSpc>
-                <a:spcPct val="90000"/>
-              </a:lnSpc>
-              <a:spcBef>
-                <a:spcPts val="1000"/>
-              </a:spcBef>
-              <a:buFont typeface="Arial"/>
-              <a:buChar char="•"/>
-              <a:defRPr sz="2800" kern="1200">
-                <a:solidFill>
-                  <a:schemeClr val="tx1"/>
-                </a:solidFill>
-                <a:latin typeface="Arial" charset="0"/>
-                <a:ea typeface="Arial" charset="0"/>
-                <a:cs typeface="Arial" charset="0"/>
-              </a:defRPr>
-            </a:lvl1pPr>
-            <a:lvl2pPr marL="685800" indent="-228600" algn="l" defTabSz="914400" rtl="0" eaLnBrk="1" latinLnBrk="0" hangingPunct="1">
-              <a:lnSpc>
-                <a:spcPct val="90000"/>
-              </a:lnSpc>
-              <a:spcBef>
-                <a:spcPts val="500"/>
-              </a:spcBef>
-              <a:buFont typeface="Arial"/>
-              <a:buChar char="•"/>
-              <a:defRPr sz="2400" kern="1200">
-                <a:solidFill>
-                  <a:schemeClr val="tx1"/>
-                </a:solidFill>
-                <a:latin typeface="Arial" charset="0"/>
-                <a:ea typeface="Arial" charset="0"/>
-                <a:cs typeface="Arial" charset="0"/>
-              </a:defRPr>
-            </a:lvl2pPr>
-            <a:lvl3pPr marL="1143000" indent="-228600" algn="l" defTabSz="914400" rtl="0" eaLnBrk="1" latinLnBrk="0" hangingPunct="1">
-              <a:lnSpc>
-                <a:spcPct val="90000"/>
-              </a:lnSpc>
-              <a:spcBef>
-                <a:spcPts val="500"/>
-              </a:spcBef>
-              <a:buFont typeface="Arial"/>
-              <a:buChar char="•"/>
-              <a:defRPr sz="2000" kern="1200">
-                <a:solidFill>
-                  <a:schemeClr val="tx1"/>
-                </a:solidFill>
-                <a:latin typeface="Arial" charset="0"/>
-                <a:ea typeface="Arial" charset="0"/>
-                <a:cs typeface="Arial" charset="0"/>
-              </a:defRPr>
-            </a:lvl3pPr>
-            <a:lvl4pPr marL="1600200" indent="-228600" algn="l" defTabSz="914400" rtl="0" eaLnBrk="1" latinLnBrk="0" hangingPunct="1">
-              <a:lnSpc>
-                <a:spcPct val="90000"/>
-              </a:lnSpc>
-              <a:spcBef>
-                <a:spcPts val="500"/>
-              </a:spcBef>
-              <a:buFont typeface="Arial"/>
-              <a:buChar char="•"/>
-              <a:defRPr sz="1800" kern="1200">
-                <a:solidFill>
-                  <a:schemeClr val="tx1"/>
-                </a:solidFill>
-                <a:latin typeface="Arial" charset="0"/>
-                <a:ea typeface="Arial" charset="0"/>
-                <a:cs typeface="Arial" charset="0"/>
-              </a:defRPr>
-            </a:lvl4pPr>
-            <a:lvl5pPr marL="2057400" indent="-228600" algn="l" defTabSz="914400" rtl="0" eaLnBrk="1" latinLnBrk="0" hangingPunct="1">
-              <a:lnSpc>
-                <a:spcPct val="90000"/>
-              </a:lnSpc>
-              <a:spcBef>
-                <a:spcPts val="500"/>
-              </a:spcBef>
-              <a:buFont typeface="Arial"/>
-              <a:buChar char="•"/>
-              <a:defRPr sz="1800" kern="1200">
-                <a:solidFill>
-                  <a:schemeClr val="tx1"/>
-                </a:solidFill>
-                <a:latin typeface="Arial" charset="0"/>
-                <a:ea typeface="Arial" charset="0"/>
-                <a:cs typeface="Arial" charset="0"/>
-              </a:defRPr>
-            </a:lvl5pPr>
-            <a:lvl6pPr marL="2514600" indent="-228600" algn="l" defTabSz="914400" rtl="0" eaLnBrk="1" latinLnBrk="0" hangingPunct="1">
-              <a:lnSpc>
-                <a:spcPct val="90000"/>
-              </a:lnSpc>
-              <a:spcBef>
-                <a:spcPts val="500"/>
-              </a:spcBef>
-              <a:buFont typeface="Arial"/>
-              <a:buChar char="•"/>
-              <a:defRPr sz="1800" kern="1200">
-                <a:solidFill>
-                  <a:schemeClr val="tx1"/>
-                </a:solidFill>
-                <a:latin typeface="+mn-lt"/>
-                <a:ea typeface="+mn-ea"/>
-                <a:cs typeface="+mn-cs"/>
-              </a:defRPr>
-            </a:lvl6pPr>
-            <a:lvl7pPr marL="2971800" indent="-228600" algn="l" defTabSz="914400" rtl="0" eaLnBrk="1" latinLnBrk="0" hangingPunct="1">
-              <a:lnSpc>
-                <a:spcPct val="90000"/>
-              </a:lnSpc>
-              <a:spcBef>
-                <a:spcPts val="500"/>
-              </a:spcBef>
-              <a:buFont typeface="Arial"/>
-              <a:buChar char="•"/>
-              <a:defRPr sz="1800" kern="1200">
-                <a:solidFill>
-                  <a:schemeClr val="tx1"/>
-                </a:solidFill>
-                <a:latin typeface="+mn-lt"/>
-                <a:ea typeface="+mn-ea"/>
-                <a:cs typeface="+mn-cs"/>
-              </a:defRPr>
-            </a:lvl7pPr>
-            <a:lvl8pPr marL="3429000" indent="-228600" algn="l" defTabSz="914400" rtl="0" eaLnBrk="1" latinLnBrk="0" hangingPunct="1">
-              <a:lnSpc>
-                <a:spcPct val="90000"/>
-              </a:lnSpc>
-              <a:spcBef>
-                <a:spcPts val="500"/>
-              </a:spcBef>
-              <a:buFont typeface="Arial"/>
-              <a:buChar char="•"/>
-              <a:defRPr sz="1800" kern="1200">
-                <a:solidFill>
-                  <a:schemeClr val="tx1"/>
-                </a:solidFill>
-                <a:latin typeface="+mn-lt"/>
-                <a:ea typeface="+mn-ea"/>
-                <a:cs typeface="+mn-cs"/>
-              </a:defRPr>
-            </a:lvl8pPr>
-            <a:lvl9pPr marL="3886200" indent="-228600" algn="l" defTabSz="914400" rtl="0" eaLnBrk="1" latinLnBrk="0" hangingPunct="1">
-              <a:lnSpc>
-                <a:spcPct val="90000"/>
-              </a:lnSpc>
-              <a:spcBef>
-                <a:spcPts val="500"/>
-              </a:spcBef>
-              <a:buFont typeface="Arial"/>
-              <a:buChar char="•"/>
-              <a:defRPr sz="1800" kern="1200">
-                <a:solidFill>
-                  <a:schemeClr val="tx1"/>
-                </a:solidFill>
-                <a:latin typeface="+mn-lt"/>
-                <a:ea typeface="+mn-ea"/>
-                <a:cs typeface="+mn-cs"/>
-              </a:defRPr>
-            </a:lvl9pPr>
-          </a:lstStyle>
-          <a:p>
-            <a:pPr marL="0" indent="0">
-              <a:lnSpc>
-                <a:spcPct val="150000"/>
-              </a:lnSpc>
-              <a:spcBef>
-                <a:spcPts val="0"/>
-              </a:spcBef>
-              <a:spcAft>
-                <a:spcPts val="600"/>
-              </a:spcAft>
-              <a:buFont typeface="Arial"/>
-              <a:buNone/>
-            </a:pPr>
-            <a:r>
-              <a:rPr lang="en-GB" sz="2000" dirty="0">
-                <a:latin typeface="Open Sans Light" panose="020B0306030504020204" pitchFamily="34" charset="0"/>
-                <a:ea typeface="Open Sans Light" panose="020B0306030504020204" pitchFamily="34" charset="0"/>
-                <a:cs typeface="Open Sans Light" panose="020B0306030504020204" pitchFamily="34" charset="0"/>
-              </a:rPr>
-              <a:t>#FF7400</a:t>
-            </a:r>
-          </a:p>
-          <a:p>
-            <a:pPr marL="0" indent="0">
-              <a:lnSpc>
-                <a:spcPct val="150000"/>
-              </a:lnSpc>
-              <a:spcBef>
-                <a:spcPts val="0"/>
-              </a:spcBef>
-              <a:spcAft>
-                <a:spcPts val="600"/>
-              </a:spcAft>
-              <a:buFont typeface="Arial"/>
-              <a:buNone/>
-            </a:pPr>
-            <a:r>
-              <a:rPr lang="en-GB" sz="2000" dirty="0" err="1">
-                <a:latin typeface="Open Sans Light" panose="020B0306030504020204" pitchFamily="34" charset="0"/>
-                <a:ea typeface="Open Sans Light" panose="020B0306030504020204" pitchFamily="34" charset="0"/>
-                <a:cs typeface="Open Sans Light" panose="020B0306030504020204" pitchFamily="34" charset="0"/>
-              </a:rPr>
-              <a:t>Rgb</a:t>
-            </a:r>
-            <a:r>
-              <a:rPr lang="en-GB" sz="2000" dirty="0">
-                <a:latin typeface="Open Sans Light" panose="020B0306030504020204" pitchFamily="34" charset="0"/>
-                <a:ea typeface="Open Sans Light" panose="020B0306030504020204" pitchFamily="34" charset="0"/>
-                <a:cs typeface="Open Sans Light" panose="020B0306030504020204" pitchFamily="34" charset="0"/>
-              </a:rPr>
-              <a:t>: 255,116,0</a:t>
-            </a:r>
-          </a:p>
-        </p:txBody>
-      </p:sp>
-    </p:spTree>
-    <p:extLst>
-      <p:ext uri="{BB962C8B-B14F-4D97-AF65-F5344CB8AC3E}">
-        <p14:creationId xmlns:p14="http://schemas.microsoft.com/office/powerpoint/2010/main" val="477508415"/>
-      </p:ext>
-    </p:extLst>
-  </p:cSld>
-  <p:clrMapOvr>
-    <a:masterClrMapping/>
-  </p:clrMapOvr>
-  <mc:AlternateContent xmlns:mc="http://schemas.openxmlformats.org/markup-compatibility/2006" xmlns:p14="http://schemas.microsoft.com/office/powerpoint/2010/main">
-    <mc:Choice Requires="p14">
-      <p:transition spd="med" p14:dur="700">
-        <p:fade/>
-      </p:transition>
-    </mc:Choice>
-    <mc:Fallback xmlns="">
-      <p:transition spd="med">
-        <p:fade/>
-      </p:transition>
-    </mc:Fallback>
-  </mc:AlternateContent>
-</p:sld>
-</file>
-
-<file path=ppt/slides/slide10.xml><?xml version="1.0" encoding="utf-8"?>
-<p:sld xmlns:a="http://schemas.openxmlformats.org/drawingml/2006/main" xmlns:r="http://schemas.openxmlformats.org/officeDocument/2006/relationships" xmlns:p="http://schemas.openxmlformats.org/presentationml/2006/main" show="0">
-  <p:cSld>
-    <p:spTree>
-      <p:nvGrpSpPr>
-        <p:cNvPr id="1" name=""/>
-        <p:cNvGrpSpPr/>
-        <p:nvPr/>
-      </p:nvGrpSpPr>
-      <p:grpSpPr>
-        <a:xfrm>
-          <a:off x="0" y="0"/>
-          <a:ext cx="0" cy="0"/>
-          <a:chOff x="0" y="0"/>
-          <a:chExt cx="0" cy="0"/>
-        </a:xfrm>
-      </p:grpSpPr>
-      <p:sp>
-        <p:nvSpPr>
-          <p:cNvPr id="3" name="Round Diagonal Corner Rectangle 2">
-            <a:extLst>
-              <a:ext uri="{FF2B5EF4-FFF2-40B4-BE49-F238E27FC236}">
-                <a16:creationId xmlns:a16="http://schemas.microsoft.com/office/drawing/2014/main" id="{09E27A3B-0AE3-794A-A24D-033A51F63D19}"/>
-              </a:ext>
-            </a:extLst>
-          </p:cNvPr>
-          <p:cNvSpPr/>
-          <p:nvPr/>
-        </p:nvSpPr>
-        <p:spPr>
-          <a:xfrm>
-            <a:off x="360000" y="359999"/>
-            <a:ext cx="11473200" cy="6138000"/>
-          </a:xfrm>
-          <a:prstGeom prst="round2DiagRect">
-            <a:avLst>
-              <a:gd name="adj1" fmla="val 10441"/>
-              <a:gd name="adj2" fmla="val 0"/>
-            </a:avLst>
-          </a:prstGeom>
-          <a:solidFill>
-            <a:srgbClr val="F5F4F6"/>
-          </a:solidFill>
-          <a:ln>
-            <a:noFill/>
-          </a:ln>
-          <a:effectLst/>
-        </p:spPr>
-        <p:style>
-          <a:lnRef idx="2">
-            <a:schemeClr val="accent1">
-              <a:shade val="50000"/>
-            </a:schemeClr>
-          </a:lnRef>
-          <a:fillRef idx="1">
-            <a:schemeClr val="accent1"/>
-          </a:fillRef>
-          <a:effectRef idx="0">
-            <a:schemeClr val="accent1"/>
-          </a:effectRef>
-          <a:fontRef idx="minor">
-            <a:schemeClr val="lt1"/>
-          </a:fontRef>
-        </p:style>
-        <p:txBody>
-          <a:bodyPr rtlCol="0" anchor="ctr"/>
-          <a:lstStyle/>
-          <a:p>
-            <a:pPr algn="ctr"/>
-            <a:endParaRPr lang="en-US" dirty="0"/>
-          </a:p>
-        </p:txBody>
-      </p:sp>
-      <p:pic>
-        <p:nvPicPr>
-          <p:cNvPr id="5" name="Picture 4">
-            <a:extLst>
-              <a:ext uri="{FF2B5EF4-FFF2-40B4-BE49-F238E27FC236}">
-                <a16:creationId xmlns:a16="http://schemas.microsoft.com/office/drawing/2014/main" id="{BDF7432B-D6F9-834F-9607-87D5D4A91EA9}"/>
-              </a:ext>
-            </a:extLst>
-          </p:cNvPr>
-          <p:cNvPicPr>
-            <a:picLocks noChangeAspect="1"/>
-          </p:cNvPicPr>
-          <p:nvPr/>
-        </p:nvPicPr>
-        <p:blipFill>
-          <a:blip r:embed="rId3"/>
-          <a:stretch>
-            <a:fillRect/>
-          </a:stretch>
-        </p:blipFill>
-        <p:spPr>
-          <a:xfrm>
-            <a:off x="10933200" y="720000"/>
-            <a:ext cx="542687" cy="363600"/>
-          </a:xfrm>
-          <a:prstGeom prst="rect">
-            <a:avLst/>
-          </a:prstGeom>
-        </p:spPr>
-      </p:pic>
-      <p:sp>
-        <p:nvSpPr>
-          <p:cNvPr id="6" name="TextBox 5">
-            <a:extLst>
-              <a:ext uri="{FF2B5EF4-FFF2-40B4-BE49-F238E27FC236}">
-                <a16:creationId xmlns:a16="http://schemas.microsoft.com/office/drawing/2014/main" id="{075D96FC-F944-614B-B9A4-1338C700E335}"/>
-              </a:ext>
-            </a:extLst>
-          </p:cNvPr>
-          <p:cNvSpPr txBox="1"/>
-          <p:nvPr/>
-        </p:nvSpPr>
-        <p:spPr>
-          <a:xfrm>
-            <a:off x="1080000" y="1080000"/>
-            <a:ext cx="3996094" cy="615553"/>
-          </a:xfrm>
-          <a:prstGeom prst="rect">
-            <a:avLst/>
-          </a:prstGeom>
-          <a:noFill/>
-        </p:spPr>
-        <p:txBody>
-          <a:bodyPr wrap="none" lIns="0" tIns="0" rIns="0" bIns="0" rtlCol="0">
-            <a:spAutoFit/>
-          </a:bodyPr>
-          <a:lstStyle/>
-          <a:p>
-            <a:r>
-              <a:rPr lang="en-GB" sz="4000" b="1" dirty="0">
-                <a:latin typeface="Open Sans Light" panose="020B0306030504020204" pitchFamily="34" charset="0"/>
-                <a:ea typeface="Open Sans Light" panose="020B0306030504020204" pitchFamily="34" charset="0"/>
-                <a:cs typeface="Open Sans Light" panose="020B0306030504020204" pitchFamily="34" charset="0"/>
-              </a:rPr>
-              <a:t>What’s Shiny For?</a:t>
-            </a:r>
-            <a:endParaRPr lang="en-US" sz="4000" b="1" dirty="0">
-              <a:latin typeface="Open Sans Light" panose="020B0306030504020204" pitchFamily="34" charset="0"/>
-              <a:ea typeface="Open Sans Light" panose="020B0306030504020204" pitchFamily="34" charset="0"/>
-              <a:cs typeface="Open Sans Light" panose="020B0306030504020204" pitchFamily="34" charset="0"/>
-            </a:endParaRPr>
-          </a:p>
-        </p:txBody>
-      </p:sp>
-      <p:sp>
-        <p:nvSpPr>
-          <p:cNvPr id="7" name="Content Placeholder 2">
-            <a:extLst>
-              <a:ext uri="{FF2B5EF4-FFF2-40B4-BE49-F238E27FC236}">
-                <a16:creationId xmlns:a16="http://schemas.microsoft.com/office/drawing/2014/main" id="{72211628-2CC5-944D-AE92-DF9FEA3F73FD}"/>
-              </a:ext>
-            </a:extLst>
-          </p:cNvPr>
-          <p:cNvSpPr txBox="1">
-            <a:spLocks/>
-          </p:cNvSpPr>
-          <p:nvPr/>
-        </p:nvSpPr>
-        <p:spPr>
-          <a:xfrm>
-            <a:off x="1080000" y="2160000"/>
-            <a:ext cx="4060411" cy="3318162"/>
-          </a:xfrm>
-          <a:prstGeom prst="rect">
-            <a:avLst/>
-          </a:prstGeom>
-        </p:spPr>
-        <p:txBody>
-          <a:bodyPr lIns="0" tIns="0" rIns="0" bIns="0">
-            <a:noAutofit/>
-          </a:bodyPr>
-          <a:lstStyle>
-            <a:lvl1pPr marL="228600" indent="-228600" algn="l" defTabSz="914400" rtl="0" eaLnBrk="1" latinLnBrk="0" hangingPunct="1">
-              <a:lnSpc>
-                <a:spcPct val="90000"/>
-              </a:lnSpc>
-              <a:spcBef>
-                <a:spcPts val="1000"/>
-              </a:spcBef>
-              <a:buFont typeface="Arial"/>
-              <a:buChar char="•"/>
-              <a:defRPr sz="2800" kern="1200">
-                <a:solidFill>
-                  <a:schemeClr val="tx1"/>
-                </a:solidFill>
-                <a:latin typeface="Arial" charset="0"/>
-                <a:ea typeface="Arial" charset="0"/>
-                <a:cs typeface="Arial" charset="0"/>
-              </a:defRPr>
-            </a:lvl1pPr>
-            <a:lvl2pPr marL="685800" indent="-228600" algn="l" defTabSz="914400" rtl="0" eaLnBrk="1" latinLnBrk="0" hangingPunct="1">
-              <a:lnSpc>
-                <a:spcPct val="90000"/>
-              </a:lnSpc>
-              <a:spcBef>
-                <a:spcPts val="500"/>
-              </a:spcBef>
-              <a:buFont typeface="Arial"/>
-              <a:buChar char="•"/>
-              <a:defRPr sz="2400" kern="1200">
-                <a:solidFill>
-                  <a:schemeClr val="tx1"/>
-                </a:solidFill>
-                <a:latin typeface="Arial" charset="0"/>
-                <a:ea typeface="Arial" charset="0"/>
-                <a:cs typeface="Arial" charset="0"/>
-              </a:defRPr>
-            </a:lvl2pPr>
-            <a:lvl3pPr marL="1143000" indent="-228600" algn="l" defTabSz="914400" rtl="0" eaLnBrk="1" latinLnBrk="0" hangingPunct="1">
-              <a:lnSpc>
-                <a:spcPct val="90000"/>
-              </a:lnSpc>
-              <a:spcBef>
-                <a:spcPts val="500"/>
-              </a:spcBef>
-              <a:buFont typeface="Arial"/>
-              <a:buChar char="•"/>
-              <a:defRPr sz="2000" kern="1200">
-                <a:solidFill>
-                  <a:schemeClr val="tx1"/>
-                </a:solidFill>
-                <a:latin typeface="Arial" charset="0"/>
-                <a:ea typeface="Arial" charset="0"/>
-                <a:cs typeface="Arial" charset="0"/>
-              </a:defRPr>
-            </a:lvl3pPr>
-            <a:lvl4pPr marL="1600200" indent="-228600" algn="l" defTabSz="914400" rtl="0" eaLnBrk="1" latinLnBrk="0" hangingPunct="1">
-              <a:lnSpc>
-                <a:spcPct val="90000"/>
-              </a:lnSpc>
-              <a:spcBef>
-                <a:spcPts val="500"/>
-              </a:spcBef>
-              <a:buFont typeface="Arial"/>
-              <a:buChar char="•"/>
-              <a:defRPr sz="1800" kern="1200">
-                <a:solidFill>
-                  <a:schemeClr val="tx1"/>
-                </a:solidFill>
-                <a:latin typeface="Arial" charset="0"/>
-                <a:ea typeface="Arial" charset="0"/>
-                <a:cs typeface="Arial" charset="0"/>
-              </a:defRPr>
-            </a:lvl4pPr>
-            <a:lvl5pPr marL="2057400" indent="-228600" algn="l" defTabSz="914400" rtl="0" eaLnBrk="1" latinLnBrk="0" hangingPunct="1">
-              <a:lnSpc>
-                <a:spcPct val="90000"/>
-              </a:lnSpc>
-              <a:spcBef>
-                <a:spcPts val="500"/>
-              </a:spcBef>
-              <a:buFont typeface="Arial"/>
-              <a:buChar char="•"/>
-              <a:defRPr sz="1800" kern="1200">
-                <a:solidFill>
-                  <a:schemeClr val="tx1"/>
-                </a:solidFill>
-                <a:latin typeface="Arial" charset="0"/>
-                <a:ea typeface="Arial" charset="0"/>
-                <a:cs typeface="Arial" charset="0"/>
-              </a:defRPr>
-            </a:lvl5pPr>
-            <a:lvl6pPr marL="2514600" indent="-228600" algn="l" defTabSz="914400" rtl="0" eaLnBrk="1" latinLnBrk="0" hangingPunct="1">
-              <a:lnSpc>
-                <a:spcPct val="90000"/>
-              </a:lnSpc>
-              <a:spcBef>
-                <a:spcPts val="500"/>
-              </a:spcBef>
-              <a:buFont typeface="Arial"/>
-              <a:buChar char="•"/>
-              <a:defRPr sz="1800" kern="1200">
-                <a:solidFill>
-                  <a:schemeClr val="tx1"/>
-                </a:solidFill>
-                <a:latin typeface="+mn-lt"/>
-                <a:ea typeface="+mn-ea"/>
-                <a:cs typeface="+mn-cs"/>
-              </a:defRPr>
-            </a:lvl6pPr>
-            <a:lvl7pPr marL="2971800" indent="-228600" algn="l" defTabSz="914400" rtl="0" eaLnBrk="1" latinLnBrk="0" hangingPunct="1">
-              <a:lnSpc>
-                <a:spcPct val="90000"/>
-              </a:lnSpc>
-              <a:spcBef>
-                <a:spcPts val="500"/>
-              </a:spcBef>
-              <a:buFont typeface="Arial"/>
-              <a:buChar char="•"/>
-              <a:defRPr sz="1800" kern="1200">
-                <a:solidFill>
-                  <a:schemeClr val="tx1"/>
-                </a:solidFill>
-                <a:latin typeface="+mn-lt"/>
-                <a:ea typeface="+mn-ea"/>
-                <a:cs typeface="+mn-cs"/>
-              </a:defRPr>
-            </a:lvl7pPr>
-            <a:lvl8pPr marL="3429000" indent="-228600" algn="l" defTabSz="914400" rtl="0" eaLnBrk="1" latinLnBrk="0" hangingPunct="1">
-              <a:lnSpc>
-                <a:spcPct val="90000"/>
-              </a:lnSpc>
-              <a:spcBef>
-                <a:spcPts val="500"/>
-              </a:spcBef>
-              <a:buFont typeface="Arial"/>
-              <a:buChar char="•"/>
-              <a:defRPr sz="1800" kern="1200">
-                <a:solidFill>
-                  <a:schemeClr val="tx1"/>
-                </a:solidFill>
-                <a:latin typeface="+mn-lt"/>
-                <a:ea typeface="+mn-ea"/>
-                <a:cs typeface="+mn-cs"/>
-              </a:defRPr>
-            </a:lvl8pPr>
-            <a:lvl9pPr marL="3886200" indent="-228600" algn="l" defTabSz="914400" rtl="0" eaLnBrk="1" latinLnBrk="0" hangingPunct="1">
-              <a:lnSpc>
-                <a:spcPct val="90000"/>
-              </a:lnSpc>
-              <a:spcBef>
-                <a:spcPts val="500"/>
-              </a:spcBef>
-              <a:buFont typeface="Arial"/>
-              <a:buChar char="•"/>
-              <a:defRPr sz="1800" kern="1200">
-                <a:solidFill>
-                  <a:schemeClr val="tx1"/>
-                </a:solidFill>
-                <a:latin typeface="+mn-lt"/>
-                <a:ea typeface="+mn-ea"/>
-                <a:cs typeface="+mn-cs"/>
-              </a:defRPr>
-            </a:lvl9pPr>
-          </a:lstStyle>
-          <a:p>
-            <a:pPr marL="0" indent="0">
-              <a:lnSpc>
-                <a:spcPct val="150000"/>
-              </a:lnSpc>
-              <a:spcBef>
-                <a:spcPts val="0"/>
-              </a:spcBef>
-              <a:spcAft>
-                <a:spcPts val="600"/>
-              </a:spcAft>
-              <a:buNone/>
-            </a:pPr>
-            <a:r>
-              <a:rPr lang="en-GB" dirty="0">
-                <a:latin typeface="Open Sans Light" panose="020B0306030504020204" pitchFamily="34" charset="0"/>
-                <a:ea typeface="Open Sans Light" panose="020B0306030504020204" pitchFamily="34" charset="0"/>
-                <a:cs typeface="Open Sans Light" panose="020B0306030504020204" pitchFamily="34" charset="0"/>
-              </a:rPr>
-              <a:t>Allowing your app users (friends, colleagues, the public) to benefit from R’s amazing functionality without them needing to learn R</a:t>
-            </a:r>
-          </a:p>
-        </p:txBody>
-      </p:sp>
-      <p:sp>
-        <p:nvSpPr>
-          <p:cNvPr id="9" name="Content Placeholder 2">
-            <a:extLst>
-              <a:ext uri="{FF2B5EF4-FFF2-40B4-BE49-F238E27FC236}">
-                <a16:creationId xmlns:a16="http://schemas.microsoft.com/office/drawing/2014/main" id="{DF54E206-115F-4266-B734-7694197F8810}"/>
-              </a:ext>
-            </a:extLst>
-          </p:cNvPr>
-          <p:cNvSpPr txBox="1">
-            <a:spLocks/>
-          </p:cNvSpPr>
-          <p:nvPr/>
-        </p:nvSpPr>
-        <p:spPr>
-          <a:xfrm>
-            <a:off x="0" y="-844759"/>
-            <a:ext cx="3200400" cy="844759"/>
-          </a:xfrm>
-          <a:prstGeom prst="rect">
-            <a:avLst/>
-          </a:prstGeom>
-        </p:spPr>
-        <p:txBody>
-          <a:bodyPr lIns="0" tIns="0" rIns="0" bIns="0">
-            <a:normAutofit fontScale="92500"/>
-          </a:bodyPr>
-          <a:lstStyle>
-            <a:lvl1pPr marL="228600" indent="-228600" algn="l" defTabSz="914400" rtl="0" eaLnBrk="1" latinLnBrk="0" hangingPunct="1">
-              <a:lnSpc>
-                <a:spcPct val="90000"/>
-              </a:lnSpc>
-              <a:spcBef>
-                <a:spcPts val="1000"/>
-              </a:spcBef>
-              <a:buFont typeface="Arial"/>
-              <a:buChar char="•"/>
-              <a:defRPr sz="2800" kern="1200">
-                <a:solidFill>
-                  <a:schemeClr val="tx1"/>
-                </a:solidFill>
-                <a:latin typeface="Arial" charset="0"/>
-                <a:ea typeface="Arial" charset="0"/>
-                <a:cs typeface="Arial" charset="0"/>
-              </a:defRPr>
-            </a:lvl1pPr>
-            <a:lvl2pPr marL="685800" indent="-228600" algn="l" defTabSz="914400" rtl="0" eaLnBrk="1" latinLnBrk="0" hangingPunct="1">
-              <a:lnSpc>
-                <a:spcPct val="90000"/>
-              </a:lnSpc>
-              <a:spcBef>
-                <a:spcPts val="500"/>
-              </a:spcBef>
-              <a:buFont typeface="Arial"/>
-              <a:buChar char="•"/>
-              <a:defRPr sz="2400" kern="1200">
-                <a:solidFill>
-                  <a:schemeClr val="tx1"/>
-                </a:solidFill>
-                <a:latin typeface="Arial" charset="0"/>
-                <a:ea typeface="Arial" charset="0"/>
-                <a:cs typeface="Arial" charset="0"/>
-              </a:defRPr>
-            </a:lvl2pPr>
-            <a:lvl3pPr marL="1143000" indent="-228600" algn="l" defTabSz="914400" rtl="0" eaLnBrk="1" latinLnBrk="0" hangingPunct="1">
-              <a:lnSpc>
-                <a:spcPct val="90000"/>
-              </a:lnSpc>
-              <a:spcBef>
-                <a:spcPts val="500"/>
-              </a:spcBef>
-              <a:buFont typeface="Arial"/>
-              <a:buChar char="•"/>
-              <a:defRPr sz="2000" kern="1200">
-                <a:solidFill>
-                  <a:schemeClr val="tx1"/>
-                </a:solidFill>
-                <a:latin typeface="Arial" charset="0"/>
-                <a:ea typeface="Arial" charset="0"/>
-                <a:cs typeface="Arial" charset="0"/>
-              </a:defRPr>
-            </a:lvl3pPr>
-            <a:lvl4pPr marL="1600200" indent="-228600" algn="l" defTabSz="914400" rtl="0" eaLnBrk="1" latinLnBrk="0" hangingPunct="1">
-              <a:lnSpc>
-                <a:spcPct val="90000"/>
-              </a:lnSpc>
-              <a:spcBef>
-                <a:spcPts val="500"/>
-              </a:spcBef>
-              <a:buFont typeface="Arial"/>
-              <a:buChar char="•"/>
-              <a:defRPr sz="1800" kern="1200">
-                <a:solidFill>
-                  <a:schemeClr val="tx1"/>
-                </a:solidFill>
-                <a:latin typeface="Arial" charset="0"/>
-                <a:ea typeface="Arial" charset="0"/>
-                <a:cs typeface="Arial" charset="0"/>
-              </a:defRPr>
-            </a:lvl4pPr>
-            <a:lvl5pPr marL="2057400" indent="-228600" algn="l" defTabSz="914400" rtl="0" eaLnBrk="1" latinLnBrk="0" hangingPunct="1">
-              <a:lnSpc>
-                <a:spcPct val="90000"/>
-              </a:lnSpc>
-              <a:spcBef>
-                <a:spcPts val="500"/>
-              </a:spcBef>
-              <a:buFont typeface="Arial"/>
-              <a:buChar char="•"/>
-              <a:defRPr sz="1800" kern="1200">
-                <a:solidFill>
-                  <a:schemeClr val="tx1"/>
-                </a:solidFill>
-                <a:latin typeface="Arial" charset="0"/>
-                <a:ea typeface="Arial" charset="0"/>
-                <a:cs typeface="Arial" charset="0"/>
-              </a:defRPr>
-            </a:lvl5pPr>
-            <a:lvl6pPr marL="2514600" indent="-228600" algn="l" defTabSz="914400" rtl="0" eaLnBrk="1" latinLnBrk="0" hangingPunct="1">
-              <a:lnSpc>
-                <a:spcPct val="90000"/>
-              </a:lnSpc>
-              <a:spcBef>
-                <a:spcPts val="500"/>
-              </a:spcBef>
-              <a:buFont typeface="Arial"/>
-              <a:buChar char="•"/>
-              <a:defRPr sz="1800" kern="1200">
-                <a:solidFill>
-                  <a:schemeClr val="tx1"/>
-                </a:solidFill>
-                <a:latin typeface="+mn-lt"/>
-                <a:ea typeface="+mn-ea"/>
-                <a:cs typeface="+mn-cs"/>
-              </a:defRPr>
-            </a:lvl6pPr>
-            <a:lvl7pPr marL="2971800" indent="-228600" algn="l" defTabSz="914400" rtl="0" eaLnBrk="1" latinLnBrk="0" hangingPunct="1">
-              <a:lnSpc>
-                <a:spcPct val="90000"/>
-              </a:lnSpc>
-              <a:spcBef>
-                <a:spcPts val="500"/>
-              </a:spcBef>
-              <a:buFont typeface="Arial"/>
-              <a:buChar char="•"/>
-              <a:defRPr sz="1800" kern="1200">
-                <a:solidFill>
-                  <a:schemeClr val="tx1"/>
-                </a:solidFill>
-                <a:latin typeface="+mn-lt"/>
-                <a:ea typeface="+mn-ea"/>
-                <a:cs typeface="+mn-cs"/>
-              </a:defRPr>
-            </a:lvl7pPr>
-            <a:lvl8pPr marL="3429000" indent="-228600" algn="l" defTabSz="914400" rtl="0" eaLnBrk="1" latinLnBrk="0" hangingPunct="1">
-              <a:lnSpc>
-                <a:spcPct val="90000"/>
-              </a:lnSpc>
-              <a:spcBef>
-                <a:spcPts val="500"/>
-              </a:spcBef>
-              <a:buFont typeface="Arial"/>
-              <a:buChar char="•"/>
-              <a:defRPr sz="1800" kern="1200">
-                <a:solidFill>
-                  <a:schemeClr val="tx1"/>
-                </a:solidFill>
-                <a:latin typeface="+mn-lt"/>
-                <a:ea typeface="+mn-ea"/>
-                <a:cs typeface="+mn-cs"/>
-              </a:defRPr>
-            </a:lvl8pPr>
-            <a:lvl9pPr marL="3886200" indent="-228600" algn="l" defTabSz="914400" rtl="0" eaLnBrk="1" latinLnBrk="0" hangingPunct="1">
-              <a:lnSpc>
-                <a:spcPct val="90000"/>
-              </a:lnSpc>
-              <a:spcBef>
-                <a:spcPts val="500"/>
-              </a:spcBef>
-              <a:buFont typeface="Arial"/>
-              <a:buChar char="•"/>
-              <a:defRPr sz="1800" kern="1200">
-                <a:solidFill>
-                  <a:schemeClr val="tx1"/>
-                </a:solidFill>
-                <a:latin typeface="+mn-lt"/>
-                <a:ea typeface="+mn-ea"/>
-                <a:cs typeface="+mn-cs"/>
-              </a:defRPr>
-            </a:lvl9pPr>
-          </a:lstStyle>
-          <a:p>
-            <a:pPr marL="0" indent="0">
-              <a:lnSpc>
-                <a:spcPct val="150000"/>
-              </a:lnSpc>
-              <a:spcBef>
-                <a:spcPts val="0"/>
-              </a:spcBef>
-              <a:spcAft>
-                <a:spcPts val="600"/>
-              </a:spcAft>
-              <a:buFont typeface="Arial"/>
-              <a:buNone/>
-            </a:pPr>
-            <a:r>
-              <a:rPr lang="en-GB" sz="1300" dirty="0"/>
-              <a:t>Content slide</a:t>
-            </a:r>
-          </a:p>
-          <a:p>
-            <a:pPr marL="0" indent="0">
-              <a:lnSpc>
-                <a:spcPct val="150000"/>
-              </a:lnSpc>
-              <a:spcBef>
-                <a:spcPts val="0"/>
-              </a:spcBef>
-              <a:spcAft>
-                <a:spcPts val="600"/>
-              </a:spcAft>
-              <a:buFont typeface="Arial"/>
-              <a:buNone/>
-            </a:pPr>
-            <a:r>
-              <a:rPr lang="en-GB" sz="1300" dirty="0"/>
-              <a:t>Image to right  - Squared off / Coloured M logo</a:t>
-            </a:r>
-          </a:p>
-        </p:txBody>
-      </p:sp>
-      <p:pic>
-        <p:nvPicPr>
-          <p:cNvPr id="10" name="Picture 9">
-            <a:hlinkClick r:id="rId4"/>
-          </p:cNvPr>
-          <p:cNvPicPr/>
-          <p:nvPr/>
-        </p:nvPicPr>
-        <p:blipFill>
-          <a:blip r:embed="rId5" cstate="print">
-            <a:extLst>
-              <a:ext uri="{28A0092B-C50C-407E-A947-70E740481C1C}">
-                <a14:useLocalDpi xmlns:a14="http://schemas.microsoft.com/office/drawing/2010/main" val="0"/>
-              </a:ext>
-            </a:extLst>
-          </a:blip>
-          <a:srcRect/>
-          <a:stretch>
-            <a:fillRect/>
-          </a:stretch>
-        </p:blipFill>
-        <p:spPr bwMode="auto">
-          <a:xfrm>
-            <a:off x="5964635" y="2399938"/>
-            <a:ext cx="5511252" cy="3376748"/>
-          </a:xfrm>
-          <a:prstGeom prst="rect">
-            <a:avLst/>
-          </a:prstGeom>
-          <a:noFill/>
-          <a:ln>
-            <a:solidFill>
-              <a:schemeClr val="tx1"/>
-            </a:solidFill>
-          </a:ln>
-        </p:spPr>
-      </p:pic>
-    </p:spTree>
-    <p:extLst>
-      <p:ext uri="{BB962C8B-B14F-4D97-AF65-F5344CB8AC3E}">
-        <p14:creationId xmlns:p14="http://schemas.microsoft.com/office/powerpoint/2010/main" val="2319887903"/>
-      </p:ext>
-    </p:extLst>
-  </p:cSld>
-  <p:clrMapOvr>
-    <a:masterClrMapping/>
-  </p:clrMapOvr>
-  <mc:AlternateContent xmlns:mc="http://schemas.openxmlformats.org/markup-compatibility/2006">
-    <mc:Choice xmlns:p14="http://schemas.microsoft.com/office/powerpoint/2010/main" Requires="p14">
-      <p:transition spd="med" p14:dur="700">
-        <p:fade/>
-      </p:transition>
-    </mc:Choice>
-    <mc:Fallback>
-      <p:transition spd="med">
-        <p:fade/>
-      </p:transition>
-    </mc:Fallback>
-  </mc:AlternateContent>
-</p:sld>
-</file>
-
-<file path=ppt/slides/slide11.xml><?xml version="1.0" encoding="utf-8"?>
-<p:sld xmlns:a="http://schemas.openxmlformats.org/drawingml/2006/main" xmlns:r="http://schemas.openxmlformats.org/officeDocument/2006/relationships" xmlns:p="http://schemas.openxmlformats.org/presentationml/2006/main">
-  <p:cSld>
-    <p:spTree>
-      <p:nvGrpSpPr>
-        <p:cNvPr id="1" name=""/>
-        <p:cNvGrpSpPr/>
-        <p:nvPr/>
-      </p:nvGrpSpPr>
-      <p:grpSpPr>
-        <a:xfrm>
-          <a:off x="0" y="0"/>
-          <a:ext cx="0" cy="0"/>
-          <a:chOff x="0" y="0"/>
-          <a:chExt cx="0" cy="0"/>
-        </a:xfrm>
-      </p:grpSpPr>
-      <p:pic>
-        <p:nvPicPr>
-          <p:cNvPr id="7" name="Picture 6"/>
-          <p:cNvPicPr>
-            <a:picLocks noChangeAspect="1"/>
-          </p:cNvPicPr>
-          <p:nvPr/>
-        </p:nvPicPr>
-        <p:blipFill>
-          <a:blip r:embed="rId2"/>
-          <a:stretch>
-            <a:fillRect/>
-          </a:stretch>
-        </p:blipFill>
-        <p:spPr>
-          <a:xfrm>
-            <a:off x="3694938" y="0"/>
-            <a:ext cx="8497062" cy="6858000"/>
-          </a:xfrm>
-          <a:prstGeom prst="rect">
-            <a:avLst/>
-          </a:prstGeom>
-        </p:spPr>
-      </p:pic>
-      <p:pic>
-        <p:nvPicPr>
-          <p:cNvPr id="4" name="Picture 3">
-            <a:extLst>
-              <a:ext uri="{FF2B5EF4-FFF2-40B4-BE49-F238E27FC236}">
-                <a16:creationId xmlns:a16="http://schemas.microsoft.com/office/drawing/2014/main" id="{B9F730AB-2062-FF49-8E05-EEA4F27D10BD}"/>
-              </a:ext>
-            </a:extLst>
-          </p:cNvPr>
-          <p:cNvPicPr>
-            <a:picLocks noChangeAspect="1"/>
-          </p:cNvPicPr>
-          <p:nvPr/>
-        </p:nvPicPr>
-        <p:blipFill>
-          <a:blip r:embed="rId3"/>
-          <a:stretch>
-            <a:fillRect/>
-          </a:stretch>
-        </p:blipFill>
-        <p:spPr>
-          <a:xfrm>
-            <a:off x="-7118" y="0"/>
+            <a:off x="0" y="-2"/>
             <a:ext cx="12199118" cy="6862004"/>
           </a:xfrm>
           <a:prstGeom prst="rect">
@@ -9119,306 +5531,6 @@
 </file>
 
 <file path=ppt/slides/slide12.xml><?xml version="1.0" encoding="utf-8"?>
-<p:sld xmlns:a="http://schemas.openxmlformats.org/drawingml/2006/main" xmlns:r="http://schemas.openxmlformats.org/officeDocument/2006/relationships" xmlns:p="http://schemas.openxmlformats.org/presentationml/2006/main">
-  <p:cSld>
-    <p:spTree>
-      <p:nvGrpSpPr>
-        <p:cNvPr id="1" name=""/>
-        <p:cNvGrpSpPr/>
-        <p:nvPr/>
-      </p:nvGrpSpPr>
-      <p:grpSpPr>
-        <a:xfrm>
-          <a:off x="0" y="0"/>
-          <a:ext cx="0" cy="0"/>
-          <a:chOff x="0" y="0"/>
-          <a:chExt cx="0" cy="0"/>
-        </a:xfrm>
-      </p:grpSpPr>
-      <p:sp>
-        <p:nvSpPr>
-          <p:cNvPr id="2" name="Content Placeholder 2">
-            <a:extLst>
-              <a:ext uri="{FF2B5EF4-FFF2-40B4-BE49-F238E27FC236}">
-                <a16:creationId xmlns:a16="http://schemas.microsoft.com/office/drawing/2014/main" id="{D47B2132-15FD-1F40-AFA8-A913EDF0D5E8}"/>
-              </a:ext>
-            </a:extLst>
-          </p:cNvPr>
-          <p:cNvSpPr txBox="1">
-            <a:spLocks/>
-          </p:cNvSpPr>
-          <p:nvPr/>
-        </p:nvSpPr>
-        <p:spPr>
-          <a:xfrm>
-            <a:off x="1080000" y="2160000"/>
-            <a:ext cx="10015630" cy="3625744"/>
-          </a:xfrm>
-          <a:prstGeom prst="rect">
-            <a:avLst/>
-          </a:prstGeom>
-        </p:spPr>
-        <p:txBody>
-          <a:bodyPr lIns="0" tIns="0" rIns="0" bIns="0">
-            <a:normAutofit/>
-          </a:bodyPr>
-          <a:lstStyle>
-            <a:lvl1pPr marL="228600" indent="-228600" algn="l" defTabSz="914400" rtl="0" eaLnBrk="1" latinLnBrk="0" hangingPunct="1">
-              <a:lnSpc>
-                <a:spcPct val="90000"/>
-              </a:lnSpc>
-              <a:spcBef>
-                <a:spcPts val="1000"/>
-              </a:spcBef>
-              <a:buFont typeface="Arial"/>
-              <a:buChar char="•"/>
-              <a:defRPr sz="2800" kern="1200">
-                <a:solidFill>
-                  <a:schemeClr val="tx1"/>
-                </a:solidFill>
-                <a:latin typeface="Arial" charset="0"/>
-                <a:ea typeface="Arial" charset="0"/>
-                <a:cs typeface="Arial" charset="0"/>
-              </a:defRPr>
-            </a:lvl1pPr>
-            <a:lvl2pPr marL="685800" indent="-228600" algn="l" defTabSz="914400" rtl="0" eaLnBrk="1" latinLnBrk="0" hangingPunct="1">
-              <a:lnSpc>
-                <a:spcPct val="90000"/>
-              </a:lnSpc>
-              <a:spcBef>
-                <a:spcPts val="500"/>
-              </a:spcBef>
-              <a:buFont typeface="Arial"/>
-              <a:buChar char="•"/>
-              <a:defRPr sz="2400" kern="1200">
-                <a:solidFill>
-                  <a:schemeClr val="tx1"/>
-                </a:solidFill>
-                <a:latin typeface="Arial" charset="0"/>
-                <a:ea typeface="Arial" charset="0"/>
-                <a:cs typeface="Arial" charset="0"/>
-              </a:defRPr>
-            </a:lvl2pPr>
-            <a:lvl3pPr marL="1143000" indent="-228600" algn="l" defTabSz="914400" rtl="0" eaLnBrk="1" latinLnBrk="0" hangingPunct="1">
-              <a:lnSpc>
-                <a:spcPct val="90000"/>
-              </a:lnSpc>
-              <a:spcBef>
-                <a:spcPts val="500"/>
-              </a:spcBef>
-              <a:buFont typeface="Arial"/>
-              <a:buChar char="•"/>
-              <a:defRPr sz="2000" kern="1200">
-                <a:solidFill>
-                  <a:schemeClr val="tx1"/>
-                </a:solidFill>
-                <a:latin typeface="Arial" charset="0"/>
-                <a:ea typeface="Arial" charset="0"/>
-                <a:cs typeface="Arial" charset="0"/>
-              </a:defRPr>
-            </a:lvl3pPr>
-            <a:lvl4pPr marL="1600200" indent="-228600" algn="l" defTabSz="914400" rtl="0" eaLnBrk="1" latinLnBrk="0" hangingPunct="1">
-              <a:lnSpc>
-                <a:spcPct val="90000"/>
-              </a:lnSpc>
-              <a:spcBef>
-                <a:spcPts val="500"/>
-              </a:spcBef>
-              <a:buFont typeface="Arial"/>
-              <a:buChar char="•"/>
-              <a:defRPr sz="1800" kern="1200">
-                <a:solidFill>
-                  <a:schemeClr val="tx1"/>
-                </a:solidFill>
-                <a:latin typeface="Arial" charset="0"/>
-                <a:ea typeface="Arial" charset="0"/>
-                <a:cs typeface="Arial" charset="0"/>
-              </a:defRPr>
-            </a:lvl4pPr>
-            <a:lvl5pPr marL="2057400" indent="-228600" algn="l" defTabSz="914400" rtl="0" eaLnBrk="1" latinLnBrk="0" hangingPunct="1">
-              <a:lnSpc>
-                <a:spcPct val="90000"/>
-              </a:lnSpc>
-              <a:spcBef>
-                <a:spcPts val="500"/>
-              </a:spcBef>
-              <a:buFont typeface="Arial"/>
-              <a:buChar char="•"/>
-              <a:defRPr sz="1800" kern="1200">
-                <a:solidFill>
-                  <a:schemeClr val="tx1"/>
-                </a:solidFill>
-                <a:latin typeface="Arial" charset="0"/>
-                <a:ea typeface="Arial" charset="0"/>
-                <a:cs typeface="Arial" charset="0"/>
-              </a:defRPr>
-            </a:lvl5pPr>
-            <a:lvl6pPr marL="2514600" indent="-228600" algn="l" defTabSz="914400" rtl="0" eaLnBrk="1" latinLnBrk="0" hangingPunct="1">
-              <a:lnSpc>
-                <a:spcPct val="90000"/>
-              </a:lnSpc>
-              <a:spcBef>
-                <a:spcPts val="500"/>
-              </a:spcBef>
-              <a:buFont typeface="Arial"/>
-              <a:buChar char="•"/>
-              <a:defRPr sz="1800" kern="1200">
-                <a:solidFill>
-                  <a:schemeClr val="tx1"/>
-                </a:solidFill>
-                <a:latin typeface="+mn-lt"/>
-                <a:ea typeface="+mn-ea"/>
-                <a:cs typeface="+mn-cs"/>
-              </a:defRPr>
-            </a:lvl6pPr>
-            <a:lvl7pPr marL="2971800" indent="-228600" algn="l" defTabSz="914400" rtl="0" eaLnBrk="1" latinLnBrk="0" hangingPunct="1">
-              <a:lnSpc>
-                <a:spcPct val="90000"/>
-              </a:lnSpc>
-              <a:spcBef>
-                <a:spcPts val="500"/>
-              </a:spcBef>
-              <a:buFont typeface="Arial"/>
-              <a:buChar char="•"/>
-              <a:defRPr sz="1800" kern="1200">
-                <a:solidFill>
-                  <a:schemeClr val="tx1"/>
-                </a:solidFill>
-                <a:latin typeface="+mn-lt"/>
-                <a:ea typeface="+mn-ea"/>
-                <a:cs typeface="+mn-cs"/>
-              </a:defRPr>
-            </a:lvl7pPr>
-            <a:lvl8pPr marL="3429000" indent="-228600" algn="l" defTabSz="914400" rtl="0" eaLnBrk="1" latinLnBrk="0" hangingPunct="1">
-              <a:lnSpc>
-                <a:spcPct val="90000"/>
-              </a:lnSpc>
-              <a:spcBef>
-                <a:spcPts val="500"/>
-              </a:spcBef>
-              <a:buFont typeface="Arial"/>
-              <a:buChar char="•"/>
-              <a:defRPr sz="1800" kern="1200">
-                <a:solidFill>
-                  <a:schemeClr val="tx1"/>
-                </a:solidFill>
-                <a:latin typeface="+mn-lt"/>
-                <a:ea typeface="+mn-ea"/>
-                <a:cs typeface="+mn-cs"/>
-              </a:defRPr>
-            </a:lvl8pPr>
-            <a:lvl9pPr marL="3886200" indent="-228600" algn="l" defTabSz="914400" rtl="0" eaLnBrk="1" latinLnBrk="0" hangingPunct="1">
-              <a:lnSpc>
-                <a:spcPct val="90000"/>
-              </a:lnSpc>
-              <a:spcBef>
-                <a:spcPts val="500"/>
-              </a:spcBef>
-              <a:buFont typeface="Arial"/>
-              <a:buChar char="•"/>
-              <a:defRPr sz="1800" kern="1200">
-                <a:solidFill>
-                  <a:schemeClr val="tx1"/>
-                </a:solidFill>
-                <a:latin typeface="+mn-lt"/>
-                <a:ea typeface="+mn-ea"/>
-                <a:cs typeface="+mn-cs"/>
-              </a:defRPr>
-            </a:lvl9pPr>
-          </a:lstStyle>
-          <a:p>
-            <a:r>
-              <a:rPr lang="en-GB" sz="2400" dirty="0">
-                <a:highlight>
-                  <a:srgbClr val="FFFF00"/>
-                </a:highlight>
-                <a:latin typeface="Open Sans Light" panose="020B0306030504020204" pitchFamily="34" charset="0"/>
-                <a:ea typeface="Open Sans Light" panose="020B0306030504020204" pitchFamily="34" charset="0"/>
-                <a:cs typeface="Open Sans Light" panose="020B0306030504020204" pitchFamily="34" charset="0"/>
-              </a:rPr>
-              <a:t>Link to GitHub REPO</a:t>
-            </a:r>
-          </a:p>
-          <a:p>
-            <a:r>
-              <a:rPr lang="en-GB" sz="2400" dirty="0">
-                <a:latin typeface="Open Sans Light" panose="020B0306030504020204" pitchFamily="34" charset="0"/>
-                <a:ea typeface="Open Sans Light" panose="020B0306030504020204" pitchFamily="34" charset="0"/>
-                <a:cs typeface="Open Sans Light" panose="020B0306030504020204" pitchFamily="34" charset="0"/>
-              </a:rPr>
-              <a:t>R + RStudio</a:t>
-            </a:r>
-          </a:p>
-        </p:txBody>
-      </p:sp>
-      <p:sp>
-        <p:nvSpPr>
-          <p:cNvPr id="3" name="TextBox 2">
-            <a:extLst>
-              <a:ext uri="{FF2B5EF4-FFF2-40B4-BE49-F238E27FC236}">
-                <a16:creationId xmlns:a16="http://schemas.microsoft.com/office/drawing/2014/main" id="{24B489B2-8239-264D-9C9C-E2AC91EBA731}"/>
-              </a:ext>
-            </a:extLst>
-          </p:cNvPr>
-          <p:cNvSpPr txBox="1"/>
-          <p:nvPr/>
-        </p:nvSpPr>
-        <p:spPr>
-          <a:xfrm>
-            <a:off x="1080000" y="1080000"/>
-            <a:ext cx="3018775" cy="615553"/>
-          </a:xfrm>
-          <a:prstGeom prst="rect">
-            <a:avLst/>
-          </a:prstGeom>
-          <a:noFill/>
-        </p:spPr>
-        <p:txBody>
-          <a:bodyPr wrap="none" lIns="0" tIns="0" rIns="0" bIns="0" rtlCol="0">
-            <a:spAutoFit/>
-          </a:bodyPr>
-          <a:lstStyle/>
-          <a:p>
-            <a:r>
-              <a:rPr lang="en-US" sz="4000" b="1" dirty="0">
-                <a:solidFill>
-                  <a:srgbClr val="0C1938"/>
-                </a:solidFill>
-                <a:latin typeface="Open Sans Light" panose="020B0306030504020204" pitchFamily="34" charset="0"/>
-                <a:ea typeface="Open Sans Light" panose="020B0306030504020204" pitchFamily="34" charset="0"/>
-                <a:cs typeface="Open Sans Light" panose="020B0306030504020204" pitchFamily="34" charset="0"/>
-              </a:rPr>
-              <a:t>Prerequisites</a:t>
-            </a:r>
-          </a:p>
-        </p:txBody>
-      </p:sp>
-    </p:spTree>
-    <p:extLst>
-      <p:ext uri="{BB962C8B-B14F-4D97-AF65-F5344CB8AC3E}">
-        <p14:creationId xmlns:p14="http://schemas.microsoft.com/office/powerpoint/2010/main" val="3496231025"/>
-      </p:ext>
-    </p:extLst>
-  </p:cSld>
-  <p:clrMapOvr>
-    <a:masterClrMapping/>
-  </p:clrMapOvr>
-  <mc:AlternateContent xmlns:mc="http://schemas.openxmlformats.org/markup-compatibility/2006" xmlns:p14="http://schemas.microsoft.com/office/powerpoint/2010/main">
-    <mc:Choice Requires="p14">
-      <p:transition spd="med" p14:dur="700">
-        <p:fade/>
-      </p:transition>
-    </mc:Choice>
-    <mc:Fallback xmlns="">
-      <p:transition spd="med">
-        <p:fade/>
-      </p:transition>
-    </mc:Fallback>
-  </mc:AlternateContent>
-</p:sld>
-</file>
-
-<file path=ppt/slides/slide13.xml><?xml version="1.0" encoding="utf-8"?>
 <p:sld xmlns:a="http://schemas.openxmlformats.org/drawingml/2006/main" xmlns:r="http://schemas.openxmlformats.org/officeDocument/2006/relationships" xmlns:p="http://schemas.openxmlformats.org/presentationml/2006/main">
   <p:cSld>
     <p:spTree>
@@ -9608,7 +5720,7 @@
 </p:sld>
 </file>
 
-<file path=ppt/slides/slide14.xml><?xml version="1.0" encoding="utf-8"?>
+<file path=ppt/slides/slide13.xml><?xml version="1.0" encoding="utf-8"?>
 <p:sld xmlns:a="http://schemas.openxmlformats.org/drawingml/2006/main" xmlns:r="http://schemas.openxmlformats.org/officeDocument/2006/relationships" xmlns:p="http://schemas.openxmlformats.org/presentationml/2006/main">
   <p:cSld>
     <p:spTree>
@@ -9703,7 +5815,7 @@
 </p:sld>
 </file>
 
-<file path=ppt/slides/slide15.xml><?xml version="1.0" encoding="utf-8"?>
+<file path=ppt/slides/slide14.xml><?xml version="1.0" encoding="utf-8"?>
 <p:sld xmlns:a="http://schemas.openxmlformats.org/drawingml/2006/main" xmlns:r="http://schemas.openxmlformats.org/officeDocument/2006/relationships" xmlns:p="http://schemas.openxmlformats.org/presentationml/2006/main">
   <p:cSld>
     <p:spTree>
@@ -9831,101 +5943,8 @@
 </p:sld>
 </file>
 
-<file path=ppt/slides/slide16.xml><?xml version="1.0" encoding="utf-8"?>
-<p:sld xmlns:a="http://schemas.openxmlformats.org/drawingml/2006/main" xmlns:r="http://schemas.openxmlformats.org/officeDocument/2006/relationships" xmlns:p="http://schemas.openxmlformats.org/presentationml/2006/main" show="0">
-  <p:cSld>
-    <p:spTree>
-      <p:nvGrpSpPr>
-        <p:cNvPr id="1" name=""/>
-        <p:cNvGrpSpPr/>
-        <p:nvPr/>
-      </p:nvGrpSpPr>
-      <p:grpSpPr>
-        <a:xfrm>
-          <a:off x="0" y="0"/>
-          <a:ext cx="0" cy="0"/>
-          <a:chOff x="0" y="0"/>
-          <a:chExt cx="0" cy="0"/>
-        </a:xfrm>
-      </p:grpSpPr>
-      <p:sp>
-        <p:nvSpPr>
-          <p:cNvPr id="2" name="Title 1"/>
-          <p:cNvSpPr>
-            <a:spLocks noGrp="1"/>
-          </p:cNvSpPr>
-          <p:nvPr>
-            <p:ph type="title"/>
-          </p:nvPr>
-        </p:nvSpPr>
-        <p:spPr/>
-        <p:txBody>
-          <a:bodyPr/>
-          <a:lstStyle/>
-          <a:p>
-            <a:r>
-              <a:rPr lang="en-GB" dirty="0"/>
-              <a:t>Shiny Widgets</a:t>
-            </a:r>
-          </a:p>
-        </p:txBody>
-      </p:sp>
-      <p:pic>
-        <p:nvPicPr>
-          <p:cNvPr id="3" name="Content Placeholder 3"/>
-          <p:cNvPicPr>
-            <a:picLocks/>
-          </p:cNvPicPr>
-          <p:nvPr/>
-        </p:nvPicPr>
-        <p:blipFill>
-          <a:blip r:embed="rId2"/>
-          <a:stretch>
-            <a:fillRect/>
-          </a:stretch>
-        </p:blipFill>
-        <p:spPr>
-          <a:xfrm>
-            <a:off x="1376708" y="1600201"/>
-            <a:ext cx="6390584" cy="3860978"/>
-          </a:xfrm>
-          <a:prstGeom prst="rect">
-            <a:avLst/>
-          </a:prstGeom>
-          <a:ln>
-            <a:solidFill>
-              <a:schemeClr val="tx1"/>
-            </a:solidFill>
-          </a:ln>
-        </p:spPr>
-      </p:pic>
-    </p:spTree>
-    <p:extLst>
-      <p:ext uri="{BB962C8B-B14F-4D97-AF65-F5344CB8AC3E}">
-        <p14:creationId xmlns:p14="http://schemas.microsoft.com/office/powerpoint/2010/main" val="2771132168"/>
-      </p:ext>
-    </p:extLst>
-  </p:cSld>
-  <p:clrMapOvr>
-    <a:masterClrMapping/>
-  </p:clrMapOvr>
-  <mc:AlternateContent xmlns:mc="http://schemas.openxmlformats.org/markup-compatibility/2006" xmlns:p14="http://schemas.microsoft.com/office/powerpoint/2010/main">
-    <mc:Choice Requires="p14">
-      <p:transition spd="med" p14:dur="700">
-        <p:fade/>
-      </p:transition>
-    </mc:Choice>
-    <mc:Fallback xmlns="">
-      <p:transition spd="med">
-        <p:fade/>
-      </p:transition>
-    </mc:Fallback>
-  </mc:AlternateContent>
-</p:sld>
-</file>
-
-<file path=ppt/slides/slide17.xml><?xml version="1.0" encoding="utf-8"?>
-<p:sld xmlns:a="http://schemas.openxmlformats.org/drawingml/2006/main" xmlns:r="http://schemas.openxmlformats.org/officeDocument/2006/relationships" xmlns:p="http://schemas.openxmlformats.org/presentationml/2006/main" show="0">
+<file path=ppt/slides/slide15.xml><?xml version="1.0" encoding="utf-8"?>
+<p:sld xmlns:a="http://schemas.openxmlformats.org/drawingml/2006/main" xmlns:r="http://schemas.openxmlformats.org/officeDocument/2006/relationships" xmlns:p="http://schemas.openxmlformats.org/presentationml/2006/main">
   <p:cSld>
     <p:spTree>
       <p:nvGrpSpPr>
@@ -9943,7 +5962,13 @@
       </p:grpSpPr>
       <p:pic>
         <p:nvPicPr>
-          <p:cNvPr id="7" name="Picture 6"/>
+          <p:cNvPr id="3" name="Picture 2" descr="A person wearing goggles&#10;&#10;Description automatically generated with low confidence">
+            <a:extLst>
+              <a:ext uri="{FF2B5EF4-FFF2-40B4-BE49-F238E27FC236}">
+                <a16:creationId xmlns:a16="http://schemas.microsoft.com/office/drawing/2014/main" id="{226EC1F1-3C9E-4835-8F0D-6D6CB09AB05D}"/>
+              </a:ext>
+            </a:extLst>
+          </p:cNvPr>
           <p:cNvPicPr>
             <a:picLocks noChangeAspect="1"/>
           </p:cNvPicPr>
@@ -9957,8 +5982,8 @@
         </p:blipFill>
         <p:spPr>
           <a:xfrm>
-            <a:off x="3694938" y="0"/>
-            <a:ext cx="8497062" cy="6858000"/>
+            <a:off x="4123830" y="0"/>
+            <a:ext cx="10287000" cy="6858000"/>
           </a:xfrm>
           <a:prstGeom prst="rect">
             <a:avLst/>
@@ -10302,7 +6327,7 @@
                 <a:ea typeface="Open Sans Light" panose="020B0306030504020204" pitchFamily="34" charset="0"/>
                 <a:cs typeface="Open Sans Light" panose="020B0306030504020204" pitchFamily="34" charset="0"/>
               </a:rPr>
-              <a:t>Sharing apps</a:t>
+              <a:t>Where Next?</a:t>
             </a:r>
             <a:endParaRPr lang="en-US" sz="4000" b="1" dirty="0">
               <a:solidFill>
@@ -10524,7 +6549,7 @@
     </p:spTree>
     <p:extLst>
       <p:ext uri="{BB962C8B-B14F-4D97-AF65-F5344CB8AC3E}">
-        <p14:creationId xmlns:p14="http://schemas.microsoft.com/office/powerpoint/2010/main" val="2550166319"/>
+        <p14:creationId xmlns:p14="http://schemas.microsoft.com/office/powerpoint/2010/main" val="3969376704"/>
       </p:ext>
     </p:extLst>
   </p:cSld>
@@ -10546,7 +6571,170 @@
 </p:sld>
 </file>
 
-<file path=ppt/slides/slide18.xml><?xml version="1.0" encoding="utf-8"?>
+<file path=ppt/slides/slide16.xml><?xml version="1.0" encoding="utf-8"?>
+<p:sld xmlns:a="http://schemas.openxmlformats.org/drawingml/2006/main" xmlns:r="http://schemas.openxmlformats.org/officeDocument/2006/relationships" xmlns:p="http://schemas.openxmlformats.org/presentationml/2006/main">
+  <p:cSld>
+    <p:spTree>
+      <p:nvGrpSpPr>
+        <p:cNvPr id="1" name=""/>
+        <p:cNvGrpSpPr/>
+        <p:nvPr/>
+      </p:nvGrpSpPr>
+      <p:grpSpPr>
+        <a:xfrm>
+          <a:off x="0" y="0"/>
+          <a:ext cx="0" cy="0"/>
+          <a:chOff x="0" y="0"/>
+          <a:chExt cx="0" cy="0"/>
+        </a:xfrm>
+      </p:grpSpPr>
+      <p:sp>
+        <p:nvSpPr>
+          <p:cNvPr id="2" name="Title 1">
+            <a:extLst>
+              <a:ext uri="{FF2B5EF4-FFF2-40B4-BE49-F238E27FC236}">
+                <a16:creationId xmlns:a16="http://schemas.microsoft.com/office/drawing/2014/main" id="{E0F2F044-82C0-4EB6-A62E-DD16227BB7DB}"/>
+              </a:ext>
+            </a:extLst>
+          </p:cNvPr>
+          <p:cNvSpPr>
+            <a:spLocks noGrp="1"/>
+          </p:cNvSpPr>
+          <p:nvPr>
+            <p:ph type="title"/>
+          </p:nvPr>
+        </p:nvSpPr>
+        <p:spPr/>
+        <p:txBody>
+          <a:bodyPr/>
+          <a:lstStyle/>
+          <a:p>
+            <a:r>
+              <a:rPr lang="en-GB" sz="4400" b="1" dirty="0">
+                <a:latin typeface="Open Sans Light" panose="020B0306030504020204" pitchFamily="34" charset="0"/>
+                <a:ea typeface="Open Sans Light" panose="020B0306030504020204" pitchFamily="34" charset="0"/>
+                <a:cs typeface="Open Sans Light" panose="020B0306030504020204" pitchFamily="34" charset="0"/>
+              </a:rPr>
+              <a:t>Where Next?</a:t>
+            </a:r>
+            <a:endParaRPr lang="en-GB" dirty="0"/>
+          </a:p>
+        </p:txBody>
+      </p:sp>
+      <p:sp>
+        <p:nvSpPr>
+          <p:cNvPr id="3" name="Content Placeholder 2">
+            <a:extLst>
+              <a:ext uri="{FF2B5EF4-FFF2-40B4-BE49-F238E27FC236}">
+                <a16:creationId xmlns:a16="http://schemas.microsoft.com/office/drawing/2014/main" id="{01ABA9FB-2DDB-4AFA-9F96-B8726805D467}"/>
+              </a:ext>
+            </a:extLst>
+          </p:cNvPr>
+          <p:cNvSpPr>
+            <a:spLocks noGrp="1"/>
+          </p:cNvSpPr>
+          <p:nvPr>
+            <p:ph idx="1"/>
+          </p:nvPr>
+        </p:nvSpPr>
+        <p:spPr/>
+        <p:txBody>
+          <a:bodyPr/>
+          <a:lstStyle/>
+          <a:p>
+            <a:pPr>
+              <a:lnSpc>
+                <a:spcPct val="150000"/>
+              </a:lnSpc>
+              <a:spcBef>
+                <a:spcPts val="0"/>
+              </a:spcBef>
+              <a:spcAft>
+                <a:spcPts val="600"/>
+              </a:spcAft>
+            </a:pPr>
+            <a:r>
+              <a:rPr lang="en-GB" dirty="0">
+                <a:latin typeface="Open Sans Light" panose="020B0306030504020204" pitchFamily="34" charset="0"/>
+                <a:ea typeface="Open Sans Light" panose="020B0306030504020204" pitchFamily="34" charset="0"/>
+                <a:cs typeface="Open Sans Light" panose="020B0306030504020204" pitchFamily="34" charset="0"/>
+              </a:rPr>
+              <a:t>https://shiny.rstudio.com/</a:t>
+            </a:r>
+          </a:p>
+          <a:p>
+            <a:pPr>
+              <a:lnSpc>
+                <a:spcPct val="150000"/>
+              </a:lnSpc>
+              <a:spcBef>
+                <a:spcPts val="0"/>
+              </a:spcBef>
+              <a:spcAft>
+                <a:spcPts val="600"/>
+              </a:spcAft>
+            </a:pPr>
+            <a:r>
+              <a:rPr lang="en-GB" dirty="0">
+                <a:latin typeface="Open Sans Light" panose="020B0306030504020204" pitchFamily="34" charset="0"/>
+                <a:ea typeface="Open Sans Light" panose="020B0306030504020204" pitchFamily="34" charset="0"/>
+                <a:cs typeface="Open Sans Light" panose="020B0306030504020204" pitchFamily="34" charset="0"/>
+              </a:rPr>
+              <a:t>https://mastering-shiny.org/index.html</a:t>
+            </a:r>
+          </a:p>
+          <a:p>
+            <a:pPr>
+              <a:lnSpc>
+                <a:spcPct val="150000"/>
+              </a:lnSpc>
+              <a:spcBef>
+                <a:spcPts val="0"/>
+              </a:spcBef>
+              <a:spcAft>
+                <a:spcPts val="600"/>
+              </a:spcAft>
+            </a:pPr>
+            <a:r>
+              <a:rPr lang="en-GB" dirty="0">
+                <a:latin typeface="Open Sans Light" panose="020B0306030504020204" pitchFamily="34" charset="0"/>
+                <a:ea typeface="Open Sans Light" panose="020B0306030504020204" pitchFamily="34" charset="0"/>
+                <a:cs typeface="Open Sans Light" panose="020B0306030504020204" pitchFamily="34" charset="0"/>
+              </a:rPr>
+              <a:t>https://www.shinyapps.io/</a:t>
+            </a:r>
+          </a:p>
+          <a:p>
+            <a:endParaRPr lang="en-GB" dirty="0"/>
+          </a:p>
+        </p:txBody>
+      </p:sp>
+    </p:spTree>
+    <p:extLst>
+      <p:ext uri="{BB962C8B-B14F-4D97-AF65-F5344CB8AC3E}">
+        <p14:creationId xmlns:p14="http://schemas.microsoft.com/office/powerpoint/2010/main" val="3063904049"/>
+      </p:ext>
+    </p:extLst>
+  </p:cSld>
+  <p:clrMapOvr>
+    <a:masterClrMapping/>
+  </p:clrMapOvr>
+  <mc:AlternateContent xmlns:mc="http://schemas.openxmlformats.org/markup-compatibility/2006" xmlns:p14="http://schemas.microsoft.com/office/powerpoint/2010/main">
+    <mc:Choice Requires="p14">
+      <p:transition spd="med" p14:dur="700">
+        <p:fade/>
+      </p:transition>
+    </mc:Choice>
+    <mc:Fallback xmlns="">
+      <p:transition spd="med">
+        <p:fade/>
+      </p:transition>
+    </mc:Fallback>
+  </mc:AlternateContent>
+</p:sld>
+</file>
+
+<file path=ppt/slides/slide17.xml><?xml version="1.0" encoding="utf-8"?>
 <p:sld xmlns:a="http://schemas.openxmlformats.org/drawingml/2006/main" xmlns:r="http://schemas.openxmlformats.org/officeDocument/2006/relationships" xmlns:p="http://schemas.openxmlformats.org/presentationml/2006/main">
   <p:cSld>
     <p:spTree>
@@ -10565,7 +6753,13 @@
       </p:grpSpPr>
       <p:pic>
         <p:nvPicPr>
-          <p:cNvPr id="7" name="Picture 6"/>
+          <p:cNvPr id="8" name="Picture 7" descr="A picture containing ground, outdoor, tree, plant&#10;&#10;Description automatically generated">
+            <a:extLst>
+              <a:ext uri="{FF2B5EF4-FFF2-40B4-BE49-F238E27FC236}">
+                <a16:creationId xmlns:a16="http://schemas.microsoft.com/office/drawing/2014/main" id="{5D0521CF-AE24-45A9-97FE-879F9557B11B}"/>
+              </a:ext>
+            </a:extLst>
+          </p:cNvPr>
           <p:cNvPicPr>
             <a:picLocks noChangeAspect="1"/>
           </p:cNvPicPr>
@@ -10579,8 +6773,8 @@
         </p:blipFill>
         <p:spPr>
           <a:xfrm>
-            <a:off x="3694938" y="0"/>
-            <a:ext cx="8497062" cy="6858000"/>
+            <a:off x="4998503" y="-4542"/>
+            <a:ext cx="10287000" cy="6858000"/>
           </a:xfrm>
           <a:prstGeom prst="rect">
             <a:avLst/>
@@ -10924,7 +7118,7 @@
                 <a:ea typeface="Open Sans Light" panose="020B0306030504020204" pitchFamily="34" charset="0"/>
                 <a:cs typeface="Open Sans Light" panose="020B0306030504020204" pitchFamily="34" charset="0"/>
               </a:rPr>
-              <a:t>Where Next?</a:t>
+              <a:t>Questions?</a:t>
             </a:r>
             <a:endParaRPr lang="en-US" sz="4000" b="1" dirty="0">
               <a:solidFill>
@@ -11146,706 +7340,7 @@
     </p:spTree>
     <p:extLst>
       <p:ext uri="{BB962C8B-B14F-4D97-AF65-F5344CB8AC3E}">
-        <p14:creationId xmlns:p14="http://schemas.microsoft.com/office/powerpoint/2010/main" val="3969376704"/>
-      </p:ext>
-    </p:extLst>
-  </p:cSld>
-  <p:clrMapOvr>
-    <a:masterClrMapping/>
-  </p:clrMapOvr>
-  <mc:AlternateContent xmlns:mc="http://schemas.openxmlformats.org/markup-compatibility/2006" xmlns:p14="http://schemas.microsoft.com/office/powerpoint/2010/main">
-    <mc:Choice Requires="p14">
-      <p:transition spd="med" p14:dur="700">
-        <p:fade/>
-      </p:transition>
-    </mc:Choice>
-    <mc:Fallback xmlns="">
-      <p:transition spd="med">
-        <p:fade/>
-      </p:transition>
-    </mc:Fallback>
-  </mc:AlternateContent>
-</p:sld>
-</file>
-
-<file path=ppt/slides/slide19.xml><?xml version="1.0" encoding="utf-8"?>
-<p:sld xmlns:a="http://schemas.openxmlformats.org/drawingml/2006/main" xmlns:r="http://schemas.openxmlformats.org/officeDocument/2006/relationships" xmlns:p="http://schemas.openxmlformats.org/presentationml/2006/main">
-  <p:cSld>
-    <p:spTree>
-      <p:nvGrpSpPr>
-        <p:cNvPr id="1" name=""/>
-        <p:cNvGrpSpPr/>
-        <p:nvPr/>
-      </p:nvGrpSpPr>
-      <p:grpSpPr>
-        <a:xfrm>
-          <a:off x="0" y="0"/>
-          <a:ext cx="0" cy="0"/>
-          <a:chOff x="0" y="0"/>
-          <a:chExt cx="0" cy="0"/>
-        </a:xfrm>
-      </p:grpSpPr>
-      <p:sp>
-        <p:nvSpPr>
-          <p:cNvPr id="3" name="Round Diagonal Corner Rectangle 2">
-            <a:extLst>
-              <a:ext uri="{FF2B5EF4-FFF2-40B4-BE49-F238E27FC236}">
-                <a16:creationId xmlns:a16="http://schemas.microsoft.com/office/drawing/2014/main" id="{09E27A3B-0AE3-794A-A24D-033A51F63D19}"/>
-              </a:ext>
-            </a:extLst>
-          </p:cNvPr>
-          <p:cNvSpPr/>
-          <p:nvPr/>
-        </p:nvSpPr>
-        <p:spPr>
-          <a:xfrm>
-            <a:off x="360000" y="359999"/>
-            <a:ext cx="11473200" cy="6138000"/>
-          </a:xfrm>
-          <a:prstGeom prst="round2DiagRect">
-            <a:avLst>
-              <a:gd name="adj1" fmla="val 10441"/>
-              <a:gd name="adj2" fmla="val 0"/>
-            </a:avLst>
-          </a:prstGeom>
-          <a:solidFill>
-            <a:srgbClr val="F5F4F6"/>
-          </a:solidFill>
-          <a:ln>
-            <a:noFill/>
-          </a:ln>
-          <a:effectLst/>
-        </p:spPr>
-        <p:style>
-          <a:lnRef idx="2">
-            <a:schemeClr val="accent1">
-              <a:shade val="50000"/>
-            </a:schemeClr>
-          </a:lnRef>
-          <a:fillRef idx="1">
-            <a:schemeClr val="accent1"/>
-          </a:fillRef>
-          <a:effectRef idx="0">
-            <a:schemeClr val="accent1"/>
-          </a:effectRef>
-          <a:fontRef idx="minor">
-            <a:schemeClr val="lt1"/>
-          </a:fontRef>
-        </p:style>
-        <p:txBody>
-          <a:bodyPr rtlCol="0" anchor="ctr"/>
-          <a:lstStyle/>
-          <a:p>
-            <a:pPr algn="ctr"/>
-            <a:endParaRPr lang="en-US" dirty="0"/>
-          </a:p>
-        </p:txBody>
-      </p:sp>
-      <p:pic>
-        <p:nvPicPr>
-          <p:cNvPr id="5" name="Picture 4">
-            <a:extLst>
-              <a:ext uri="{FF2B5EF4-FFF2-40B4-BE49-F238E27FC236}">
-                <a16:creationId xmlns:a16="http://schemas.microsoft.com/office/drawing/2014/main" id="{BDF7432B-D6F9-834F-9607-87D5D4A91EA9}"/>
-              </a:ext>
-            </a:extLst>
-          </p:cNvPr>
-          <p:cNvPicPr>
-            <a:picLocks noChangeAspect="1"/>
-          </p:cNvPicPr>
-          <p:nvPr/>
-        </p:nvPicPr>
-        <p:blipFill>
-          <a:blip r:embed="rId3"/>
-          <a:stretch>
-            <a:fillRect/>
-          </a:stretch>
-        </p:blipFill>
-        <p:spPr>
-          <a:xfrm>
-            <a:off x="10933200" y="720000"/>
-            <a:ext cx="542687" cy="363600"/>
-          </a:xfrm>
-          <a:prstGeom prst="rect">
-            <a:avLst/>
-          </a:prstGeom>
-        </p:spPr>
-      </p:pic>
-      <p:sp>
-        <p:nvSpPr>
-          <p:cNvPr id="6" name="TextBox 5">
-            <a:extLst>
-              <a:ext uri="{FF2B5EF4-FFF2-40B4-BE49-F238E27FC236}">
-                <a16:creationId xmlns:a16="http://schemas.microsoft.com/office/drawing/2014/main" id="{075D96FC-F944-614B-B9A4-1338C700E335}"/>
-              </a:ext>
-            </a:extLst>
-          </p:cNvPr>
-          <p:cNvSpPr txBox="1"/>
-          <p:nvPr/>
-        </p:nvSpPr>
-        <p:spPr>
-          <a:xfrm>
-            <a:off x="1080000" y="1080000"/>
-            <a:ext cx="2935419" cy="615553"/>
-          </a:xfrm>
-          <a:prstGeom prst="rect">
-            <a:avLst/>
-          </a:prstGeom>
-          <a:noFill/>
-        </p:spPr>
-        <p:txBody>
-          <a:bodyPr wrap="none" lIns="0" tIns="0" rIns="0" bIns="0" rtlCol="0">
-            <a:spAutoFit/>
-          </a:bodyPr>
-          <a:lstStyle/>
-          <a:p>
-            <a:r>
-              <a:rPr lang="en-GB" sz="4000" b="1" dirty="0">
-                <a:latin typeface="Open Sans Light" panose="020B0306030504020204" pitchFamily="34" charset="0"/>
-                <a:ea typeface="Open Sans Light" panose="020B0306030504020204" pitchFamily="34" charset="0"/>
-                <a:cs typeface="Open Sans Light" panose="020B0306030504020204" pitchFamily="34" charset="0"/>
-              </a:rPr>
-              <a:t>Where Next?</a:t>
-            </a:r>
-            <a:endParaRPr lang="en-US" sz="4000" b="1" dirty="0">
-              <a:latin typeface="Open Sans Light" panose="020B0306030504020204" pitchFamily="34" charset="0"/>
-              <a:ea typeface="Open Sans Light" panose="020B0306030504020204" pitchFamily="34" charset="0"/>
-              <a:cs typeface="Open Sans Light" panose="020B0306030504020204" pitchFamily="34" charset="0"/>
-            </a:endParaRPr>
-          </a:p>
-        </p:txBody>
-      </p:sp>
-      <p:sp>
-        <p:nvSpPr>
-          <p:cNvPr id="7" name="Content Placeholder 2">
-            <a:extLst>
-              <a:ext uri="{FF2B5EF4-FFF2-40B4-BE49-F238E27FC236}">
-                <a16:creationId xmlns:a16="http://schemas.microsoft.com/office/drawing/2014/main" id="{72211628-2CC5-944D-AE92-DF9FEA3F73FD}"/>
-              </a:ext>
-            </a:extLst>
-          </p:cNvPr>
-          <p:cNvSpPr txBox="1">
-            <a:spLocks/>
-          </p:cNvSpPr>
-          <p:nvPr/>
-        </p:nvSpPr>
-        <p:spPr>
-          <a:xfrm>
-            <a:off x="1080000" y="2160000"/>
-            <a:ext cx="4060411" cy="3616686"/>
-          </a:xfrm>
-          <a:prstGeom prst="rect">
-            <a:avLst/>
-          </a:prstGeom>
-        </p:spPr>
-        <p:txBody>
-          <a:bodyPr lIns="0" tIns="0" rIns="0" bIns="0">
-            <a:noAutofit/>
-          </a:bodyPr>
-          <a:lstStyle>
-            <a:lvl1pPr marL="228600" indent="-228600" algn="l" defTabSz="914400" rtl="0" eaLnBrk="1" latinLnBrk="0" hangingPunct="1">
-              <a:lnSpc>
-                <a:spcPct val="90000"/>
-              </a:lnSpc>
-              <a:spcBef>
-                <a:spcPts val="1000"/>
-              </a:spcBef>
-              <a:buFont typeface="Arial"/>
-              <a:buChar char="•"/>
-              <a:defRPr sz="2800" kern="1200">
-                <a:solidFill>
-                  <a:schemeClr val="tx1"/>
-                </a:solidFill>
-                <a:latin typeface="Arial" charset="0"/>
-                <a:ea typeface="Arial" charset="0"/>
-                <a:cs typeface="Arial" charset="0"/>
-              </a:defRPr>
-            </a:lvl1pPr>
-            <a:lvl2pPr marL="685800" indent="-228600" algn="l" defTabSz="914400" rtl="0" eaLnBrk="1" latinLnBrk="0" hangingPunct="1">
-              <a:lnSpc>
-                <a:spcPct val="90000"/>
-              </a:lnSpc>
-              <a:spcBef>
-                <a:spcPts val="500"/>
-              </a:spcBef>
-              <a:buFont typeface="Arial"/>
-              <a:buChar char="•"/>
-              <a:defRPr sz="2400" kern="1200">
-                <a:solidFill>
-                  <a:schemeClr val="tx1"/>
-                </a:solidFill>
-                <a:latin typeface="Arial" charset="0"/>
-                <a:ea typeface="Arial" charset="0"/>
-                <a:cs typeface="Arial" charset="0"/>
-              </a:defRPr>
-            </a:lvl2pPr>
-            <a:lvl3pPr marL="1143000" indent="-228600" algn="l" defTabSz="914400" rtl="0" eaLnBrk="1" latinLnBrk="0" hangingPunct="1">
-              <a:lnSpc>
-                <a:spcPct val="90000"/>
-              </a:lnSpc>
-              <a:spcBef>
-                <a:spcPts val="500"/>
-              </a:spcBef>
-              <a:buFont typeface="Arial"/>
-              <a:buChar char="•"/>
-              <a:defRPr sz="2000" kern="1200">
-                <a:solidFill>
-                  <a:schemeClr val="tx1"/>
-                </a:solidFill>
-                <a:latin typeface="Arial" charset="0"/>
-                <a:ea typeface="Arial" charset="0"/>
-                <a:cs typeface="Arial" charset="0"/>
-              </a:defRPr>
-            </a:lvl3pPr>
-            <a:lvl4pPr marL="1600200" indent="-228600" algn="l" defTabSz="914400" rtl="0" eaLnBrk="1" latinLnBrk="0" hangingPunct="1">
-              <a:lnSpc>
-                <a:spcPct val="90000"/>
-              </a:lnSpc>
-              <a:spcBef>
-                <a:spcPts val="500"/>
-              </a:spcBef>
-              <a:buFont typeface="Arial"/>
-              <a:buChar char="•"/>
-              <a:defRPr sz="1800" kern="1200">
-                <a:solidFill>
-                  <a:schemeClr val="tx1"/>
-                </a:solidFill>
-                <a:latin typeface="Arial" charset="0"/>
-                <a:ea typeface="Arial" charset="0"/>
-                <a:cs typeface="Arial" charset="0"/>
-              </a:defRPr>
-            </a:lvl4pPr>
-            <a:lvl5pPr marL="2057400" indent="-228600" algn="l" defTabSz="914400" rtl="0" eaLnBrk="1" latinLnBrk="0" hangingPunct="1">
-              <a:lnSpc>
-                <a:spcPct val="90000"/>
-              </a:lnSpc>
-              <a:spcBef>
-                <a:spcPts val="500"/>
-              </a:spcBef>
-              <a:buFont typeface="Arial"/>
-              <a:buChar char="•"/>
-              <a:defRPr sz="1800" kern="1200">
-                <a:solidFill>
-                  <a:schemeClr val="tx1"/>
-                </a:solidFill>
-                <a:latin typeface="Arial" charset="0"/>
-                <a:ea typeface="Arial" charset="0"/>
-                <a:cs typeface="Arial" charset="0"/>
-              </a:defRPr>
-            </a:lvl5pPr>
-            <a:lvl6pPr marL="2514600" indent="-228600" algn="l" defTabSz="914400" rtl="0" eaLnBrk="1" latinLnBrk="0" hangingPunct="1">
-              <a:lnSpc>
-                <a:spcPct val="90000"/>
-              </a:lnSpc>
-              <a:spcBef>
-                <a:spcPts val="500"/>
-              </a:spcBef>
-              <a:buFont typeface="Arial"/>
-              <a:buChar char="•"/>
-              <a:defRPr sz="1800" kern="1200">
-                <a:solidFill>
-                  <a:schemeClr val="tx1"/>
-                </a:solidFill>
-                <a:latin typeface="+mn-lt"/>
-                <a:ea typeface="+mn-ea"/>
-                <a:cs typeface="+mn-cs"/>
-              </a:defRPr>
-            </a:lvl6pPr>
-            <a:lvl7pPr marL="2971800" indent="-228600" algn="l" defTabSz="914400" rtl="0" eaLnBrk="1" latinLnBrk="0" hangingPunct="1">
-              <a:lnSpc>
-                <a:spcPct val="90000"/>
-              </a:lnSpc>
-              <a:spcBef>
-                <a:spcPts val="500"/>
-              </a:spcBef>
-              <a:buFont typeface="Arial"/>
-              <a:buChar char="•"/>
-              <a:defRPr sz="1800" kern="1200">
-                <a:solidFill>
-                  <a:schemeClr val="tx1"/>
-                </a:solidFill>
-                <a:latin typeface="+mn-lt"/>
-                <a:ea typeface="+mn-ea"/>
-                <a:cs typeface="+mn-cs"/>
-              </a:defRPr>
-            </a:lvl7pPr>
-            <a:lvl8pPr marL="3429000" indent="-228600" algn="l" defTabSz="914400" rtl="0" eaLnBrk="1" latinLnBrk="0" hangingPunct="1">
-              <a:lnSpc>
-                <a:spcPct val="90000"/>
-              </a:lnSpc>
-              <a:spcBef>
-                <a:spcPts val="500"/>
-              </a:spcBef>
-              <a:buFont typeface="Arial"/>
-              <a:buChar char="•"/>
-              <a:defRPr sz="1800" kern="1200">
-                <a:solidFill>
-                  <a:schemeClr val="tx1"/>
-                </a:solidFill>
-                <a:latin typeface="+mn-lt"/>
-                <a:ea typeface="+mn-ea"/>
-                <a:cs typeface="+mn-cs"/>
-              </a:defRPr>
-            </a:lvl8pPr>
-            <a:lvl9pPr marL="3886200" indent="-228600" algn="l" defTabSz="914400" rtl="0" eaLnBrk="1" latinLnBrk="0" hangingPunct="1">
-              <a:lnSpc>
-                <a:spcPct val="90000"/>
-              </a:lnSpc>
-              <a:spcBef>
-                <a:spcPts val="500"/>
-              </a:spcBef>
-              <a:buFont typeface="Arial"/>
-              <a:buChar char="•"/>
-              <a:defRPr sz="1800" kern="1200">
-                <a:solidFill>
-                  <a:schemeClr val="tx1"/>
-                </a:solidFill>
-                <a:latin typeface="+mn-lt"/>
-                <a:ea typeface="+mn-ea"/>
-                <a:cs typeface="+mn-cs"/>
-              </a:defRPr>
-            </a:lvl9pPr>
-          </a:lstStyle>
-          <a:p>
-            <a:pPr>
-              <a:lnSpc>
-                <a:spcPct val="150000"/>
-              </a:lnSpc>
-              <a:spcBef>
-                <a:spcPts val="0"/>
-              </a:spcBef>
-              <a:spcAft>
-                <a:spcPts val="600"/>
-              </a:spcAft>
-            </a:pPr>
-            <a:r>
-              <a:rPr lang="en-GB" dirty="0">
-                <a:latin typeface="Open Sans Light" panose="020B0306030504020204" pitchFamily="34" charset="0"/>
-                <a:ea typeface="Open Sans Light" panose="020B0306030504020204" pitchFamily="34" charset="0"/>
-                <a:cs typeface="Open Sans Light" panose="020B0306030504020204" pitchFamily="34" charset="0"/>
-              </a:rPr>
-              <a:t>shiny.rstudio.com</a:t>
-            </a:r>
-          </a:p>
-          <a:p>
-            <a:pPr>
-              <a:lnSpc>
-                <a:spcPct val="150000"/>
-              </a:lnSpc>
-              <a:spcBef>
-                <a:spcPts val="0"/>
-              </a:spcBef>
-              <a:spcAft>
-                <a:spcPts val="600"/>
-              </a:spcAft>
-            </a:pPr>
-            <a:r>
-              <a:rPr lang="en-GB" dirty="0">
-                <a:latin typeface="Open Sans Light" panose="020B0306030504020204" pitchFamily="34" charset="0"/>
-                <a:ea typeface="Open Sans Light" panose="020B0306030504020204" pitchFamily="34" charset="0"/>
-                <a:cs typeface="Open Sans Light" panose="020B0306030504020204" pitchFamily="34" charset="0"/>
-              </a:rPr>
-              <a:t>community.rstudio.com</a:t>
-            </a:r>
-          </a:p>
-          <a:p>
-            <a:pPr>
-              <a:lnSpc>
-                <a:spcPct val="150000"/>
-              </a:lnSpc>
-              <a:spcBef>
-                <a:spcPts val="0"/>
-              </a:spcBef>
-              <a:spcAft>
-                <a:spcPts val="600"/>
-              </a:spcAft>
-            </a:pPr>
-            <a:r>
-              <a:rPr lang="en-GB" dirty="0">
-                <a:latin typeface="Open Sans Light" panose="020B0306030504020204" pitchFamily="34" charset="0"/>
-                <a:ea typeface="Open Sans Light" panose="020B0306030504020204" pitchFamily="34" charset="0"/>
-                <a:cs typeface="Open Sans Light" panose="020B0306030504020204" pitchFamily="34" charset="0"/>
-              </a:rPr>
-              <a:t>htmlwidgets.org</a:t>
-            </a:r>
-          </a:p>
-          <a:p>
-            <a:pPr>
-              <a:lnSpc>
-                <a:spcPct val="150000"/>
-              </a:lnSpc>
-              <a:spcBef>
-                <a:spcPts val="0"/>
-              </a:spcBef>
-              <a:spcAft>
-                <a:spcPts val="600"/>
-              </a:spcAft>
-            </a:pPr>
-            <a:r>
-              <a:rPr lang="en-GB" dirty="0">
-                <a:latin typeface="Open Sans Light" panose="020B0306030504020204" pitchFamily="34" charset="0"/>
-                <a:ea typeface="Open Sans Light" panose="020B0306030504020204" pitchFamily="34" charset="0"/>
-                <a:cs typeface="Open Sans Light" panose="020B0306030504020204" pitchFamily="34" charset="0"/>
-              </a:rPr>
-              <a:t>shinyapps.io</a:t>
-            </a:r>
-          </a:p>
-          <a:p>
-            <a:pPr marL="0" indent="0">
-              <a:lnSpc>
-                <a:spcPct val="150000"/>
-              </a:lnSpc>
-              <a:spcBef>
-                <a:spcPts val="0"/>
-              </a:spcBef>
-              <a:spcAft>
-                <a:spcPts val="600"/>
-              </a:spcAft>
-              <a:buNone/>
-            </a:pPr>
-            <a:endParaRPr lang="en-GB" dirty="0">
-              <a:latin typeface="Open Sans Light" panose="020B0306030504020204" pitchFamily="34" charset="0"/>
-              <a:ea typeface="Open Sans Light" panose="020B0306030504020204" pitchFamily="34" charset="0"/>
-              <a:cs typeface="Open Sans Light" panose="020B0306030504020204" pitchFamily="34" charset="0"/>
-            </a:endParaRPr>
-          </a:p>
-        </p:txBody>
-      </p:sp>
-      <p:sp>
-        <p:nvSpPr>
-          <p:cNvPr id="9" name="Content Placeholder 2">
-            <a:extLst>
-              <a:ext uri="{FF2B5EF4-FFF2-40B4-BE49-F238E27FC236}">
-                <a16:creationId xmlns:a16="http://schemas.microsoft.com/office/drawing/2014/main" id="{DF54E206-115F-4266-B734-7694197F8810}"/>
-              </a:ext>
-            </a:extLst>
-          </p:cNvPr>
-          <p:cNvSpPr txBox="1">
-            <a:spLocks/>
-          </p:cNvSpPr>
-          <p:nvPr/>
-        </p:nvSpPr>
-        <p:spPr>
-          <a:xfrm>
-            <a:off x="0" y="-844759"/>
-            <a:ext cx="3200400" cy="844759"/>
-          </a:xfrm>
-          <a:prstGeom prst="rect">
-            <a:avLst/>
-          </a:prstGeom>
-        </p:spPr>
-        <p:txBody>
-          <a:bodyPr lIns="0" tIns="0" rIns="0" bIns="0">
-            <a:normAutofit fontScale="92500"/>
-          </a:bodyPr>
-          <a:lstStyle>
-            <a:lvl1pPr marL="228600" indent="-228600" algn="l" defTabSz="914400" rtl="0" eaLnBrk="1" latinLnBrk="0" hangingPunct="1">
-              <a:lnSpc>
-                <a:spcPct val="90000"/>
-              </a:lnSpc>
-              <a:spcBef>
-                <a:spcPts val="1000"/>
-              </a:spcBef>
-              <a:buFont typeface="Arial"/>
-              <a:buChar char="•"/>
-              <a:defRPr sz="2800" kern="1200">
-                <a:solidFill>
-                  <a:schemeClr val="tx1"/>
-                </a:solidFill>
-                <a:latin typeface="Arial" charset="0"/>
-                <a:ea typeface="Arial" charset="0"/>
-                <a:cs typeface="Arial" charset="0"/>
-              </a:defRPr>
-            </a:lvl1pPr>
-            <a:lvl2pPr marL="685800" indent="-228600" algn="l" defTabSz="914400" rtl="0" eaLnBrk="1" latinLnBrk="0" hangingPunct="1">
-              <a:lnSpc>
-                <a:spcPct val="90000"/>
-              </a:lnSpc>
-              <a:spcBef>
-                <a:spcPts val="500"/>
-              </a:spcBef>
-              <a:buFont typeface="Arial"/>
-              <a:buChar char="•"/>
-              <a:defRPr sz="2400" kern="1200">
-                <a:solidFill>
-                  <a:schemeClr val="tx1"/>
-                </a:solidFill>
-                <a:latin typeface="Arial" charset="0"/>
-                <a:ea typeface="Arial" charset="0"/>
-                <a:cs typeface="Arial" charset="0"/>
-              </a:defRPr>
-            </a:lvl2pPr>
-            <a:lvl3pPr marL="1143000" indent="-228600" algn="l" defTabSz="914400" rtl="0" eaLnBrk="1" latinLnBrk="0" hangingPunct="1">
-              <a:lnSpc>
-                <a:spcPct val="90000"/>
-              </a:lnSpc>
-              <a:spcBef>
-                <a:spcPts val="500"/>
-              </a:spcBef>
-              <a:buFont typeface="Arial"/>
-              <a:buChar char="•"/>
-              <a:defRPr sz="2000" kern="1200">
-                <a:solidFill>
-                  <a:schemeClr val="tx1"/>
-                </a:solidFill>
-                <a:latin typeface="Arial" charset="0"/>
-                <a:ea typeface="Arial" charset="0"/>
-                <a:cs typeface="Arial" charset="0"/>
-              </a:defRPr>
-            </a:lvl3pPr>
-            <a:lvl4pPr marL="1600200" indent="-228600" algn="l" defTabSz="914400" rtl="0" eaLnBrk="1" latinLnBrk="0" hangingPunct="1">
-              <a:lnSpc>
-                <a:spcPct val="90000"/>
-              </a:lnSpc>
-              <a:spcBef>
-                <a:spcPts val="500"/>
-              </a:spcBef>
-              <a:buFont typeface="Arial"/>
-              <a:buChar char="•"/>
-              <a:defRPr sz="1800" kern="1200">
-                <a:solidFill>
-                  <a:schemeClr val="tx1"/>
-                </a:solidFill>
-                <a:latin typeface="Arial" charset="0"/>
-                <a:ea typeface="Arial" charset="0"/>
-                <a:cs typeface="Arial" charset="0"/>
-              </a:defRPr>
-            </a:lvl4pPr>
-            <a:lvl5pPr marL="2057400" indent="-228600" algn="l" defTabSz="914400" rtl="0" eaLnBrk="1" latinLnBrk="0" hangingPunct="1">
-              <a:lnSpc>
-                <a:spcPct val="90000"/>
-              </a:lnSpc>
-              <a:spcBef>
-                <a:spcPts val="500"/>
-              </a:spcBef>
-              <a:buFont typeface="Arial"/>
-              <a:buChar char="•"/>
-              <a:defRPr sz="1800" kern="1200">
-                <a:solidFill>
-                  <a:schemeClr val="tx1"/>
-                </a:solidFill>
-                <a:latin typeface="Arial" charset="0"/>
-                <a:ea typeface="Arial" charset="0"/>
-                <a:cs typeface="Arial" charset="0"/>
-              </a:defRPr>
-            </a:lvl5pPr>
-            <a:lvl6pPr marL="2514600" indent="-228600" algn="l" defTabSz="914400" rtl="0" eaLnBrk="1" latinLnBrk="0" hangingPunct="1">
-              <a:lnSpc>
-                <a:spcPct val="90000"/>
-              </a:lnSpc>
-              <a:spcBef>
-                <a:spcPts val="500"/>
-              </a:spcBef>
-              <a:buFont typeface="Arial"/>
-              <a:buChar char="•"/>
-              <a:defRPr sz="1800" kern="1200">
-                <a:solidFill>
-                  <a:schemeClr val="tx1"/>
-                </a:solidFill>
-                <a:latin typeface="+mn-lt"/>
-                <a:ea typeface="+mn-ea"/>
-                <a:cs typeface="+mn-cs"/>
-              </a:defRPr>
-            </a:lvl6pPr>
-            <a:lvl7pPr marL="2971800" indent="-228600" algn="l" defTabSz="914400" rtl="0" eaLnBrk="1" latinLnBrk="0" hangingPunct="1">
-              <a:lnSpc>
-                <a:spcPct val="90000"/>
-              </a:lnSpc>
-              <a:spcBef>
-                <a:spcPts val="500"/>
-              </a:spcBef>
-              <a:buFont typeface="Arial"/>
-              <a:buChar char="•"/>
-              <a:defRPr sz="1800" kern="1200">
-                <a:solidFill>
-                  <a:schemeClr val="tx1"/>
-                </a:solidFill>
-                <a:latin typeface="+mn-lt"/>
-                <a:ea typeface="+mn-ea"/>
-                <a:cs typeface="+mn-cs"/>
-              </a:defRPr>
-            </a:lvl7pPr>
-            <a:lvl8pPr marL="3429000" indent="-228600" algn="l" defTabSz="914400" rtl="0" eaLnBrk="1" latinLnBrk="0" hangingPunct="1">
-              <a:lnSpc>
-                <a:spcPct val="90000"/>
-              </a:lnSpc>
-              <a:spcBef>
-                <a:spcPts val="500"/>
-              </a:spcBef>
-              <a:buFont typeface="Arial"/>
-              <a:buChar char="•"/>
-              <a:defRPr sz="1800" kern="1200">
-                <a:solidFill>
-                  <a:schemeClr val="tx1"/>
-                </a:solidFill>
-                <a:latin typeface="+mn-lt"/>
-                <a:ea typeface="+mn-ea"/>
-                <a:cs typeface="+mn-cs"/>
-              </a:defRPr>
-            </a:lvl8pPr>
-            <a:lvl9pPr marL="3886200" indent="-228600" algn="l" defTabSz="914400" rtl="0" eaLnBrk="1" latinLnBrk="0" hangingPunct="1">
-              <a:lnSpc>
-                <a:spcPct val="90000"/>
-              </a:lnSpc>
-              <a:spcBef>
-                <a:spcPts val="500"/>
-              </a:spcBef>
-              <a:buFont typeface="Arial"/>
-              <a:buChar char="•"/>
-              <a:defRPr sz="1800" kern="1200">
-                <a:solidFill>
-                  <a:schemeClr val="tx1"/>
-                </a:solidFill>
-                <a:latin typeface="+mn-lt"/>
-                <a:ea typeface="+mn-ea"/>
-                <a:cs typeface="+mn-cs"/>
-              </a:defRPr>
-            </a:lvl9pPr>
-          </a:lstStyle>
-          <a:p>
-            <a:pPr marL="0" indent="0">
-              <a:lnSpc>
-                <a:spcPct val="150000"/>
-              </a:lnSpc>
-              <a:spcBef>
-                <a:spcPts val="0"/>
-              </a:spcBef>
-              <a:spcAft>
-                <a:spcPts val="600"/>
-              </a:spcAft>
-              <a:buFont typeface="Arial"/>
-              <a:buNone/>
-            </a:pPr>
-            <a:r>
-              <a:rPr lang="en-GB" sz="1300" dirty="0"/>
-              <a:t>Content slide</a:t>
-            </a:r>
-          </a:p>
-          <a:p>
-            <a:pPr marL="0" indent="0">
-              <a:lnSpc>
-                <a:spcPct val="150000"/>
-              </a:lnSpc>
-              <a:spcBef>
-                <a:spcPts val="0"/>
-              </a:spcBef>
-              <a:spcAft>
-                <a:spcPts val="600"/>
-              </a:spcAft>
-              <a:buFont typeface="Arial"/>
-              <a:buNone/>
-            </a:pPr>
-            <a:r>
-              <a:rPr lang="en-GB" sz="1300" dirty="0"/>
-              <a:t>Image to right  - Squared off / Coloured M logo</a:t>
-            </a:r>
-          </a:p>
-        </p:txBody>
-      </p:sp>
-    </p:spTree>
-    <p:extLst>
-      <p:ext uri="{BB962C8B-B14F-4D97-AF65-F5344CB8AC3E}">
-        <p14:creationId xmlns:p14="http://schemas.microsoft.com/office/powerpoint/2010/main" val="3729472458"/>
+        <p14:creationId xmlns:p14="http://schemas.microsoft.com/office/powerpoint/2010/main" val="160873139"/>
       </p:ext>
     </p:extLst>
   </p:cSld>
@@ -12271,7 +7766,7 @@
         <p:spPr>
           <a:xfrm>
             <a:off x="1080000" y="3229761"/>
-            <a:ext cx="781752" cy="1733054"/>
+            <a:ext cx="781752" cy="1451296"/>
           </a:xfrm>
           <a:prstGeom prst="round2DiagRect">
             <a:avLst>
@@ -12330,7 +7825,7 @@
         </p:nvSpPr>
         <p:spPr>
           <a:xfrm>
-            <a:off x="1080000" y="5061858"/>
+            <a:off x="1080000" y="4786273"/>
             <a:ext cx="781752" cy="356100"/>
           </a:xfrm>
           <a:prstGeom prst="round2DiagRect">
@@ -12587,7 +8082,7 @@
                 <a:ea typeface="Open Sans Light" panose="020B0306030504020204" pitchFamily="34" charset="0"/>
                 <a:cs typeface="Open Sans Light" panose="020B0306030504020204" pitchFamily="34" charset="0"/>
               </a:rPr>
-              <a:t>What is Shiny?</a:t>
+              <a:t>What is shiny?</a:t>
             </a:r>
           </a:p>
         </p:txBody>
@@ -12608,7 +8103,7 @@
         </p:nvSpPr>
         <p:spPr>
           <a:xfrm>
-            <a:off x="2092410" y="4905829"/>
+            <a:off x="2092409" y="4784542"/>
             <a:ext cx="9003219" cy="543084"/>
           </a:xfrm>
           <a:prstGeom prst="rect">
@@ -13019,7 +8514,7 @@
                 <a:ea typeface="Open Sans Light" panose="020B0306030504020204" pitchFamily="34" charset="0"/>
                 <a:cs typeface="Open Sans Light" panose="020B0306030504020204" pitchFamily="34" charset="0"/>
               </a:rPr>
-              <a:t>Build some apps</a:t>
+              <a:t>Building apps</a:t>
             </a:r>
           </a:p>
         </p:txBody>
@@ -13265,125 +8760,89 @@
           </a:p>
         </p:txBody>
       </p:sp>
-    </p:spTree>
-    <p:extLst>
-      <p:ext uri="{BB962C8B-B14F-4D97-AF65-F5344CB8AC3E}">
-        <p14:creationId xmlns:p14="http://schemas.microsoft.com/office/powerpoint/2010/main" val="909037107"/>
-      </p:ext>
-    </p:extLst>
-  </p:cSld>
-  <p:clrMapOvr>
-    <a:masterClrMapping/>
-  </p:clrMapOvr>
-  <mc:AlternateContent xmlns:mc="http://schemas.openxmlformats.org/markup-compatibility/2006" xmlns:p14="http://schemas.microsoft.com/office/powerpoint/2010/main">
-    <mc:Choice Requires="p14">
-      <p:transition spd="med" p14:dur="700">
-        <p:fade/>
-      </p:transition>
-    </mc:Choice>
-    <mc:Fallback xmlns="">
-      <p:transition spd="med">
-        <p:fade/>
-      </p:transition>
-    </mc:Fallback>
-  </mc:AlternateContent>
-</p:sld>
-</file>
-
-<file path=ppt/slides/slide20.xml><?xml version="1.0" encoding="utf-8"?>
-<p:sld xmlns:a="http://schemas.openxmlformats.org/drawingml/2006/main" xmlns:r="http://schemas.openxmlformats.org/officeDocument/2006/relationships" xmlns:p="http://schemas.openxmlformats.org/presentationml/2006/main">
-  <p:cSld>
-    <p:spTree>
-      <p:nvGrpSpPr>
-        <p:cNvPr id="1" name=""/>
-        <p:cNvGrpSpPr/>
-        <p:nvPr/>
-      </p:nvGrpSpPr>
-      <p:grpSpPr>
-        <a:xfrm>
-          <a:off x="0" y="0"/>
-          <a:ext cx="0" cy="0"/>
-          <a:chOff x="0" y="0"/>
-          <a:chExt cx="0" cy="0"/>
-        </a:xfrm>
-      </p:grpSpPr>
-      <p:pic>
-        <p:nvPicPr>
-          <p:cNvPr id="7" name="Picture 6"/>
-          <p:cNvPicPr>
-            <a:picLocks noChangeAspect="1"/>
-          </p:cNvPicPr>
+      <p:sp>
+        <p:nvSpPr>
+          <p:cNvPr id="12" name="Round Diagonal Corner Rectangle 1">
+            <a:extLst>
+              <a:ext uri="{FF2B5EF4-FFF2-40B4-BE49-F238E27FC236}">
+                <a16:creationId xmlns:a16="http://schemas.microsoft.com/office/drawing/2014/main" id="{13C3C4B5-1D6F-4415-AE53-82DA663F7007}"/>
+              </a:ext>
+            </a:extLst>
+          </p:cNvPr>
+          <p:cNvSpPr/>
           <p:nvPr/>
-        </p:nvPicPr>
-        <p:blipFill>
-          <a:blip r:embed="rId2"/>
-          <a:stretch>
-            <a:fillRect/>
-          </a:stretch>
-        </p:blipFill>
+        </p:nvSpPr>
         <p:spPr>
           <a:xfrm>
-            <a:off x="3694938" y="0"/>
-            <a:ext cx="8497062" cy="6858000"/>
+            <a:off x="1080000" y="5236647"/>
+            <a:ext cx="781752" cy="356100"/>
+          </a:xfrm>
+          <a:prstGeom prst="round2DiagRect">
+            <a:avLst>
+              <a:gd name="adj1" fmla="val 14096"/>
+              <a:gd name="adj2" fmla="val 0"/>
+            </a:avLst>
+          </a:prstGeom>
+          <a:solidFill>
+            <a:schemeClr val="accent3"/>
+          </a:solidFill>
+          <a:ln>
+            <a:noFill/>
+          </a:ln>
+          <a:effectLst/>
+        </p:spPr>
+        <p:style>
+          <a:lnRef idx="2">
+            <a:schemeClr val="accent1">
+              <a:shade val="50000"/>
+            </a:schemeClr>
+          </a:lnRef>
+          <a:fillRef idx="1">
+            <a:schemeClr val="accent1"/>
+          </a:fillRef>
+          <a:effectRef idx="0">
+            <a:schemeClr val="accent1"/>
+          </a:effectRef>
+          <a:fontRef idx="minor">
+            <a:schemeClr val="lt1"/>
+          </a:fontRef>
+        </p:style>
+        <p:txBody>
+          <a:bodyPr rtlCol="0" anchor="ctr"/>
+          <a:lstStyle/>
+          <a:p>
+            <a:pPr algn="ctr"/>
+            <a:endParaRPr lang="en-US">
+              <a:latin typeface="Open Sans Light" panose="020B0306030504020204" pitchFamily="34" charset="0"/>
+              <a:ea typeface="Open Sans Light" panose="020B0306030504020204" pitchFamily="34" charset="0"/>
+              <a:cs typeface="Open Sans Light" panose="020B0306030504020204" pitchFamily="34" charset="0"/>
+            </a:endParaRPr>
+          </a:p>
+        </p:txBody>
+      </p:sp>
+      <p:sp>
+        <p:nvSpPr>
+          <p:cNvPr id="13" name="Content Placeholder 2">
+            <a:extLst>
+              <a:ext uri="{FF2B5EF4-FFF2-40B4-BE49-F238E27FC236}">
+                <a16:creationId xmlns:a16="http://schemas.microsoft.com/office/drawing/2014/main" id="{A732E10A-5121-480C-9A17-1F90F11C006D}"/>
+              </a:ext>
+            </a:extLst>
+          </p:cNvPr>
+          <p:cNvSpPr txBox="1">
+            <a:spLocks/>
+          </p:cNvSpPr>
+          <p:nvPr/>
+        </p:nvSpPr>
+        <p:spPr>
+          <a:xfrm>
+            <a:off x="2092409" y="5234916"/>
+            <a:ext cx="9003219" cy="543084"/>
           </a:xfrm>
           <a:prstGeom prst="rect">
             <a:avLst/>
           </a:prstGeom>
         </p:spPr>
-      </p:pic>
-      <p:pic>
-        <p:nvPicPr>
-          <p:cNvPr id="4" name="Picture 3">
-            <a:extLst>
-              <a:ext uri="{FF2B5EF4-FFF2-40B4-BE49-F238E27FC236}">
-                <a16:creationId xmlns:a16="http://schemas.microsoft.com/office/drawing/2014/main" id="{B9F730AB-2062-FF49-8E05-EEA4F27D10BD}"/>
-              </a:ext>
-            </a:extLst>
-          </p:cNvPr>
-          <p:cNvPicPr>
-            <a:picLocks noChangeAspect="1"/>
-          </p:cNvPicPr>
-          <p:nvPr/>
-        </p:nvPicPr>
-        <p:blipFill>
-          <a:blip r:embed="rId3"/>
-          <a:stretch>
-            <a:fillRect/>
-          </a:stretch>
-        </p:blipFill>
-        <p:spPr>
-          <a:xfrm>
-            <a:off x="-7118" y="0"/>
-            <a:ext cx="12199118" cy="6862004"/>
-          </a:xfrm>
-          <a:prstGeom prst="rect">
-            <a:avLst/>
-          </a:prstGeom>
-        </p:spPr>
-      </p:pic>
-      <p:sp>
-        <p:nvSpPr>
-          <p:cNvPr id="9" name="Content Placeholder 2">
-            <a:extLst>
-              <a:ext uri="{FF2B5EF4-FFF2-40B4-BE49-F238E27FC236}">
-                <a16:creationId xmlns:a16="http://schemas.microsoft.com/office/drawing/2014/main" id="{60075D90-1DF5-488E-BB92-E74E47402587}"/>
-              </a:ext>
-            </a:extLst>
-          </p:cNvPr>
-          <p:cNvSpPr txBox="1">
-            <a:spLocks/>
-          </p:cNvSpPr>
-          <p:nvPr/>
-        </p:nvSpPr>
-        <p:spPr>
-          <a:xfrm>
-            <a:off x="-1" y="-1148048"/>
-            <a:ext cx="6056851" cy="844759"/>
-          </a:xfrm>
-          <a:prstGeom prst="rect">
-            <a:avLst/>
-          </a:prstGeom>
-        </p:spPr>
         <p:txBody>
           <a:bodyPr lIns="0" tIns="0" rIns="0" bIns="0">
             <a:normAutofit/>
@@ -13566,331 +9025,21 @@
               <a:buFont typeface="Arial"/>
               <a:buNone/>
             </a:pPr>
-            <a:endParaRPr lang="en-GB" sz="1300" b="1" dirty="0">
-              <a:solidFill>
-                <a:srgbClr val="0C1938"/>
-              </a:solidFill>
-            </a:endParaRPr>
-          </a:p>
-          <a:p>
-            <a:pPr marL="0" indent="0">
-              <a:lnSpc>
-                <a:spcPct val="150000"/>
-              </a:lnSpc>
-              <a:spcBef>
-                <a:spcPts val="0"/>
-              </a:spcBef>
-              <a:spcAft>
-                <a:spcPts val="600"/>
-              </a:spcAft>
-              <a:buFont typeface="Arial"/>
-              <a:buNone/>
-            </a:pPr>
-            <a:r>
-              <a:rPr lang="en-GB" sz="1800" b="1" dirty="0">
-                <a:solidFill>
-                  <a:srgbClr val="0C1938"/>
-                </a:solidFill>
+            <a:r>
+              <a:rPr lang="en-GB" sz="1800" dirty="0">
                 <a:latin typeface="Open Sans Light" panose="020B0306030504020204" pitchFamily="34" charset="0"/>
                 <a:ea typeface="Open Sans Light" panose="020B0306030504020204" pitchFamily="34" charset="0"/>
                 <a:cs typeface="Open Sans Light" panose="020B0306030504020204" pitchFamily="34" charset="0"/>
               </a:rPr>
-              <a:t>Section title </a:t>
-            </a:r>
-            <a:r>
-              <a:rPr lang="en-GB" sz="1800" dirty="0">
-                <a:solidFill>
-                  <a:srgbClr val="0C1938"/>
-                </a:solidFill>
-                <a:latin typeface="Open Sans Light" panose="020B0306030504020204" pitchFamily="34" charset="0"/>
-                <a:ea typeface="Open Sans Light" panose="020B0306030504020204" pitchFamily="34" charset="0"/>
-                <a:cs typeface="Open Sans Light" panose="020B0306030504020204" pitchFamily="34" charset="0"/>
-              </a:rPr>
-              <a:t>– Flat colour – Image sent to back</a:t>
-            </a:r>
-          </a:p>
-        </p:txBody>
-      </p:sp>
-      <p:sp>
-        <p:nvSpPr>
-          <p:cNvPr id="20" name="Title 1">
-            <a:extLst>
-              <a:ext uri="{FF2B5EF4-FFF2-40B4-BE49-F238E27FC236}">
-                <a16:creationId xmlns:a16="http://schemas.microsoft.com/office/drawing/2014/main" id="{830B5846-D686-524C-B028-D57F158008CC}"/>
-              </a:ext>
-            </a:extLst>
-          </p:cNvPr>
-          <p:cNvSpPr txBox="1">
-            <a:spLocks/>
-          </p:cNvSpPr>
-          <p:nvPr/>
-        </p:nvSpPr>
-        <p:spPr>
-          <a:xfrm>
-            <a:off x="1079999" y="4071371"/>
-            <a:ext cx="7443027" cy="599848"/>
-          </a:xfrm>
-          <a:prstGeom prst="rect">
-            <a:avLst/>
-          </a:prstGeom>
-          <a:effectLst/>
-        </p:spPr>
-        <p:txBody>
-          <a:bodyPr vert="horz" lIns="0" tIns="0" rIns="0" bIns="0" rtlCol="0" anchor="ctr">
-            <a:noAutofit/>
-          </a:bodyPr>
-          <a:lstStyle>
-            <a:lvl1pPr algn="l" defTabSz="914400" rtl="0" eaLnBrk="1" latinLnBrk="0" hangingPunct="1">
-              <a:lnSpc>
-                <a:spcPct val="90000"/>
-              </a:lnSpc>
-              <a:spcBef>
-                <a:spcPct val="0"/>
-              </a:spcBef>
-              <a:buNone/>
-              <a:defRPr sz="4400" kern="1200">
-                <a:solidFill>
-                  <a:schemeClr val="tx1"/>
-                </a:solidFill>
-                <a:latin typeface="Arial" charset="0"/>
-                <a:ea typeface="Arial" charset="0"/>
-                <a:cs typeface="Arial" charset="0"/>
-              </a:defRPr>
-            </a:lvl1pPr>
-          </a:lstStyle>
-          <a:p>
-            <a:r>
-              <a:rPr lang="en-GB" sz="4000" b="1" dirty="0">
-                <a:solidFill>
-                  <a:schemeClr val="bg1"/>
-                </a:solidFill>
-                <a:latin typeface="Open Sans Light" panose="020B0306030504020204" pitchFamily="34" charset="0"/>
-                <a:ea typeface="Open Sans Light" panose="020B0306030504020204" pitchFamily="34" charset="0"/>
-                <a:cs typeface="Open Sans Light" panose="020B0306030504020204" pitchFamily="34" charset="0"/>
-              </a:rPr>
-              <a:t>Questions?</a:t>
-            </a:r>
-            <a:endParaRPr lang="en-US" sz="4000" b="1" dirty="0">
-              <a:solidFill>
-                <a:schemeClr val="bg1"/>
-              </a:solidFill>
-              <a:latin typeface="Open Sans Light" panose="020B0306030504020204" pitchFamily="34" charset="0"/>
-              <a:ea typeface="Open Sans Light" panose="020B0306030504020204" pitchFamily="34" charset="0"/>
-              <a:cs typeface="Open Sans Light" panose="020B0306030504020204" pitchFamily="34" charset="0"/>
-            </a:endParaRPr>
-          </a:p>
-        </p:txBody>
-      </p:sp>
-      <p:sp>
-        <p:nvSpPr>
-          <p:cNvPr id="21" name="Subtitle 2">
-            <a:extLst>
-              <a:ext uri="{FF2B5EF4-FFF2-40B4-BE49-F238E27FC236}">
-                <a16:creationId xmlns:a16="http://schemas.microsoft.com/office/drawing/2014/main" id="{04EAD5A3-C436-534F-8AF7-5205163F885E}"/>
-              </a:ext>
-            </a:extLst>
-          </p:cNvPr>
-          <p:cNvSpPr txBox="1">
-            <a:spLocks/>
-          </p:cNvSpPr>
-          <p:nvPr/>
-        </p:nvSpPr>
-        <p:spPr>
-          <a:xfrm>
-            <a:off x="1080000" y="3783580"/>
-            <a:ext cx="2119086" cy="287791"/>
-          </a:xfrm>
-          <a:prstGeom prst="rect">
-            <a:avLst/>
-          </a:prstGeom>
-        </p:spPr>
-        <p:txBody>
-          <a:bodyPr lIns="0" tIns="0" rIns="0" bIns="0">
-            <a:normAutofit/>
-          </a:bodyPr>
-          <a:lstStyle>
-            <a:lvl1pPr marL="228600" indent="-228600" algn="l" defTabSz="914400" rtl="0" eaLnBrk="1" latinLnBrk="0" hangingPunct="1">
-              <a:lnSpc>
-                <a:spcPct val="90000"/>
-              </a:lnSpc>
-              <a:spcBef>
-                <a:spcPts val="1000"/>
-              </a:spcBef>
-              <a:buFont typeface="Arial"/>
-              <a:buChar char="•"/>
-              <a:defRPr sz="2800" kern="1200">
-                <a:solidFill>
-                  <a:schemeClr val="tx1"/>
-                </a:solidFill>
-                <a:latin typeface="Arial" charset="0"/>
-                <a:ea typeface="Arial" charset="0"/>
-                <a:cs typeface="Arial" charset="0"/>
-              </a:defRPr>
-            </a:lvl1pPr>
-            <a:lvl2pPr marL="685800" indent="-228600" algn="l" defTabSz="914400" rtl="0" eaLnBrk="1" latinLnBrk="0" hangingPunct="1">
-              <a:lnSpc>
-                <a:spcPct val="90000"/>
-              </a:lnSpc>
-              <a:spcBef>
-                <a:spcPts val="500"/>
-              </a:spcBef>
-              <a:buFont typeface="Arial"/>
-              <a:buChar char="•"/>
-              <a:defRPr sz="2400" kern="1200">
-                <a:solidFill>
-                  <a:schemeClr val="tx1"/>
-                </a:solidFill>
-                <a:latin typeface="Arial" charset="0"/>
-                <a:ea typeface="Arial" charset="0"/>
-                <a:cs typeface="Arial" charset="0"/>
-              </a:defRPr>
-            </a:lvl2pPr>
-            <a:lvl3pPr marL="1143000" indent="-228600" algn="l" defTabSz="914400" rtl="0" eaLnBrk="1" latinLnBrk="0" hangingPunct="1">
-              <a:lnSpc>
-                <a:spcPct val="90000"/>
-              </a:lnSpc>
-              <a:spcBef>
-                <a:spcPts val="500"/>
-              </a:spcBef>
-              <a:buFont typeface="Arial"/>
-              <a:buChar char="•"/>
-              <a:defRPr sz="2000" kern="1200">
-                <a:solidFill>
-                  <a:schemeClr val="tx1"/>
-                </a:solidFill>
-                <a:latin typeface="Arial" charset="0"/>
-                <a:ea typeface="Arial" charset="0"/>
-                <a:cs typeface="Arial" charset="0"/>
-              </a:defRPr>
-            </a:lvl3pPr>
-            <a:lvl4pPr marL="1600200" indent="-228600" algn="l" defTabSz="914400" rtl="0" eaLnBrk="1" latinLnBrk="0" hangingPunct="1">
-              <a:lnSpc>
-                <a:spcPct val="90000"/>
-              </a:lnSpc>
-              <a:spcBef>
-                <a:spcPts val="500"/>
-              </a:spcBef>
-              <a:buFont typeface="Arial"/>
-              <a:buChar char="•"/>
-              <a:defRPr sz="1800" kern="1200">
-                <a:solidFill>
-                  <a:schemeClr val="tx1"/>
-                </a:solidFill>
-                <a:latin typeface="Arial" charset="0"/>
-                <a:ea typeface="Arial" charset="0"/>
-                <a:cs typeface="Arial" charset="0"/>
-              </a:defRPr>
-            </a:lvl4pPr>
-            <a:lvl5pPr marL="2057400" indent="-228600" algn="l" defTabSz="914400" rtl="0" eaLnBrk="1" latinLnBrk="0" hangingPunct="1">
-              <a:lnSpc>
-                <a:spcPct val="90000"/>
-              </a:lnSpc>
-              <a:spcBef>
-                <a:spcPts val="500"/>
-              </a:spcBef>
-              <a:buFont typeface="Arial"/>
-              <a:buChar char="•"/>
-              <a:defRPr sz="1800" kern="1200">
-                <a:solidFill>
-                  <a:schemeClr val="tx1"/>
-                </a:solidFill>
-                <a:latin typeface="Arial" charset="0"/>
-                <a:ea typeface="Arial" charset="0"/>
-                <a:cs typeface="Arial" charset="0"/>
-              </a:defRPr>
-            </a:lvl5pPr>
-            <a:lvl6pPr marL="2514600" indent="-228600" algn="l" defTabSz="914400" rtl="0" eaLnBrk="1" latinLnBrk="0" hangingPunct="1">
-              <a:lnSpc>
-                <a:spcPct val="90000"/>
-              </a:lnSpc>
-              <a:spcBef>
-                <a:spcPts val="500"/>
-              </a:spcBef>
-              <a:buFont typeface="Arial"/>
-              <a:buChar char="•"/>
-              <a:defRPr sz="1800" kern="1200">
-                <a:solidFill>
-                  <a:schemeClr val="tx1"/>
-                </a:solidFill>
-                <a:latin typeface="+mn-lt"/>
-                <a:ea typeface="+mn-ea"/>
-                <a:cs typeface="+mn-cs"/>
-              </a:defRPr>
-            </a:lvl6pPr>
-            <a:lvl7pPr marL="2971800" indent="-228600" algn="l" defTabSz="914400" rtl="0" eaLnBrk="1" latinLnBrk="0" hangingPunct="1">
-              <a:lnSpc>
-                <a:spcPct val="90000"/>
-              </a:lnSpc>
-              <a:spcBef>
-                <a:spcPts val="500"/>
-              </a:spcBef>
-              <a:buFont typeface="Arial"/>
-              <a:buChar char="•"/>
-              <a:defRPr sz="1800" kern="1200">
-                <a:solidFill>
-                  <a:schemeClr val="tx1"/>
-                </a:solidFill>
-                <a:latin typeface="+mn-lt"/>
-                <a:ea typeface="+mn-ea"/>
-                <a:cs typeface="+mn-cs"/>
-              </a:defRPr>
-            </a:lvl7pPr>
-            <a:lvl8pPr marL="3429000" indent="-228600" algn="l" defTabSz="914400" rtl="0" eaLnBrk="1" latinLnBrk="0" hangingPunct="1">
-              <a:lnSpc>
-                <a:spcPct val="90000"/>
-              </a:lnSpc>
-              <a:spcBef>
-                <a:spcPts val="500"/>
-              </a:spcBef>
-              <a:buFont typeface="Arial"/>
-              <a:buChar char="•"/>
-              <a:defRPr sz="1800" kern="1200">
-                <a:solidFill>
-                  <a:schemeClr val="tx1"/>
-                </a:solidFill>
-                <a:latin typeface="+mn-lt"/>
-                <a:ea typeface="+mn-ea"/>
-                <a:cs typeface="+mn-cs"/>
-              </a:defRPr>
-            </a:lvl8pPr>
-            <a:lvl9pPr marL="3886200" indent="-228600" algn="l" defTabSz="914400" rtl="0" eaLnBrk="1" latinLnBrk="0" hangingPunct="1">
-              <a:lnSpc>
-                <a:spcPct val="90000"/>
-              </a:lnSpc>
-              <a:spcBef>
-                <a:spcPts val="500"/>
-              </a:spcBef>
-              <a:buFont typeface="Arial"/>
-              <a:buChar char="•"/>
-              <a:defRPr sz="1800" kern="1200">
-                <a:solidFill>
-                  <a:schemeClr val="tx1"/>
-                </a:solidFill>
-                <a:latin typeface="+mn-lt"/>
-                <a:ea typeface="+mn-ea"/>
-                <a:cs typeface="+mn-cs"/>
-              </a:defRPr>
-            </a:lvl9pPr>
-          </a:lstStyle>
-          <a:p>
-            <a:pPr marL="0" indent="0">
-              <a:buNone/>
-            </a:pPr>
-            <a:endParaRPr lang="en-GB" sz="1800" b="1" dirty="0">
-              <a:solidFill>
-                <a:schemeClr val="bg1"/>
-              </a:solidFill>
-              <a:latin typeface="Open Sans Light" panose="020B0306030504020204" pitchFamily="34" charset="0"/>
-              <a:ea typeface="Open Sans Light" panose="020B0306030504020204" pitchFamily="34" charset="0"/>
-              <a:cs typeface="Open Sans Light" panose="020B0306030504020204" pitchFamily="34" charset="0"/>
-            </a:endParaRPr>
+              <a:t>Questions</a:t>
+            </a:r>
           </a:p>
         </p:txBody>
       </p:sp>
     </p:spTree>
     <p:extLst>
       <p:ext uri="{BB962C8B-B14F-4D97-AF65-F5344CB8AC3E}">
-        <p14:creationId xmlns:p14="http://schemas.microsoft.com/office/powerpoint/2010/main" val="160873139"/>
+        <p14:creationId xmlns:p14="http://schemas.microsoft.com/office/powerpoint/2010/main" val="909037107"/>
       </p:ext>
     </p:extLst>
   </p:cSld>
@@ -13931,7 +9080,13 @@
       </p:grpSpPr>
       <p:pic>
         <p:nvPicPr>
-          <p:cNvPr id="7" name="Picture 6"/>
+          <p:cNvPr id="10" name="Picture 9" descr="A picture containing text, jigsaw puzzle, light, flock&#10;&#10;Description automatically generated">
+            <a:extLst>
+              <a:ext uri="{FF2B5EF4-FFF2-40B4-BE49-F238E27FC236}">
+                <a16:creationId xmlns:a16="http://schemas.microsoft.com/office/drawing/2014/main" id="{44D4B20A-03AD-4BCC-820C-1EDC314EAC3B}"/>
+              </a:ext>
+            </a:extLst>
+          </p:cNvPr>
           <p:cNvPicPr>
             <a:picLocks noChangeAspect="1"/>
           </p:cNvPicPr>
@@ -13945,8 +9100,8 @@
         </p:blipFill>
         <p:spPr>
           <a:xfrm>
-            <a:off x="3694938" y="0"/>
-            <a:ext cx="8497062" cy="6858000"/>
+            <a:off x="3859345" y="-5808"/>
+            <a:ext cx="12478672" cy="6863270"/>
           </a:xfrm>
           <a:prstGeom prst="rect">
             <a:avLst/>
@@ -13975,7 +9130,7 @@
         </p:blipFill>
         <p:spPr>
           <a:xfrm>
-            <a:off x="-7118" y="0"/>
+            <a:off x="0" y="-4542"/>
             <a:ext cx="12199118" cy="6862004"/>
           </a:xfrm>
           <a:prstGeom prst="rect">
@@ -14535,124 +9690,6 @@
 </file>
 
 <file path=ppt/slides/slide4.xml><?xml version="1.0" encoding="utf-8"?>
-<p:sld xmlns:a="http://schemas.openxmlformats.org/drawingml/2006/main" xmlns:r="http://schemas.openxmlformats.org/officeDocument/2006/relationships" xmlns:p="http://schemas.openxmlformats.org/presentationml/2006/main">
-  <p:cSld>
-    <p:spTree>
-      <p:nvGrpSpPr>
-        <p:cNvPr id="1" name=""/>
-        <p:cNvGrpSpPr/>
-        <p:nvPr/>
-      </p:nvGrpSpPr>
-      <p:grpSpPr>
-        <a:xfrm>
-          <a:off x="0" y="0"/>
-          <a:ext cx="0" cy="0"/>
-          <a:chOff x="0" y="0"/>
-          <a:chExt cx="0" cy="0"/>
-        </a:xfrm>
-      </p:grpSpPr>
-      <p:sp>
-        <p:nvSpPr>
-          <p:cNvPr id="2" name="Title 1">
-            <a:extLst>
-              <a:ext uri="{FF2B5EF4-FFF2-40B4-BE49-F238E27FC236}">
-                <a16:creationId xmlns:a16="http://schemas.microsoft.com/office/drawing/2014/main" id="{A53B466A-A886-48DA-8974-ED06D08CE7E3}"/>
-              </a:ext>
-            </a:extLst>
-          </p:cNvPr>
-          <p:cNvSpPr>
-            <a:spLocks noGrp="1"/>
-          </p:cNvSpPr>
-          <p:nvPr>
-            <p:ph type="title"/>
-          </p:nvPr>
-        </p:nvSpPr>
-        <p:spPr/>
-        <p:txBody>
-          <a:bodyPr/>
-          <a:lstStyle/>
-          <a:p>
-            <a:r>
-              <a:rPr lang="en-GB" dirty="0"/>
-              <a:t>Why Visualisation?</a:t>
-            </a:r>
-          </a:p>
-        </p:txBody>
-      </p:sp>
-      <p:sp>
-        <p:nvSpPr>
-          <p:cNvPr id="4" name="Content Placeholder 3">
-            <a:extLst>
-              <a:ext uri="{FF2B5EF4-FFF2-40B4-BE49-F238E27FC236}">
-                <a16:creationId xmlns:a16="http://schemas.microsoft.com/office/drawing/2014/main" id="{36F4BF43-FC2D-4BCC-9B55-B9B8D75BBDE5}"/>
-              </a:ext>
-            </a:extLst>
-          </p:cNvPr>
-          <p:cNvSpPr>
-            <a:spLocks noGrp="1"/>
-          </p:cNvSpPr>
-          <p:nvPr>
-            <p:ph idx="1"/>
-          </p:nvPr>
-        </p:nvSpPr>
-        <p:spPr/>
-        <p:txBody>
-          <a:bodyPr/>
-          <a:lstStyle/>
-          <a:p>
-            <a:r>
-              <a:rPr lang="en-GB" dirty="0"/>
-              <a:t>The primary objective of a visualisation is to </a:t>
-            </a:r>
-            <a:r>
-              <a:rPr lang="en-GB" i="1" dirty="0"/>
-              <a:t>communicate</a:t>
-            </a:r>
-            <a:r>
-              <a:rPr lang="en-GB" dirty="0"/>
-              <a:t>.</a:t>
-            </a:r>
-          </a:p>
-          <a:p>
-            <a:r>
-              <a:rPr lang="en-GB" b="1" dirty="0"/>
-              <a:t>Explore</a:t>
-            </a:r>
-          </a:p>
-          <a:p>
-            <a:r>
-              <a:rPr lang="en-GB" b="1" dirty="0"/>
-              <a:t>Report</a:t>
-            </a:r>
-          </a:p>
-        </p:txBody>
-      </p:sp>
-    </p:spTree>
-    <p:extLst>
-      <p:ext uri="{BB962C8B-B14F-4D97-AF65-F5344CB8AC3E}">
-        <p14:creationId xmlns:p14="http://schemas.microsoft.com/office/powerpoint/2010/main" val="1772283566"/>
-      </p:ext>
-    </p:extLst>
-  </p:cSld>
-  <p:clrMapOvr>
-    <a:masterClrMapping/>
-  </p:clrMapOvr>
-  <mc:AlternateContent xmlns:mc="http://schemas.openxmlformats.org/markup-compatibility/2006" xmlns:p14="http://schemas.microsoft.com/office/powerpoint/2010/main">
-    <mc:Choice Requires="p14">
-      <p:transition spd="med" p14:dur="700">
-        <p:fade/>
-      </p:transition>
-    </mc:Choice>
-    <mc:Fallback xmlns="">
-      <p:transition spd="med">
-        <p:fade/>
-      </p:transition>
-    </mc:Fallback>
-  </mc:AlternateContent>
-</p:sld>
-</file>
-
-<file path=ppt/slides/slide5.xml><?xml version="1.0" encoding="utf-8"?>
 <p:sld xmlns:a="http://schemas.openxmlformats.org/drawingml/2006/main" xmlns:r="http://schemas.openxmlformats.org/officeDocument/2006/relationships" xmlns:p="http://schemas.openxmlformats.org/presentationml/2006/main">
   <p:cSld>
     <p:spTree>
@@ -14751,7 +9788,7 @@
 </p:sld>
 </file>
 
-<file path=ppt/slides/slide6.xml><?xml version="1.0" encoding="utf-8"?>
+<file path=ppt/slides/slide5.xml><?xml version="1.0" encoding="utf-8"?>
 <p:sld xmlns:a="http://schemas.openxmlformats.org/drawingml/2006/main" xmlns:r="http://schemas.openxmlformats.org/officeDocument/2006/relationships" xmlns:p="http://schemas.openxmlformats.org/presentationml/2006/main">
   <p:cSld>
     <p:spTree>
@@ -14850,6 +9887,122 @@
 </p:sld>
 </file>
 
+<file path=ppt/slides/slide6.xml><?xml version="1.0" encoding="utf-8"?>
+<p:sld xmlns:a="http://schemas.openxmlformats.org/drawingml/2006/main" xmlns:r="http://schemas.openxmlformats.org/officeDocument/2006/relationships" xmlns:p="http://schemas.openxmlformats.org/presentationml/2006/main">
+  <p:cSld>
+    <p:spTree>
+      <p:nvGrpSpPr>
+        <p:cNvPr id="1" name=""/>
+        <p:cNvGrpSpPr/>
+        <p:nvPr/>
+      </p:nvGrpSpPr>
+      <p:grpSpPr>
+        <a:xfrm>
+          <a:off x="0" y="0"/>
+          <a:ext cx="0" cy="0"/>
+          <a:chOff x="0" y="0"/>
+          <a:chExt cx="0" cy="0"/>
+        </a:xfrm>
+      </p:grpSpPr>
+      <p:sp>
+        <p:nvSpPr>
+          <p:cNvPr id="2" name="Title 1">
+            <a:extLst>
+              <a:ext uri="{FF2B5EF4-FFF2-40B4-BE49-F238E27FC236}">
+                <a16:creationId xmlns:a16="http://schemas.microsoft.com/office/drawing/2014/main" id="{74764C06-C869-4D0D-B559-12FE2A01DDD5}"/>
+              </a:ext>
+            </a:extLst>
+          </p:cNvPr>
+          <p:cNvSpPr>
+            <a:spLocks noGrp="1"/>
+          </p:cNvSpPr>
+          <p:nvPr>
+            <p:ph type="title"/>
+          </p:nvPr>
+        </p:nvSpPr>
+        <p:spPr/>
+        <p:txBody>
+          <a:bodyPr/>
+          <a:lstStyle/>
+          <a:p>
+            <a:r>
+              <a:rPr lang="en-GB" dirty="0"/>
+              <a:t>Why Visualisation?</a:t>
+            </a:r>
+          </a:p>
+        </p:txBody>
+      </p:sp>
+      <p:sp>
+        <p:nvSpPr>
+          <p:cNvPr id="3" name="Content Placeholder 2">
+            <a:extLst>
+              <a:ext uri="{FF2B5EF4-FFF2-40B4-BE49-F238E27FC236}">
+                <a16:creationId xmlns:a16="http://schemas.microsoft.com/office/drawing/2014/main" id="{8CC07100-9723-4D10-9033-B273C00CAFFC}"/>
+              </a:ext>
+            </a:extLst>
+          </p:cNvPr>
+          <p:cNvSpPr>
+            <a:spLocks noGrp="1"/>
+          </p:cNvSpPr>
+          <p:nvPr>
+            <p:ph idx="1"/>
+          </p:nvPr>
+        </p:nvSpPr>
+        <p:spPr/>
+        <p:txBody>
+          <a:bodyPr/>
+          <a:lstStyle/>
+          <a:p>
+            <a:r>
+              <a:rPr lang="en-GB" dirty="0"/>
+              <a:t>Explore data</a:t>
+            </a:r>
+          </a:p>
+          <a:p>
+            <a:r>
+              <a:rPr lang="en-GB" dirty="0"/>
+              <a:t>Spot trends or patterns</a:t>
+            </a:r>
+          </a:p>
+          <a:p>
+            <a:r>
+              <a:rPr lang="en-GB" dirty="0"/>
+              <a:t>Identify outliers</a:t>
+            </a:r>
+          </a:p>
+          <a:p>
+            <a:r>
+              <a:rPr lang="en-GB" dirty="0"/>
+              <a:t>Communicate results</a:t>
+            </a:r>
+          </a:p>
+        </p:txBody>
+      </p:sp>
+    </p:spTree>
+    <p:extLst>
+      <p:ext uri="{BB962C8B-B14F-4D97-AF65-F5344CB8AC3E}">
+        <p14:creationId xmlns:p14="http://schemas.microsoft.com/office/powerpoint/2010/main" val="1376891373"/>
+      </p:ext>
+    </p:extLst>
+  </p:cSld>
+  <p:clrMapOvr>
+    <a:masterClrMapping/>
+  </p:clrMapOvr>
+  <mc:AlternateContent xmlns:mc="http://schemas.openxmlformats.org/markup-compatibility/2006" xmlns:p14="http://schemas.microsoft.com/office/powerpoint/2010/main">
+    <mc:Choice Requires="p14">
+      <p:transition spd="med" p14:dur="700">
+        <p:fade/>
+      </p:transition>
+    </mc:Choice>
+    <mc:Fallback xmlns="">
+      <p:transition spd="med">
+        <p:fade/>
+      </p:transition>
+    </mc:Fallback>
+  </mc:AlternateContent>
+</p:sld>
+</file>
+
 <file path=ppt/slides/slide7.xml><?xml version="1.0" encoding="utf-8"?>
 <p:sld xmlns:a="http://schemas.openxmlformats.org/drawingml/2006/main" xmlns:r="http://schemas.openxmlformats.org/officeDocument/2006/relationships" xmlns:p="http://schemas.openxmlformats.org/presentationml/2006/main">
   <p:cSld>
@@ -14913,19 +10066,36 @@
         </p:nvSpPr>
         <p:spPr/>
         <p:txBody>
-          <a:bodyPr/>
+          <a:bodyPr>
+            <a:normAutofit/>
+          </a:bodyPr>
           <a:lstStyle/>
           <a:p>
             <a:r>
               <a:rPr lang="en-GB" dirty="0"/>
-              <a:t>Dynamic</a:t>
+              <a:t>Dynamically explore data</a:t>
             </a:r>
           </a:p>
           <a:p>
             <a:r>
               <a:rPr lang="en-GB" dirty="0"/>
-              <a:t>Up to date</a:t>
-            </a:r>
+              <a:t>Spot new trends or patterns</a:t>
+            </a:r>
+          </a:p>
+          <a:p>
+            <a:r>
+              <a:rPr lang="en-GB" dirty="0"/>
+              <a:t>Identify new outliers</a:t>
+            </a:r>
+          </a:p>
+          <a:p>
+            <a:r>
+              <a:rPr lang="en-GB" dirty="0"/>
+              <a:t>Communicate results while facilitating drill-down</a:t>
+            </a:r>
+          </a:p>
+          <a:p>
+            <a:endParaRPr lang="en-GB" dirty="0"/>
           </a:p>
           <a:p>
             <a:endParaRPr lang="en-GB" dirty="0"/>
@@ -14976,7 +10146,13 @@
       </p:grpSpPr>
       <p:pic>
         <p:nvPicPr>
-          <p:cNvPr id="7" name="Picture 6"/>
+          <p:cNvPr id="3" name="Picture 2" descr="A group of ice cubes&#10;&#10;Description automatically generated with low confidence">
+            <a:extLst>
+              <a:ext uri="{FF2B5EF4-FFF2-40B4-BE49-F238E27FC236}">
+                <a16:creationId xmlns:a16="http://schemas.microsoft.com/office/drawing/2014/main" id="{A149EAAB-5924-44B7-AA3B-3F430C107763}"/>
+              </a:ext>
+            </a:extLst>
+          </p:cNvPr>
           <p:cNvPicPr>
             <a:picLocks noChangeAspect="1"/>
           </p:cNvPicPr>
@@ -14990,8 +10166,8 @@
         </p:blipFill>
         <p:spPr>
           <a:xfrm>
-            <a:off x="3694938" y="0"/>
-            <a:ext cx="8497062" cy="6858000"/>
+            <a:off x="4422403" y="0"/>
+            <a:ext cx="12221642" cy="6862452"/>
           </a:xfrm>
           <a:prstGeom prst="rect">
             <a:avLst/>
@@ -15020,7 +10196,7 @@
         </p:blipFill>
         <p:spPr>
           <a:xfrm>
-            <a:off x="-7118" y="0"/>
+            <a:off x="0" y="0"/>
             <a:ext cx="12199118" cy="6862004"/>
           </a:xfrm>
           <a:prstGeom prst="rect">
@@ -16275,6 +11451,21 @@
 </file>
 
 <file path=customXml/item1.xml><?xml version="1.0" encoding="utf-8"?>
+<p:properties xmlns:p="http://schemas.microsoft.com/office/2006/metadata/properties" xmlns:xsi="http://www.w3.org/2001/XMLSchema-instance" xmlns:pc="http://schemas.microsoft.com/office/infopath/2007/PartnerControls">
+  <documentManagement/>
+</p:properties>
+</file>
+
+<file path=customXml/item2.xml><?xml version="1.0" encoding="utf-8"?>
+<?mso-contentType ?>
+<FormTemplates xmlns="http://schemas.microsoft.com/sharepoint/v3/contenttype/forms">
+  <Display>DocumentLibraryForm</Display>
+  <Edit>DocumentLibraryForm</Edit>
+  <New>DocumentLibraryForm</New>
+</FormTemplates>
+</file>
+
+<file path=customXml/item3.xml><?xml version="1.0" encoding="utf-8"?>
 <ct:contentTypeSchema xmlns:ct="http://schemas.microsoft.com/office/2006/metadata/contentType" xmlns:ma="http://schemas.microsoft.com/office/2006/metadata/properties/metaAttributes" ct:_="" ma:_="" ma:contentTypeName="Document" ma:contentTypeID="0x010100CBDD5597922DE94FA5E8E0571F583398" ma:contentTypeVersion="20" ma:contentTypeDescription="Create a new document." ma:contentTypeScope="" ma:versionID="432fbfec7dd5b4245b557d40bae51c47">
   <xsd:schema xmlns:xsd="http://www.w3.org/2001/XMLSchema" xmlns:xs="http://www.w3.org/2001/XMLSchema" xmlns:p="http://schemas.microsoft.com/office/2006/metadata/properties" xmlns:ns2="98f265e6-cdbe-4fd4-aef5-bdfd7340258e" targetNamespace="http://schemas.microsoft.com/office/2006/metadata/properties" ma:root="true" ma:fieldsID="1afc33501bbf16213683e38ce170a432" ns2:_="">
     <xsd:import namespace="98f265e6-cdbe-4fd4-aef5-bdfd7340258e"/>
@@ -16452,22 +11643,24 @@
 </ct:contentTypeSchema>
 </file>
 
-<file path=customXml/item2.xml><?xml version="1.0" encoding="utf-8"?>
-<?mso-contentType ?>
-<FormTemplates xmlns="http://schemas.microsoft.com/sharepoint/v3/contenttype/forms">
-  <Display>DocumentLibraryForm</Display>
-  <Edit>DocumentLibraryForm</Edit>
-  <New>DocumentLibraryForm</New>
-</FormTemplates>
+<file path=customXml/itemProps1.xml><?xml version="1.0" encoding="utf-8"?>
+<ds:datastoreItem xmlns:ds="http://schemas.openxmlformats.org/officeDocument/2006/customXml" ds:itemID="{D10843C6-91F0-4E2B-91DD-723C573256C2}">
+  <ds:schemaRefs>
+    <ds:schemaRef ds:uri="http://schemas.microsoft.com/office/2006/metadata/properties"/>
+    <ds:schemaRef ds:uri="http://schemas.microsoft.com/office/infopath/2007/PartnerControls"/>
+  </ds:schemaRefs>
+</ds:datastoreItem>
 </file>
 
-<file path=customXml/item3.xml><?xml version="1.0" encoding="utf-8"?>
-<p:properties xmlns:p="http://schemas.microsoft.com/office/2006/metadata/properties" xmlns:xsi="http://www.w3.org/2001/XMLSchema-instance" xmlns:pc="http://schemas.microsoft.com/office/infopath/2007/PartnerControls">
-  <documentManagement/>
-</p:properties>
+<file path=customXml/itemProps2.xml><?xml version="1.0" encoding="utf-8"?>
+<ds:datastoreItem xmlns:ds="http://schemas.openxmlformats.org/officeDocument/2006/customXml" ds:itemID="{3D2CD3E6-9B9C-4FDE-9B92-5B54DB9DBA72}">
+  <ds:schemaRefs>
+    <ds:schemaRef ds:uri="http://schemas.microsoft.com/sharepoint/v3/contenttype/forms"/>
+  </ds:schemaRefs>
+</ds:datastoreItem>
 </file>
 
-<file path=customXml/itemProps1.xml><?xml version="1.0" encoding="utf-8"?>
+<file path=customXml/itemProps3.xml><?xml version="1.0" encoding="utf-8"?>
 <ds:datastoreItem xmlns:ds="http://schemas.openxmlformats.org/officeDocument/2006/customXml" ds:itemID="{BEED600C-A5AB-4460-B297-67011A12AB5C}">
   <ds:schemaRefs>
     <ds:schemaRef ds:uri="http://schemas.microsoft.com/office/2006/metadata/contentType"/>
@@ -16483,21 +11676,4 @@
     <ds:schemaRef ds:uri="http://schemas.microsoft.com/internal/obd"/>
   </ds:schemaRefs>
 </ds:datastoreItem>
-</file>
-
-<file path=customXml/itemProps2.xml><?xml version="1.0" encoding="utf-8"?>
-<ds:datastoreItem xmlns:ds="http://schemas.openxmlformats.org/officeDocument/2006/customXml" ds:itemID="{3D2CD3E6-9B9C-4FDE-9B92-5B54DB9DBA72}">
-  <ds:schemaRefs>
-    <ds:schemaRef ds:uri="http://schemas.microsoft.com/sharepoint/v3/contenttype/forms"/>
-  </ds:schemaRefs>
-</ds:datastoreItem>
-</file>
-
-<file path=customXml/itemProps3.xml><?xml version="1.0" encoding="utf-8"?>
-<ds:datastoreItem xmlns:ds="http://schemas.openxmlformats.org/officeDocument/2006/customXml" ds:itemID="{D10843C6-91F0-4E2B-91DD-723C573256C2}">
-  <ds:schemaRefs>
-    <ds:schemaRef ds:uri="http://schemas.microsoft.com/office/2006/metadata/properties"/>
-    <ds:schemaRef ds:uri="http://schemas.microsoft.com/office/infopath/2007/PartnerControls"/>
-  </ds:schemaRefs>
-</ds:datastoreItem>
 </file>